--- a/MicroServiceArchitecture/data/msa_data.pptx
+++ b/MicroServiceArchitecture/data/msa_data.pptx
@@ -15,6 +15,8 @@
     <p:sldId id="263" r:id="rId9"/>
     <p:sldId id="264" r:id="rId10"/>
     <p:sldId id="265" r:id="rId11"/>
+    <p:sldId id="266" r:id="rId12"/>
+    <p:sldId id="267" r:id="rId13"/>
   </p:sldIdLst>
   <p:sldSz cx="12192000" cy="6858000"/>
   <p:notesSz cx="6858000" cy="9144000"/>
@@ -280,7 +282,7 @@
           <a:p>
             <a:fld id="{7E3BFFEE-8B72-4622-B0B8-845B3D5B6CC6}" type="datetimeFigureOut">
               <a:rPr lang="ko-KR" altLang="en-US" smtClean="0"/>
-              <a:t>2021-09-09</a:t>
+              <a:t>2021-09-14</a:t>
             </a:fld>
             <a:endParaRPr lang="ko-KR" altLang="en-US"/>
           </a:p>
@@ -478,7 +480,7 @@
           <a:p>
             <a:fld id="{7E3BFFEE-8B72-4622-B0B8-845B3D5B6CC6}" type="datetimeFigureOut">
               <a:rPr lang="ko-KR" altLang="en-US" smtClean="0"/>
-              <a:t>2021-09-09</a:t>
+              <a:t>2021-09-14</a:t>
             </a:fld>
             <a:endParaRPr lang="ko-KR" altLang="en-US"/>
           </a:p>
@@ -686,7 +688,7 @@
           <a:p>
             <a:fld id="{7E3BFFEE-8B72-4622-B0B8-845B3D5B6CC6}" type="datetimeFigureOut">
               <a:rPr lang="ko-KR" altLang="en-US" smtClean="0"/>
-              <a:t>2021-09-09</a:t>
+              <a:t>2021-09-14</a:t>
             </a:fld>
             <a:endParaRPr lang="ko-KR" altLang="en-US"/>
           </a:p>
@@ -884,7 +886,7 @@
           <a:p>
             <a:fld id="{7E3BFFEE-8B72-4622-B0B8-845B3D5B6CC6}" type="datetimeFigureOut">
               <a:rPr lang="ko-KR" altLang="en-US" smtClean="0"/>
-              <a:t>2021-09-09</a:t>
+              <a:t>2021-09-14</a:t>
             </a:fld>
             <a:endParaRPr lang="ko-KR" altLang="en-US"/>
           </a:p>
@@ -1159,7 +1161,7 @@
           <a:p>
             <a:fld id="{7E3BFFEE-8B72-4622-B0B8-845B3D5B6CC6}" type="datetimeFigureOut">
               <a:rPr lang="ko-KR" altLang="en-US" smtClean="0"/>
-              <a:t>2021-09-09</a:t>
+              <a:t>2021-09-14</a:t>
             </a:fld>
             <a:endParaRPr lang="ko-KR" altLang="en-US"/>
           </a:p>
@@ -1424,7 +1426,7 @@
           <a:p>
             <a:fld id="{7E3BFFEE-8B72-4622-B0B8-845B3D5B6CC6}" type="datetimeFigureOut">
               <a:rPr lang="ko-KR" altLang="en-US" smtClean="0"/>
-              <a:t>2021-09-09</a:t>
+              <a:t>2021-09-14</a:t>
             </a:fld>
             <a:endParaRPr lang="ko-KR" altLang="en-US"/>
           </a:p>
@@ -1836,7 +1838,7 @@
           <a:p>
             <a:fld id="{7E3BFFEE-8B72-4622-B0B8-845B3D5B6CC6}" type="datetimeFigureOut">
               <a:rPr lang="ko-KR" altLang="en-US" smtClean="0"/>
-              <a:t>2021-09-09</a:t>
+              <a:t>2021-09-14</a:t>
             </a:fld>
             <a:endParaRPr lang="ko-KR" altLang="en-US"/>
           </a:p>
@@ -1977,7 +1979,7 @@
           <a:p>
             <a:fld id="{7E3BFFEE-8B72-4622-B0B8-845B3D5B6CC6}" type="datetimeFigureOut">
               <a:rPr lang="ko-KR" altLang="en-US" smtClean="0"/>
-              <a:t>2021-09-09</a:t>
+              <a:t>2021-09-14</a:t>
             </a:fld>
             <a:endParaRPr lang="ko-KR" altLang="en-US"/>
           </a:p>
@@ -2090,7 +2092,7 @@
           <a:p>
             <a:fld id="{7E3BFFEE-8B72-4622-B0B8-845B3D5B6CC6}" type="datetimeFigureOut">
               <a:rPr lang="ko-KR" altLang="en-US" smtClean="0"/>
-              <a:t>2021-09-09</a:t>
+              <a:t>2021-09-14</a:t>
             </a:fld>
             <a:endParaRPr lang="ko-KR" altLang="en-US"/>
           </a:p>
@@ -2401,7 +2403,7 @@
           <a:p>
             <a:fld id="{7E3BFFEE-8B72-4622-B0B8-845B3D5B6CC6}" type="datetimeFigureOut">
               <a:rPr lang="ko-KR" altLang="en-US" smtClean="0"/>
-              <a:t>2021-09-09</a:t>
+              <a:t>2021-09-14</a:t>
             </a:fld>
             <a:endParaRPr lang="ko-KR" altLang="en-US"/>
           </a:p>
@@ -2689,7 +2691,7 @@
           <a:p>
             <a:fld id="{7E3BFFEE-8B72-4622-B0B8-845B3D5B6CC6}" type="datetimeFigureOut">
               <a:rPr lang="ko-KR" altLang="en-US" smtClean="0"/>
-              <a:t>2021-09-09</a:t>
+              <a:t>2021-09-14</a:t>
             </a:fld>
             <a:endParaRPr lang="ko-KR" altLang="en-US"/>
           </a:p>
@@ -2930,7 +2932,7 @@
           <a:p>
             <a:fld id="{7E3BFFEE-8B72-4622-B0B8-845B3D5B6CC6}" type="datetimeFigureOut">
               <a:rPr lang="ko-KR" altLang="en-US" smtClean="0"/>
-              <a:t>2021-09-09</a:t>
+              <a:t>2021-09-14</a:t>
             </a:fld>
             <a:endParaRPr lang="ko-KR" altLang="en-US"/>
           </a:p>
@@ -5374,6 +5376,3399 @@
     <p:extLst>
       <p:ext uri="{BB962C8B-B14F-4D97-AF65-F5344CB8AC3E}">
         <p14:creationId xmlns:p14="http://schemas.microsoft.com/office/powerpoint/2010/main" val="3909734876"/>
+      </p:ext>
+    </p:extLst>
+  </p:cSld>
+  <p:clrMapOvr>
+    <a:masterClrMapping/>
+  </p:clrMapOvr>
+</p:sld>
+</file>
+
+<file path=ppt/slides/slide11.xml><?xml version="1.0" encoding="utf-8"?>
+<p:sld xmlns:a="http://schemas.openxmlformats.org/drawingml/2006/main" xmlns:r="http://schemas.openxmlformats.org/officeDocument/2006/relationships" xmlns:p="http://schemas.openxmlformats.org/presentationml/2006/main">
+  <p:cSld>
+    <p:spTree>
+      <p:nvGrpSpPr>
+        <p:cNvPr id="1" name=""/>
+        <p:cNvGrpSpPr/>
+        <p:nvPr/>
+      </p:nvGrpSpPr>
+      <p:grpSpPr>
+        <a:xfrm>
+          <a:off x="0" y="0"/>
+          <a:ext cx="0" cy="0"/>
+          <a:chOff x="0" y="0"/>
+          <a:chExt cx="0" cy="0"/>
+        </a:xfrm>
+      </p:grpSpPr>
+      <p:sp>
+        <p:nvSpPr>
+          <p:cNvPr id="56" name="직사각형 55">
+            <a:extLst>
+              <a:ext uri="{FF2B5EF4-FFF2-40B4-BE49-F238E27FC236}">
+                <a16:creationId xmlns:a16="http://schemas.microsoft.com/office/drawing/2014/main" id="{9EBC0F7D-B90D-4ABF-9144-2DF0DEEB260F}"/>
+              </a:ext>
+            </a:extLst>
+          </p:cNvPr>
+          <p:cNvSpPr/>
+          <p:nvPr/>
+        </p:nvSpPr>
+        <p:spPr>
+          <a:xfrm>
+            <a:off x="5483682" y="1977115"/>
+            <a:ext cx="2057149" cy="2580805"/>
+          </a:xfrm>
+          <a:prstGeom prst="rect">
+            <a:avLst/>
+          </a:prstGeom>
+          <a:noFill/>
+          <a:ln w="19050">
+            <a:solidFill>
+              <a:schemeClr val="tx1">
+                <a:lumMod val="50000"/>
+                <a:lumOff val="50000"/>
+              </a:schemeClr>
+            </a:solidFill>
+            <a:prstDash val="sysDash"/>
+          </a:ln>
+        </p:spPr>
+        <p:style>
+          <a:lnRef idx="2">
+            <a:schemeClr val="accent1">
+              <a:shade val="50000"/>
+            </a:schemeClr>
+          </a:lnRef>
+          <a:fillRef idx="1">
+            <a:schemeClr val="accent1"/>
+          </a:fillRef>
+          <a:effectRef idx="0">
+            <a:schemeClr val="accent1"/>
+          </a:effectRef>
+          <a:fontRef idx="minor">
+            <a:schemeClr val="lt1"/>
+          </a:fontRef>
+        </p:style>
+        <p:txBody>
+          <a:bodyPr rtlCol="0" anchor="ctr"/>
+          <a:lstStyle/>
+          <a:p>
+            <a:pPr algn="ctr"/>
+            <a:endParaRPr lang="en-US" altLang="ko-KR">
+              <a:solidFill>
+                <a:sysClr val="windowText" lastClr="000000"/>
+              </a:solidFill>
+              <a:latin typeface="나눔바른고딕" panose="020B0603020101020101" pitchFamily="50" charset="-127"/>
+              <a:ea typeface="나눔바른고딕" panose="020B0603020101020101" pitchFamily="50" charset="-127"/>
+            </a:endParaRPr>
+          </a:p>
+        </p:txBody>
+      </p:sp>
+      <p:sp>
+        <p:nvSpPr>
+          <p:cNvPr id="58" name="직사각형 57">
+            <a:extLst>
+              <a:ext uri="{FF2B5EF4-FFF2-40B4-BE49-F238E27FC236}">
+                <a16:creationId xmlns:a16="http://schemas.microsoft.com/office/drawing/2014/main" id="{55A8E427-21A0-4B48-B16E-B049FC87E423}"/>
+              </a:ext>
+            </a:extLst>
+          </p:cNvPr>
+          <p:cNvSpPr/>
+          <p:nvPr/>
+        </p:nvSpPr>
+        <p:spPr>
+          <a:xfrm>
+            <a:off x="5755244" y="2286699"/>
+            <a:ext cx="1548580" cy="486412"/>
+          </a:xfrm>
+          <a:prstGeom prst="rect">
+            <a:avLst/>
+          </a:prstGeom>
+          <a:solidFill>
+            <a:schemeClr val="accent1">
+              <a:lumMod val="40000"/>
+              <a:lumOff val="60000"/>
+            </a:schemeClr>
+          </a:solidFill>
+          <a:ln>
+            <a:solidFill>
+              <a:schemeClr val="tx1"/>
+            </a:solidFill>
+          </a:ln>
+        </p:spPr>
+        <p:style>
+          <a:lnRef idx="2">
+            <a:schemeClr val="accent1">
+              <a:shade val="50000"/>
+            </a:schemeClr>
+          </a:lnRef>
+          <a:fillRef idx="1">
+            <a:schemeClr val="accent1"/>
+          </a:fillRef>
+          <a:effectRef idx="0">
+            <a:schemeClr val="accent1"/>
+          </a:effectRef>
+          <a:fontRef idx="minor">
+            <a:schemeClr val="lt1"/>
+          </a:fontRef>
+        </p:style>
+        <p:txBody>
+          <a:bodyPr rtlCol="0" anchor="ctr"/>
+          <a:lstStyle/>
+          <a:p>
+            <a:pPr algn="ctr"/>
+            <a:r>
+              <a:rPr lang="en-US" altLang="ko-KR" sz="1400">
+                <a:solidFill>
+                  <a:sysClr val="windowText" lastClr="000000"/>
+                </a:solidFill>
+                <a:latin typeface="나눔바른고딕" panose="020B0603020101020101" pitchFamily="50" charset="-127"/>
+                <a:ea typeface="나눔바른고딕" panose="020B0603020101020101" pitchFamily="50" charset="-127"/>
+              </a:rPr>
+              <a:t>Instance 1</a:t>
+            </a:r>
+          </a:p>
+        </p:txBody>
+      </p:sp>
+      <p:sp>
+        <p:nvSpPr>
+          <p:cNvPr id="59" name="직사각형 58">
+            <a:extLst>
+              <a:ext uri="{FF2B5EF4-FFF2-40B4-BE49-F238E27FC236}">
+                <a16:creationId xmlns:a16="http://schemas.microsoft.com/office/drawing/2014/main" id="{89CBEA38-005D-4F6A-9D61-C65DACEE5C26}"/>
+              </a:ext>
+            </a:extLst>
+          </p:cNvPr>
+          <p:cNvSpPr/>
+          <p:nvPr/>
+        </p:nvSpPr>
+        <p:spPr>
+          <a:xfrm>
+            <a:off x="5755244" y="3024311"/>
+            <a:ext cx="1548580" cy="486412"/>
+          </a:xfrm>
+          <a:prstGeom prst="rect">
+            <a:avLst/>
+          </a:prstGeom>
+          <a:solidFill>
+            <a:schemeClr val="accent1">
+              <a:lumMod val="40000"/>
+              <a:lumOff val="60000"/>
+            </a:schemeClr>
+          </a:solidFill>
+          <a:ln>
+            <a:solidFill>
+              <a:schemeClr val="tx1"/>
+            </a:solidFill>
+          </a:ln>
+        </p:spPr>
+        <p:style>
+          <a:lnRef idx="2">
+            <a:schemeClr val="accent1">
+              <a:shade val="50000"/>
+            </a:schemeClr>
+          </a:lnRef>
+          <a:fillRef idx="1">
+            <a:schemeClr val="accent1"/>
+          </a:fillRef>
+          <a:effectRef idx="0">
+            <a:schemeClr val="accent1"/>
+          </a:effectRef>
+          <a:fontRef idx="minor">
+            <a:schemeClr val="lt1"/>
+          </a:fontRef>
+        </p:style>
+        <p:txBody>
+          <a:bodyPr rtlCol="0" anchor="ctr"/>
+          <a:lstStyle/>
+          <a:p>
+            <a:pPr algn="ctr"/>
+            <a:r>
+              <a:rPr lang="en-US" altLang="ko-KR" sz="1400">
+                <a:solidFill>
+                  <a:sysClr val="windowText" lastClr="000000"/>
+                </a:solidFill>
+                <a:latin typeface="나눔바른고딕" panose="020B0603020101020101" pitchFamily="50" charset="-127"/>
+                <a:ea typeface="나눔바른고딕" panose="020B0603020101020101" pitchFamily="50" charset="-127"/>
+              </a:rPr>
+              <a:t>Instance 2</a:t>
+            </a:r>
+          </a:p>
+        </p:txBody>
+      </p:sp>
+      <p:sp>
+        <p:nvSpPr>
+          <p:cNvPr id="60" name="직사각형 59">
+            <a:extLst>
+              <a:ext uri="{FF2B5EF4-FFF2-40B4-BE49-F238E27FC236}">
+                <a16:creationId xmlns:a16="http://schemas.microsoft.com/office/drawing/2014/main" id="{B90937F7-B476-41B8-82CC-B82EF6AA4649}"/>
+              </a:ext>
+            </a:extLst>
+          </p:cNvPr>
+          <p:cNvSpPr/>
+          <p:nvPr/>
+        </p:nvSpPr>
+        <p:spPr>
+          <a:xfrm>
+            <a:off x="5755244" y="3761923"/>
+            <a:ext cx="1548580" cy="486412"/>
+          </a:xfrm>
+          <a:prstGeom prst="rect">
+            <a:avLst/>
+          </a:prstGeom>
+          <a:solidFill>
+            <a:schemeClr val="accent1">
+              <a:lumMod val="40000"/>
+              <a:lumOff val="60000"/>
+            </a:schemeClr>
+          </a:solidFill>
+          <a:ln>
+            <a:solidFill>
+              <a:schemeClr val="tx1"/>
+            </a:solidFill>
+          </a:ln>
+        </p:spPr>
+        <p:style>
+          <a:lnRef idx="2">
+            <a:schemeClr val="accent1">
+              <a:shade val="50000"/>
+            </a:schemeClr>
+          </a:lnRef>
+          <a:fillRef idx="1">
+            <a:schemeClr val="accent1"/>
+          </a:fillRef>
+          <a:effectRef idx="0">
+            <a:schemeClr val="accent1"/>
+          </a:effectRef>
+          <a:fontRef idx="minor">
+            <a:schemeClr val="lt1"/>
+          </a:fontRef>
+        </p:style>
+        <p:txBody>
+          <a:bodyPr rtlCol="0" anchor="ctr"/>
+          <a:lstStyle/>
+          <a:p>
+            <a:pPr algn="ctr"/>
+            <a:r>
+              <a:rPr lang="en-US" altLang="ko-KR" sz="1400">
+                <a:solidFill>
+                  <a:sysClr val="windowText" lastClr="000000"/>
+                </a:solidFill>
+                <a:latin typeface="나눔바른고딕" panose="020B0603020101020101" pitchFamily="50" charset="-127"/>
+                <a:ea typeface="나눔바른고딕" panose="020B0603020101020101" pitchFamily="50" charset="-127"/>
+              </a:rPr>
+              <a:t>Instance 3</a:t>
+            </a:r>
+          </a:p>
+        </p:txBody>
+      </p:sp>
+      <p:sp>
+        <p:nvSpPr>
+          <p:cNvPr id="61" name="직사각형 60">
+            <a:extLst>
+              <a:ext uri="{FF2B5EF4-FFF2-40B4-BE49-F238E27FC236}">
+                <a16:creationId xmlns:a16="http://schemas.microsoft.com/office/drawing/2014/main" id="{9D5B8155-A52C-458C-ADE6-9BD55CBC6F65}"/>
+              </a:ext>
+            </a:extLst>
+          </p:cNvPr>
+          <p:cNvSpPr/>
+          <p:nvPr/>
+        </p:nvSpPr>
+        <p:spPr>
+          <a:xfrm>
+            <a:off x="854528" y="2913283"/>
+            <a:ext cx="1579914" cy="708467"/>
+          </a:xfrm>
+          <a:prstGeom prst="rect">
+            <a:avLst/>
+          </a:prstGeom>
+          <a:solidFill>
+            <a:schemeClr val="bg1"/>
+          </a:solidFill>
+          <a:ln>
+            <a:solidFill>
+              <a:schemeClr val="tx1"/>
+            </a:solidFill>
+          </a:ln>
+        </p:spPr>
+        <p:style>
+          <a:lnRef idx="2">
+            <a:schemeClr val="accent1">
+              <a:shade val="50000"/>
+            </a:schemeClr>
+          </a:lnRef>
+          <a:fillRef idx="1">
+            <a:schemeClr val="accent1"/>
+          </a:fillRef>
+          <a:effectRef idx="0">
+            <a:schemeClr val="accent1"/>
+          </a:effectRef>
+          <a:fontRef idx="minor">
+            <a:schemeClr val="lt1"/>
+          </a:fontRef>
+        </p:style>
+        <p:txBody>
+          <a:bodyPr rtlCol="0" anchor="ctr"/>
+          <a:lstStyle/>
+          <a:p>
+            <a:pPr algn="ctr"/>
+            <a:r>
+              <a:rPr lang="ko-KR" altLang="en-US" sz="1400">
+                <a:solidFill>
+                  <a:sysClr val="windowText" lastClr="000000"/>
+                </a:solidFill>
+                <a:latin typeface="나눔바른고딕" panose="020B0603020101020101" pitchFamily="50" charset="-127"/>
+                <a:ea typeface="나눔바른고딕" panose="020B0603020101020101" pitchFamily="50" charset="-127"/>
+              </a:rPr>
+              <a:t>서비스 </a:t>
+            </a:r>
+            <a:r>
+              <a:rPr lang="en-US" altLang="ko-KR" sz="1400">
+                <a:solidFill>
+                  <a:sysClr val="windowText" lastClr="000000"/>
+                </a:solidFill>
+                <a:latin typeface="나눔바른고딕" panose="020B0603020101020101" pitchFamily="50" charset="-127"/>
+                <a:ea typeface="나눔바른고딕" panose="020B0603020101020101" pitchFamily="50" charset="-127"/>
+              </a:rPr>
+              <a:t>Client</a:t>
+            </a:r>
+          </a:p>
+        </p:txBody>
+      </p:sp>
+      <p:sp>
+        <p:nvSpPr>
+          <p:cNvPr id="2" name="타원 1">
+            <a:extLst>
+              <a:ext uri="{FF2B5EF4-FFF2-40B4-BE49-F238E27FC236}">
+                <a16:creationId xmlns:a16="http://schemas.microsoft.com/office/drawing/2014/main" id="{7EAA2BEC-3AE1-4D1A-BE27-3DBEAE5D858B}"/>
+              </a:ext>
+            </a:extLst>
+          </p:cNvPr>
+          <p:cNvSpPr/>
+          <p:nvPr/>
+        </p:nvSpPr>
+        <p:spPr>
+          <a:xfrm>
+            <a:off x="3802485" y="2378842"/>
+            <a:ext cx="302122" cy="302122"/>
+          </a:xfrm>
+          <a:prstGeom prst="ellipse">
+            <a:avLst/>
+          </a:prstGeom>
+          <a:solidFill>
+            <a:schemeClr val="bg1"/>
+          </a:solidFill>
+          <a:ln>
+            <a:solidFill>
+              <a:schemeClr val="tx1"/>
+            </a:solidFill>
+          </a:ln>
+        </p:spPr>
+        <p:style>
+          <a:lnRef idx="2">
+            <a:schemeClr val="accent1">
+              <a:shade val="50000"/>
+            </a:schemeClr>
+          </a:lnRef>
+          <a:fillRef idx="1">
+            <a:schemeClr val="accent1"/>
+          </a:fillRef>
+          <a:effectRef idx="0">
+            <a:schemeClr val="accent1"/>
+          </a:effectRef>
+          <a:fontRef idx="minor">
+            <a:schemeClr val="lt1"/>
+          </a:fontRef>
+        </p:style>
+        <p:txBody>
+          <a:bodyPr rtlCol="0" anchor="ctr"/>
+          <a:lstStyle/>
+          <a:p>
+            <a:pPr algn="ctr"/>
+            <a:endParaRPr lang="ko-KR" altLang="en-US"/>
+          </a:p>
+        </p:txBody>
+      </p:sp>
+      <p:sp>
+        <p:nvSpPr>
+          <p:cNvPr id="62" name="타원 61">
+            <a:extLst>
+              <a:ext uri="{FF2B5EF4-FFF2-40B4-BE49-F238E27FC236}">
+                <a16:creationId xmlns:a16="http://schemas.microsoft.com/office/drawing/2014/main" id="{675D0D88-884A-415F-8FB7-1A22A7E82AFE}"/>
+              </a:ext>
+            </a:extLst>
+          </p:cNvPr>
+          <p:cNvSpPr/>
+          <p:nvPr/>
+        </p:nvSpPr>
+        <p:spPr>
+          <a:xfrm>
+            <a:off x="3802485" y="3116455"/>
+            <a:ext cx="302122" cy="302122"/>
+          </a:xfrm>
+          <a:prstGeom prst="ellipse">
+            <a:avLst/>
+          </a:prstGeom>
+          <a:solidFill>
+            <a:schemeClr val="bg1"/>
+          </a:solidFill>
+          <a:ln>
+            <a:solidFill>
+              <a:schemeClr val="tx1"/>
+            </a:solidFill>
+          </a:ln>
+        </p:spPr>
+        <p:style>
+          <a:lnRef idx="2">
+            <a:schemeClr val="accent1">
+              <a:shade val="50000"/>
+            </a:schemeClr>
+          </a:lnRef>
+          <a:fillRef idx="1">
+            <a:schemeClr val="accent1"/>
+          </a:fillRef>
+          <a:effectRef idx="0">
+            <a:schemeClr val="accent1"/>
+          </a:effectRef>
+          <a:fontRef idx="minor">
+            <a:schemeClr val="lt1"/>
+          </a:fontRef>
+        </p:style>
+        <p:txBody>
+          <a:bodyPr rtlCol="0" anchor="ctr"/>
+          <a:lstStyle/>
+          <a:p>
+            <a:pPr algn="ctr"/>
+            <a:endParaRPr lang="ko-KR" altLang="en-US"/>
+          </a:p>
+        </p:txBody>
+      </p:sp>
+      <p:sp>
+        <p:nvSpPr>
+          <p:cNvPr id="63" name="타원 62">
+            <a:extLst>
+              <a:ext uri="{FF2B5EF4-FFF2-40B4-BE49-F238E27FC236}">
+                <a16:creationId xmlns:a16="http://schemas.microsoft.com/office/drawing/2014/main" id="{47BD2F62-D178-4715-A5F3-6D2E6B9FB3C4}"/>
+              </a:ext>
+            </a:extLst>
+          </p:cNvPr>
+          <p:cNvSpPr/>
+          <p:nvPr/>
+        </p:nvSpPr>
+        <p:spPr>
+          <a:xfrm>
+            <a:off x="3808001" y="3854068"/>
+            <a:ext cx="302122" cy="302122"/>
+          </a:xfrm>
+          <a:prstGeom prst="ellipse">
+            <a:avLst/>
+          </a:prstGeom>
+          <a:solidFill>
+            <a:schemeClr val="bg1"/>
+          </a:solidFill>
+          <a:ln>
+            <a:solidFill>
+              <a:schemeClr val="tx1"/>
+            </a:solidFill>
+          </a:ln>
+        </p:spPr>
+        <p:style>
+          <a:lnRef idx="2">
+            <a:schemeClr val="accent1">
+              <a:shade val="50000"/>
+            </a:schemeClr>
+          </a:lnRef>
+          <a:fillRef idx="1">
+            <a:schemeClr val="accent1"/>
+          </a:fillRef>
+          <a:effectRef idx="0">
+            <a:schemeClr val="accent1"/>
+          </a:effectRef>
+          <a:fontRef idx="minor">
+            <a:schemeClr val="lt1"/>
+          </a:fontRef>
+        </p:style>
+        <p:txBody>
+          <a:bodyPr rtlCol="0" anchor="ctr"/>
+          <a:lstStyle/>
+          <a:p>
+            <a:pPr algn="ctr"/>
+            <a:endParaRPr lang="ko-KR" altLang="en-US"/>
+          </a:p>
+        </p:txBody>
+      </p:sp>
+      <p:cxnSp>
+        <p:nvCxnSpPr>
+          <p:cNvPr id="64" name="직선 화살표 연결선 63">
+            <a:extLst>
+              <a:ext uri="{FF2B5EF4-FFF2-40B4-BE49-F238E27FC236}">
+                <a16:creationId xmlns:a16="http://schemas.microsoft.com/office/drawing/2014/main" id="{7D0795BE-BFE7-4575-A76B-8AE17E5F3D17}"/>
+              </a:ext>
+            </a:extLst>
+          </p:cNvPr>
+          <p:cNvCxnSpPr>
+            <a:cxnSpLocks/>
+            <a:stCxn id="61" idx="3"/>
+            <a:endCxn id="62" idx="2"/>
+          </p:cNvCxnSpPr>
+          <p:nvPr/>
+        </p:nvCxnSpPr>
+        <p:spPr>
+          <a:xfrm flipV="1">
+            <a:off x="2434442" y="3267516"/>
+            <a:ext cx="1368043" cy="1"/>
+          </a:xfrm>
+          <a:prstGeom prst="straightConnector1">
+            <a:avLst/>
+          </a:prstGeom>
+          <a:ln>
+            <a:solidFill>
+              <a:schemeClr val="tx1"/>
+            </a:solidFill>
+            <a:tailEnd type="triangle"/>
+          </a:ln>
+        </p:spPr>
+        <p:style>
+          <a:lnRef idx="1">
+            <a:schemeClr val="accent1"/>
+          </a:lnRef>
+          <a:fillRef idx="0">
+            <a:schemeClr val="accent1"/>
+          </a:fillRef>
+          <a:effectRef idx="0">
+            <a:schemeClr val="accent1"/>
+          </a:effectRef>
+          <a:fontRef idx="minor">
+            <a:schemeClr val="tx1"/>
+          </a:fontRef>
+        </p:style>
+      </p:cxnSp>
+      <p:cxnSp>
+        <p:nvCxnSpPr>
+          <p:cNvPr id="65" name="직선 화살표 연결선 64">
+            <a:extLst>
+              <a:ext uri="{FF2B5EF4-FFF2-40B4-BE49-F238E27FC236}">
+                <a16:creationId xmlns:a16="http://schemas.microsoft.com/office/drawing/2014/main" id="{D499F98C-7E6A-4355-A66E-8550B67F5437}"/>
+              </a:ext>
+            </a:extLst>
+          </p:cNvPr>
+          <p:cNvCxnSpPr>
+            <a:cxnSpLocks/>
+            <a:stCxn id="61" idx="3"/>
+            <a:endCxn id="63" idx="2"/>
+          </p:cNvCxnSpPr>
+          <p:nvPr/>
+        </p:nvCxnSpPr>
+        <p:spPr>
+          <a:xfrm>
+            <a:off x="2434442" y="3267517"/>
+            <a:ext cx="1373559" cy="737612"/>
+          </a:xfrm>
+          <a:prstGeom prst="straightConnector1">
+            <a:avLst/>
+          </a:prstGeom>
+          <a:ln>
+            <a:solidFill>
+              <a:schemeClr val="tx1"/>
+            </a:solidFill>
+            <a:tailEnd type="triangle"/>
+          </a:ln>
+        </p:spPr>
+        <p:style>
+          <a:lnRef idx="1">
+            <a:schemeClr val="accent1"/>
+          </a:lnRef>
+          <a:fillRef idx="0">
+            <a:schemeClr val="accent1"/>
+          </a:fillRef>
+          <a:effectRef idx="0">
+            <a:schemeClr val="accent1"/>
+          </a:effectRef>
+          <a:fontRef idx="minor">
+            <a:schemeClr val="tx1"/>
+          </a:fontRef>
+        </p:style>
+      </p:cxnSp>
+      <p:cxnSp>
+        <p:nvCxnSpPr>
+          <p:cNvPr id="66" name="직선 화살표 연결선 65">
+            <a:extLst>
+              <a:ext uri="{FF2B5EF4-FFF2-40B4-BE49-F238E27FC236}">
+                <a16:creationId xmlns:a16="http://schemas.microsoft.com/office/drawing/2014/main" id="{E5D4443F-F4E1-4E16-85CA-209F2A35C39E}"/>
+              </a:ext>
+            </a:extLst>
+          </p:cNvPr>
+          <p:cNvCxnSpPr>
+            <a:cxnSpLocks/>
+            <a:stCxn id="61" idx="3"/>
+            <a:endCxn id="2" idx="2"/>
+          </p:cNvCxnSpPr>
+          <p:nvPr/>
+        </p:nvCxnSpPr>
+        <p:spPr>
+          <a:xfrm flipV="1">
+            <a:off x="2434442" y="2529903"/>
+            <a:ext cx="1368043" cy="737614"/>
+          </a:xfrm>
+          <a:prstGeom prst="straightConnector1">
+            <a:avLst/>
+          </a:prstGeom>
+          <a:ln>
+            <a:solidFill>
+              <a:schemeClr val="tx1"/>
+            </a:solidFill>
+            <a:tailEnd type="triangle"/>
+          </a:ln>
+        </p:spPr>
+        <p:style>
+          <a:lnRef idx="1">
+            <a:schemeClr val="accent1"/>
+          </a:lnRef>
+          <a:fillRef idx="0">
+            <a:schemeClr val="accent1"/>
+          </a:fillRef>
+          <a:effectRef idx="0">
+            <a:schemeClr val="accent1"/>
+          </a:effectRef>
+          <a:fontRef idx="minor">
+            <a:schemeClr val="tx1"/>
+          </a:fontRef>
+        </p:style>
+      </p:cxnSp>
+      <p:cxnSp>
+        <p:nvCxnSpPr>
+          <p:cNvPr id="69" name="직선 화살표 연결선 68">
+            <a:extLst>
+              <a:ext uri="{FF2B5EF4-FFF2-40B4-BE49-F238E27FC236}">
+                <a16:creationId xmlns:a16="http://schemas.microsoft.com/office/drawing/2014/main" id="{ED151CA9-62AD-482C-92E8-DE4673F372EF}"/>
+              </a:ext>
+            </a:extLst>
+          </p:cNvPr>
+          <p:cNvCxnSpPr>
+            <a:cxnSpLocks/>
+            <a:stCxn id="2" idx="6"/>
+            <a:endCxn id="58" idx="1"/>
+          </p:cNvCxnSpPr>
+          <p:nvPr/>
+        </p:nvCxnSpPr>
+        <p:spPr>
+          <a:xfrm>
+            <a:off x="4104607" y="2529903"/>
+            <a:ext cx="1650637" cy="2"/>
+          </a:xfrm>
+          <a:prstGeom prst="straightConnector1">
+            <a:avLst/>
+          </a:prstGeom>
+          <a:ln>
+            <a:solidFill>
+              <a:schemeClr val="tx1"/>
+            </a:solidFill>
+            <a:tailEnd type="triangle"/>
+          </a:ln>
+        </p:spPr>
+        <p:style>
+          <a:lnRef idx="1">
+            <a:schemeClr val="accent1"/>
+          </a:lnRef>
+          <a:fillRef idx="0">
+            <a:schemeClr val="accent1"/>
+          </a:fillRef>
+          <a:effectRef idx="0">
+            <a:schemeClr val="accent1"/>
+          </a:effectRef>
+          <a:fontRef idx="minor">
+            <a:schemeClr val="tx1"/>
+          </a:fontRef>
+        </p:style>
+      </p:cxnSp>
+      <p:cxnSp>
+        <p:nvCxnSpPr>
+          <p:cNvPr id="72" name="직선 화살표 연결선 71">
+            <a:extLst>
+              <a:ext uri="{FF2B5EF4-FFF2-40B4-BE49-F238E27FC236}">
+                <a16:creationId xmlns:a16="http://schemas.microsoft.com/office/drawing/2014/main" id="{60CE0E92-9620-43DE-A6E2-DF7C23D6C56D}"/>
+              </a:ext>
+            </a:extLst>
+          </p:cNvPr>
+          <p:cNvCxnSpPr>
+            <a:cxnSpLocks/>
+            <a:stCxn id="62" idx="6"/>
+            <a:endCxn id="59" idx="1"/>
+          </p:cNvCxnSpPr>
+          <p:nvPr/>
+        </p:nvCxnSpPr>
+        <p:spPr>
+          <a:xfrm>
+            <a:off x="4104607" y="3267516"/>
+            <a:ext cx="1650637" cy="1"/>
+          </a:xfrm>
+          <a:prstGeom prst="straightConnector1">
+            <a:avLst/>
+          </a:prstGeom>
+          <a:ln>
+            <a:solidFill>
+              <a:schemeClr val="tx1"/>
+            </a:solidFill>
+            <a:tailEnd type="triangle"/>
+          </a:ln>
+        </p:spPr>
+        <p:style>
+          <a:lnRef idx="1">
+            <a:schemeClr val="accent1"/>
+          </a:lnRef>
+          <a:fillRef idx="0">
+            <a:schemeClr val="accent1"/>
+          </a:fillRef>
+          <a:effectRef idx="0">
+            <a:schemeClr val="accent1"/>
+          </a:effectRef>
+          <a:fontRef idx="minor">
+            <a:schemeClr val="tx1"/>
+          </a:fontRef>
+        </p:style>
+      </p:cxnSp>
+      <p:cxnSp>
+        <p:nvCxnSpPr>
+          <p:cNvPr id="75" name="직선 화살표 연결선 74">
+            <a:extLst>
+              <a:ext uri="{FF2B5EF4-FFF2-40B4-BE49-F238E27FC236}">
+                <a16:creationId xmlns:a16="http://schemas.microsoft.com/office/drawing/2014/main" id="{BAE6B84B-62FE-4288-8B73-0620452208B0}"/>
+              </a:ext>
+            </a:extLst>
+          </p:cNvPr>
+          <p:cNvCxnSpPr>
+            <a:cxnSpLocks/>
+            <a:stCxn id="63" idx="6"/>
+            <a:endCxn id="60" idx="1"/>
+          </p:cNvCxnSpPr>
+          <p:nvPr/>
+        </p:nvCxnSpPr>
+        <p:spPr>
+          <a:xfrm>
+            <a:off x="4110123" y="4005129"/>
+            <a:ext cx="1645121" cy="0"/>
+          </a:xfrm>
+          <a:prstGeom prst="straightConnector1">
+            <a:avLst/>
+          </a:prstGeom>
+          <a:ln>
+            <a:solidFill>
+              <a:schemeClr val="tx1"/>
+            </a:solidFill>
+            <a:tailEnd type="triangle"/>
+          </a:ln>
+        </p:spPr>
+        <p:style>
+          <a:lnRef idx="1">
+            <a:schemeClr val="accent1"/>
+          </a:lnRef>
+          <a:fillRef idx="0">
+            <a:schemeClr val="accent1"/>
+          </a:fillRef>
+          <a:effectRef idx="0">
+            <a:schemeClr val="accent1"/>
+          </a:effectRef>
+          <a:fontRef idx="minor">
+            <a:schemeClr val="tx1"/>
+          </a:fontRef>
+        </p:style>
+      </p:cxnSp>
+      <p:sp>
+        <p:nvSpPr>
+          <p:cNvPr id="17" name="TextBox 16">
+            <a:extLst>
+              <a:ext uri="{FF2B5EF4-FFF2-40B4-BE49-F238E27FC236}">
+                <a16:creationId xmlns:a16="http://schemas.microsoft.com/office/drawing/2014/main" id="{3BF6B541-BB11-420B-95A9-6C8CA77F76D7}"/>
+              </a:ext>
+            </a:extLst>
+          </p:cNvPr>
+          <p:cNvSpPr txBox="1"/>
+          <p:nvPr/>
+        </p:nvSpPr>
+        <p:spPr>
+          <a:xfrm>
+            <a:off x="5453043" y="1968714"/>
+            <a:ext cx="1816925" cy="307777"/>
+          </a:xfrm>
+          <a:prstGeom prst="rect">
+            <a:avLst/>
+          </a:prstGeom>
+          <a:noFill/>
+        </p:spPr>
+        <p:txBody>
+          <a:bodyPr wrap="square" rtlCol="0">
+            <a:spAutoFit/>
+          </a:bodyPr>
+          <a:lstStyle/>
+          <a:p>
+            <a:r>
+              <a:rPr lang="ko-KR" altLang="en-US" sz="1400"/>
+              <a:t>서비스</a:t>
+            </a:r>
+          </a:p>
+        </p:txBody>
+      </p:sp>
+      <p:sp>
+        <p:nvSpPr>
+          <p:cNvPr id="79" name="TextBox 78">
+            <a:extLst>
+              <a:ext uri="{FF2B5EF4-FFF2-40B4-BE49-F238E27FC236}">
+                <a16:creationId xmlns:a16="http://schemas.microsoft.com/office/drawing/2014/main" id="{C7EDB025-3150-451A-9878-CE52BCDD646D}"/>
+              </a:ext>
+            </a:extLst>
+          </p:cNvPr>
+          <p:cNvSpPr txBox="1"/>
+          <p:nvPr/>
+        </p:nvSpPr>
+        <p:spPr>
+          <a:xfrm>
+            <a:off x="3612368" y="2035497"/>
+            <a:ext cx="1816925" cy="307777"/>
+          </a:xfrm>
+          <a:prstGeom prst="rect">
+            <a:avLst/>
+          </a:prstGeom>
+          <a:noFill/>
+        </p:spPr>
+        <p:txBody>
+          <a:bodyPr wrap="square" rtlCol="0">
+            <a:spAutoFit/>
+          </a:bodyPr>
+          <a:lstStyle/>
+          <a:p>
+            <a:r>
+              <a:rPr lang="en-US" altLang="ko-KR" sz="1400"/>
+              <a:t>10.0.0.1</a:t>
+            </a:r>
+            <a:endParaRPr lang="ko-KR" altLang="en-US" sz="1400"/>
+          </a:p>
+        </p:txBody>
+      </p:sp>
+      <p:sp>
+        <p:nvSpPr>
+          <p:cNvPr id="80" name="TextBox 79">
+            <a:extLst>
+              <a:ext uri="{FF2B5EF4-FFF2-40B4-BE49-F238E27FC236}">
+                <a16:creationId xmlns:a16="http://schemas.microsoft.com/office/drawing/2014/main" id="{475581D0-7C93-4010-8563-C8F60B63CBE6}"/>
+              </a:ext>
+            </a:extLst>
+          </p:cNvPr>
+          <p:cNvSpPr txBox="1"/>
+          <p:nvPr/>
+        </p:nvSpPr>
+        <p:spPr>
+          <a:xfrm>
+            <a:off x="3612367" y="2770279"/>
+            <a:ext cx="1816925" cy="307777"/>
+          </a:xfrm>
+          <a:prstGeom prst="rect">
+            <a:avLst/>
+          </a:prstGeom>
+          <a:noFill/>
+        </p:spPr>
+        <p:txBody>
+          <a:bodyPr wrap="square" rtlCol="0">
+            <a:spAutoFit/>
+          </a:bodyPr>
+          <a:lstStyle/>
+          <a:p>
+            <a:r>
+              <a:rPr lang="en-US" altLang="ko-KR" sz="1400"/>
+              <a:t>10.0.0.2</a:t>
+            </a:r>
+            <a:endParaRPr lang="ko-KR" altLang="en-US" sz="1400"/>
+          </a:p>
+        </p:txBody>
+      </p:sp>
+      <p:sp>
+        <p:nvSpPr>
+          <p:cNvPr id="81" name="TextBox 80">
+            <a:extLst>
+              <a:ext uri="{FF2B5EF4-FFF2-40B4-BE49-F238E27FC236}">
+                <a16:creationId xmlns:a16="http://schemas.microsoft.com/office/drawing/2014/main" id="{7C876E96-A6D0-42B1-827D-8860FEB51561}"/>
+              </a:ext>
+            </a:extLst>
+          </p:cNvPr>
+          <p:cNvSpPr txBox="1"/>
+          <p:nvPr/>
+        </p:nvSpPr>
+        <p:spPr>
+          <a:xfrm>
+            <a:off x="3670336" y="3613690"/>
+            <a:ext cx="1816925" cy="307777"/>
+          </a:xfrm>
+          <a:prstGeom prst="rect">
+            <a:avLst/>
+          </a:prstGeom>
+          <a:noFill/>
+        </p:spPr>
+        <p:txBody>
+          <a:bodyPr wrap="square" rtlCol="0">
+            <a:spAutoFit/>
+          </a:bodyPr>
+          <a:lstStyle/>
+          <a:p>
+            <a:r>
+              <a:rPr lang="en-US" altLang="ko-KR" sz="1400"/>
+              <a:t>10.0.0.3</a:t>
+            </a:r>
+          </a:p>
+        </p:txBody>
+      </p:sp>
+      <p:sp>
+        <p:nvSpPr>
+          <p:cNvPr id="86" name="직사각형 85">
+            <a:extLst>
+              <a:ext uri="{FF2B5EF4-FFF2-40B4-BE49-F238E27FC236}">
+                <a16:creationId xmlns:a16="http://schemas.microsoft.com/office/drawing/2014/main" id="{13FC24CD-018D-4A5D-A2E7-6A5E7A81663A}"/>
+              </a:ext>
+            </a:extLst>
+          </p:cNvPr>
+          <p:cNvSpPr/>
+          <p:nvPr/>
+        </p:nvSpPr>
+        <p:spPr>
+          <a:xfrm>
+            <a:off x="3430112" y="1933922"/>
+            <a:ext cx="1118137" cy="2623998"/>
+          </a:xfrm>
+          <a:prstGeom prst="rect">
+            <a:avLst/>
+          </a:prstGeom>
+          <a:noFill/>
+          <a:ln w="19050">
+            <a:solidFill>
+              <a:schemeClr val="tx1">
+                <a:lumMod val="50000"/>
+                <a:lumOff val="50000"/>
+              </a:schemeClr>
+            </a:solidFill>
+            <a:prstDash val="sysDash"/>
+          </a:ln>
+        </p:spPr>
+        <p:style>
+          <a:lnRef idx="2">
+            <a:schemeClr val="accent1">
+              <a:shade val="50000"/>
+            </a:schemeClr>
+          </a:lnRef>
+          <a:fillRef idx="1">
+            <a:schemeClr val="accent1"/>
+          </a:fillRef>
+          <a:effectRef idx="0">
+            <a:schemeClr val="accent1"/>
+          </a:effectRef>
+          <a:fontRef idx="minor">
+            <a:schemeClr val="lt1"/>
+          </a:fontRef>
+        </p:style>
+        <p:txBody>
+          <a:bodyPr rtlCol="0" anchor="ctr"/>
+          <a:lstStyle/>
+          <a:p>
+            <a:pPr algn="ctr"/>
+            <a:endParaRPr lang="en-US" altLang="ko-KR">
+              <a:solidFill>
+                <a:sysClr val="windowText" lastClr="000000"/>
+              </a:solidFill>
+              <a:latin typeface="나눔바른고딕" panose="020B0603020101020101" pitchFamily="50" charset="-127"/>
+              <a:ea typeface="나눔바른고딕" panose="020B0603020101020101" pitchFamily="50" charset="-127"/>
+            </a:endParaRPr>
+          </a:p>
+        </p:txBody>
+      </p:sp>
+      <p:sp>
+        <p:nvSpPr>
+          <p:cNvPr id="87" name="TextBox 86">
+            <a:extLst>
+              <a:ext uri="{FF2B5EF4-FFF2-40B4-BE49-F238E27FC236}">
+                <a16:creationId xmlns:a16="http://schemas.microsoft.com/office/drawing/2014/main" id="{C8B9C804-978E-4E09-98F1-6FBABF6BFFC7}"/>
+              </a:ext>
+            </a:extLst>
+          </p:cNvPr>
+          <p:cNvSpPr txBox="1"/>
+          <p:nvPr/>
+        </p:nvSpPr>
+        <p:spPr>
+          <a:xfrm>
+            <a:off x="3430112" y="1524952"/>
+            <a:ext cx="1816925" cy="307777"/>
+          </a:xfrm>
+          <a:prstGeom prst="rect">
+            <a:avLst/>
+          </a:prstGeom>
+          <a:noFill/>
+        </p:spPr>
+        <p:txBody>
+          <a:bodyPr wrap="square" rtlCol="0">
+            <a:spAutoFit/>
+          </a:bodyPr>
+          <a:lstStyle/>
+          <a:p>
+            <a:r>
+              <a:rPr lang="en-US" altLang="ko-KR" sz="1400"/>
+              <a:t>DHCP </a:t>
+            </a:r>
+            <a:r>
+              <a:rPr lang="ko-KR" altLang="en-US" sz="1400"/>
+              <a:t>할당</a:t>
+            </a:r>
+          </a:p>
+        </p:txBody>
+      </p:sp>
+      <p:sp>
+        <p:nvSpPr>
+          <p:cNvPr id="88" name="TextBox 87">
+            <a:extLst>
+              <a:ext uri="{FF2B5EF4-FFF2-40B4-BE49-F238E27FC236}">
+                <a16:creationId xmlns:a16="http://schemas.microsoft.com/office/drawing/2014/main" id="{E0933763-3FB4-4601-BBF3-697FA6A4E310}"/>
+              </a:ext>
+            </a:extLst>
+          </p:cNvPr>
+          <p:cNvSpPr txBox="1"/>
+          <p:nvPr/>
+        </p:nvSpPr>
+        <p:spPr>
+          <a:xfrm>
+            <a:off x="5945703" y="1524952"/>
+            <a:ext cx="1816925" cy="307777"/>
+          </a:xfrm>
+          <a:prstGeom prst="rect">
+            <a:avLst/>
+          </a:prstGeom>
+          <a:noFill/>
+        </p:spPr>
+        <p:txBody>
+          <a:bodyPr wrap="square" rtlCol="0">
+            <a:spAutoFit/>
+          </a:bodyPr>
+          <a:lstStyle/>
+          <a:p>
+            <a:r>
+              <a:rPr lang="ko-KR" altLang="en-US" sz="1400"/>
+              <a:t>동적 생성</a:t>
+            </a:r>
+          </a:p>
+        </p:txBody>
+      </p:sp>
+    </p:spTree>
+    <p:extLst>
+      <p:ext uri="{BB962C8B-B14F-4D97-AF65-F5344CB8AC3E}">
+        <p14:creationId xmlns:p14="http://schemas.microsoft.com/office/powerpoint/2010/main" val="723291365"/>
+      </p:ext>
+    </p:extLst>
+  </p:cSld>
+  <p:clrMapOvr>
+    <a:masterClrMapping/>
+  </p:clrMapOvr>
+</p:sld>
+</file>
+
+<file path=ppt/slides/slide12.xml><?xml version="1.0" encoding="utf-8"?>
+<p:sld xmlns:a="http://schemas.openxmlformats.org/drawingml/2006/main" xmlns:r="http://schemas.openxmlformats.org/officeDocument/2006/relationships" xmlns:p="http://schemas.openxmlformats.org/presentationml/2006/main">
+  <p:cSld>
+    <p:spTree>
+      <p:nvGrpSpPr>
+        <p:cNvPr id="1" name=""/>
+        <p:cNvGrpSpPr/>
+        <p:nvPr/>
+      </p:nvGrpSpPr>
+      <p:grpSpPr>
+        <a:xfrm>
+          <a:off x="0" y="0"/>
+          <a:ext cx="0" cy="0"/>
+          <a:chOff x="0" y="0"/>
+          <a:chExt cx="0" cy="0"/>
+        </a:xfrm>
+      </p:grpSpPr>
+      <p:sp>
+        <p:nvSpPr>
+          <p:cNvPr id="23" name="직사각형 22">
+            <a:extLst>
+              <a:ext uri="{FF2B5EF4-FFF2-40B4-BE49-F238E27FC236}">
+                <a16:creationId xmlns:a16="http://schemas.microsoft.com/office/drawing/2014/main" id="{E9157B63-A1E7-4866-B71A-707D150B14A3}"/>
+              </a:ext>
+            </a:extLst>
+          </p:cNvPr>
+          <p:cNvSpPr/>
+          <p:nvPr/>
+        </p:nvSpPr>
+        <p:spPr>
+          <a:xfrm>
+            <a:off x="735774" y="1323835"/>
+            <a:ext cx="1761766" cy="1897039"/>
+          </a:xfrm>
+          <a:prstGeom prst="rect">
+            <a:avLst/>
+          </a:prstGeom>
+          <a:solidFill>
+            <a:schemeClr val="bg1"/>
+          </a:solidFill>
+          <a:ln>
+            <a:solidFill>
+              <a:schemeClr val="tx1"/>
+            </a:solidFill>
+          </a:ln>
+        </p:spPr>
+        <p:style>
+          <a:lnRef idx="2">
+            <a:schemeClr val="accent1">
+              <a:shade val="50000"/>
+            </a:schemeClr>
+          </a:lnRef>
+          <a:fillRef idx="1">
+            <a:schemeClr val="accent1"/>
+          </a:fillRef>
+          <a:effectRef idx="0">
+            <a:schemeClr val="accent1"/>
+          </a:effectRef>
+          <a:fontRef idx="minor">
+            <a:schemeClr val="lt1"/>
+          </a:fontRef>
+        </p:style>
+        <p:txBody>
+          <a:bodyPr rtlCol="0" anchor="ctr"/>
+          <a:lstStyle/>
+          <a:p>
+            <a:pPr algn="ctr"/>
+            <a:r>
+              <a:rPr lang="ko-KR" altLang="en-US" sz="1400">
+                <a:solidFill>
+                  <a:sysClr val="windowText" lastClr="000000"/>
+                </a:solidFill>
+                <a:latin typeface="나눔바른고딕" panose="020B0603020101020101" pitchFamily="50" charset="-127"/>
+                <a:ea typeface="나눔바른고딕" panose="020B0603020101020101" pitchFamily="50" charset="-127"/>
+              </a:rPr>
+              <a:t>서비스 </a:t>
+            </a:r>
+            <a:r>
+              <a:rPr lang="en-US" altLang="ko-KR" sz="1400">
+                <a:solidFill>
+                  <a:sysClr val="windowText" lastClr="000000"/>
+                </a:solidFill>
+                <a:latin typeface="나눔바른고딕" panose="020B0603020101020101" pitchFamily="50" charset="-127"/>
+                <a:ea typeface="나눔바른고딕" panose="020B0603020101020101" pitchFamily="50" charset="-127"/>
+              </a:rPr>
+              <a:t>Client</a:t>
+            </a:r>
+          </a:p>
+          <a:p>
+            <a:pPr algn="ctr"/>
+            <a:endParaRPr lang="en-US" altLang="ko-KR" sz="1400">
+              <a:solidFill>
+                <a:sysClr val="windowText" lastClr="000000"/>
+              </a:solidFill>
+              <a:latin typeface="나눔바른고딕" panose="020B0603020101020101" pitchFamily="50" charset="-127"/>
+              <a:ea typeface="나눔바른고딕" panose="020B0603020101020101" pitchFamily="50" charset="-127"/>
+            </a:endParaRPr>
+          </a:p>
+          <a:p>
+            <a:pPr algn="ctr"/>
+            <a:endParaRPr lang="en-US" altLang="ko-KR" sz="1400">
+              <a:solidFill>
+                <a:sysClr val="windowText" lastClr="000000"/>
+              </a:solidFill>
+              <a:latin typeface="나눔바른고딕" panose="020B0603020101020101" pitchFamily="50" charset="-127"/>
+              <a:ea typeface="나눔바른고딕" panose="020B0603020101020101" pitchFamily="50" charset="-127"/>
+            </a:endParaRPr>
+          </a:p>
+          <a:p>
+            <a:pPr algn="ctr"/>
+            <a:endParaRPr lang="en-US" altLang="ko-KR" sz="1400">
+              <a:solidFill>
+                <a:sysClr val="windowText" lastClr="000000"/>
+              </a:solidFill>
+              <a:latin typeface="나눔바른고딕" panose="020B0603020101020101" pitchFamily="50" charset="-127"/>
+              <a:ea typeface="나눔바른고딕" panose="020B0603020101020101" pitchFamily="50" charset="-127"/>
+            </a:endParaRPr>
+          </a:p>
+          <a:p>
+            <a:pPr algn="ctr"/>
+            <a:endParaRPr lang="en-US" altLang="ko-KR" sz="1400">
+              <a:solidFill>
+                <a:sysClr val="windowText" lastClr="000000"/>
+              </a:solidFill>
+              <a:latin typeface="나눔바른고딕" panose="020B0603020101020101" pitchFamily="50" charset="-127"/>
+              <a:ea typeface="나눔바른고딕" panose="020B0603020101020101" pitchFamily="50" charset="-127"/>
+            </a:endParaRPr>
+          </a:p>
+          <a:p>
+            <a:pPr algn="ctr"/>
+            <a:endParaRPr lang="en-US" altLang="ko-KR" sz="1400">
+              <a:solidFill>
+                <a:sysClr val="windowText" lastClr="000000"/>
+              </a:solidFill>
+              <a:latin typeface="나눔바른고딕" panose="020B0603020101020101" pitchFamily="50" charset="-127"/>
+              <a:ea typeface="나눔바른고딕" panose="020B0603020101020101" pitchFamily="50" charset="-127"/>
+            </a:endParaRPr>
+          </a:p>
+          <a:p>
+            <a:pPr algn="ctr"/>
+            <a:endParaRPr lang="en-US" altLang="ko-KR" sz="1400">
+              <a:solidFill>
+                <a:sysClr val="windowText" lastClr="000000"/>
+              </a:solidFill>
+              <a:latin typeface="나눔바른고딕" panose="020B0603020101020101" pitchFamily="50" charset="-127"/>
+              <a:ea typeface="나눔바른고딕" panose="020B0603020101020101" pitchFamily="50" charset="-127"/>
+            </a:endParaRPr>
+          </a:p>
+        </p:txBody>
+      </p:sp>
+      <p:graphicFrame>
+        <p:nvGraphicFramePr>
+          <p:cNvPr id="3" name="표 3">
+            <a:extLst>
+              <a:ext uri="{FF2B5EF4-FFF2-40B4-BE49-F238E27FC236}">
+                <a16:creationId xmlns:a16="http://schemas.microsoft.com/office/drawing/2014/main" id="{C4F05910-37B8-48B8-BD07-85663B5FFBCF}"/>
+              </a:ext>
+            </a:extLst>
+          </p:cNvPr>
+          <p:cNvGraphicFramePr>
+            <a:graphicFrameLocks noGrp="1"/>
+          </p:cNvGraphicFramePr>
+          <p:nvPr>
+            <p:extLst>
+              <p:ext uri="{D42A27DB-BD31-4B8C-83A1-F6EECF244321}">
+                <p14:modId xmlns:p14="http://schemas.microsoft.com/office/powerpoint/2010/main" val="3870336163"/>
+              </p:ext>
+            </p:extLst>
+          </p:nvPr>
+        </p:nvGraphicFramePr>
+        <p:xfrm>
+          <a:off x="844147" y="1953427"/>
+          <a:ext cx="1557857" cy="1036320"/>
+        </p:xfrm>
+        <a:graphic>
+          <a:graphicData uri="http://schemas.openxmlformats.org/drawingml/2006/table">
+            <a:tbl>
+              <a:tblPr firstRow="1" bandRow="1">
+                <a:tableStyleId>{5940675A-B579-460E-94D1-54222C63F5DA}</a:tableStyleId>
+              </a:tblPr>
+              <a:tblGrid>
+                <a:gridCol w="1557857">
+                  <a:extLst>
+                    <a:ext uri="{9D8B030D-6E8A-4147-A177-3AD203B41FA5}">
+                      <a16:colId xmlns:a16="http://schemas.microsoft.com/office/drawing/2014/main" val="3756992613"/>
+                    </a:ext>
+                  </a:extLst>
+                </a:gridCol>
+              </a:tblGrid>
+              <a:tr h="435831">
+                <a:tc>
+                  <a:txBody>
+                    <a:bodyPr/>
+                    <a:lstStyle/>
+                    <a:p>
+                      <a:pPr algn="ctr" latinLnBrk="1"/>
+                      <a:r>
+                        <a:rPr lang="en-US" altLang="ko-KR" sz="1400">
+                          <a:solidFill>
+                            <a:schemeClr val="tx1"/>
+                          </a:solidFill>
+                          <a:latin typeface="나눔바른고딕" panose="020B0603020101020101" pitchFamily="50" charset="-127"/>
+                          <a:ea typeface="나눔바른고딕" panose="020B0603020101020101" pitchFamily="50" charset="-127"/>
+                        </a:rPr>
+                        <a:t>RPC/REST</a:t>
+                      </a:r>
+                    </a:p>
+                    <a:p>
+                      <a:pPr algn="ctr" latinLnBrk="1"/>
+                      <a:r>
+                        <a:rPr lang="en-US" altLang="ko-KR" sz="1400">
+                          <a:solidFill>
+                            <a:schemeClr val="tx1"/>
+                          </a:solidFill>
+                          <a:latin typeface="나눔바른고딕" panose="020B0603020101020101" pitchFamily="50" charset="-127"/>
+                          <a:ea typeface="나눔바른고딕" panose="020B0603020101020101" pitchFamily="50" charset="-127"/>
+                        </a:rPr>
+                        <a:t>Client</a:t>
+                      </a:r>
+                      <a:endParaRPr lang="ko-KR" altLang="en-US" sz="1400">
+                        <a:solidFill>
+                          <a:schemeClr val="tx1"/>
+                        </a:solidFill>
+                        <a:latin typeface="나눔바른고딕" panose="020B0603020101020101" pitchFamily="50" charset="-127"/>
+                        <a:ea typeface="나눔바른고딕" panose="020B0603020101020101" pitchFamily="50" charset="-127"/>
+                      </a:endParaRPr>
+                    </a:p>
+                  </a:txBody>
+                  <a:tcPr>
+                    <a:solidFill>
+                      <a:schemeClr val="bg1"/>
+                    </a:solidFill>
+                  </a:tcPr>
+                </a:tc>
+                <a:extLst>
+                  <a:ext uri="{0D108BD9-81ED-4DB2-BD59-A6C34878D82A}">
+                    <a16:rowId xmlns:a16="http://schemas.microsoft.com/office/drawing/2014/main" val="1196108189"/>
+                  </a:ext>
+                </a:extLst>
+              </a:tr>
+              <a:tr h="435831">
+                <a:tc>
+                  <a:txBody>
+                    <a:bodyPr/>
+                    <a:lstStyle/>
+                    <a:p>
+                      <a:pPr algn="ctr" latinLnBrk="1"/>
+                      <a:r>
+                        <a:rPr lang="ko-KR" altLang="en-US" sz="1400">
+                          <a:solidFill>
+                            <a:schemeClr val="tx1"/>
+                          </a:solidFill>
+                          <a:latin typeface="나눔바른고딕" panose="020B0603020101020101" pitchFamily="50" charset="-127"/>
+                          <a:ea typeface="나눔바른고딕" panose="020B0603020101020101" pitchFamily="50" charset="-127"/>
+                        </a:rPr>
+                        <a:t>서비스 디스커버리라이브러리</a:t>
+                      </a:r>
+                      <a:endParaRPr lang="en-US" altLang="ko-KR" sz="1400">
+                        <a:solidFill>
+                          <a:schemeClr val="tx1"/>
+                        </a:solidFill>
+                        <a:latin typeface="나눔바른고딕" panose="020B0603020101020101" pitchFamily="50" charset="-127"/>
+                        <a:ea typeface="나눔바른고딕" panose="020B0603020101020101" pitchFamily="50" charset="-127"/>
+                      </a:endParaRPr>
+                    </a:p>
+                  </a:txBody>
+                  <a:tcPr>
+                    <a:solidFill>
+                      <a:schemeClr val="bg1">
+                        <a:lumMod val="65000"/>
+                      </a:schemeClr>
+                    </a:solidFill>
+                  </a:tcPr>
+                </a:tc>
+                <a:extLst>
+                  <a:ext uri="{0D108BD9-81ED-4DB2-BD59-A6C34878D82A}">
+                    <a16:rowId xmlns:a16="http://schemas.microsoft.com/office/drawing/2014/main" val="1384305990"/>
+                  </a:ext>
+                </a:extLst>
+              </a:tr>
+            </a:tbl>
+          </a:graphicData>
+        </a:graphic>
+      </p:graphicFrame>
+      <p:sp>
+        <p:nvSpPr>
+          <p:cNvPr id="26" name="타원 25">
+            <a:extLst>
+              <a:ext uri="{FF2B5EF4-FFF2-40B4-BE49-F238E27FC236}">
+                <a16:creationId xmlns:a16="http://schemas.microsoft.com/office/drawing/2014/main" id="{7B327B10-B697-4B1B-AD94-E23947845030}"/>
+              </a:ext>
+            </a:extLst>
+          </p:cNvPr>
+          <p:cNvSpPr/>
+          <p:nvPr/>
+        </p:nvSpPr>
+        <p:spPr>
+          <a:xfrm>
+            <a:off x="3661333" y="3277939"/>
+            <a:ext cx="302122" cy="302122"/>
+          </a:xfrm>
+          <a:prstGeom prst="ellipse">
+            <a:avLst/>
+          </a:prstGeom>
+          <a:solidFill>
+            <a:schemeClr val="bg1"/>
+          </a:solidFill>
+          <a:ln>
+            <a:solidFill>
+              <a:schemeClr val="tx1"/>
+            </a:solidFill>
+          </a:ln>
+        </p:spPr>
+        <p:style>
+          <a:lnRef idx="2">
+            <a:schemeClr val="accent1">
+              <a:shade val="50000"/>
+            </a:schemeClr>
+          </a:lnRef>
+          <a:fillRef idx="1">
+            <a:schemeClr val="accent1"/>
+          </a:fillRef>
+          <a:effectRef idx="0">
+            <a:schemeClr val="accent1"/>
+          </a:effectRef>
+          <a:fontRef idx="minor">
+            <a:schemeClr val="lt1"/>
+          </a:fontRef>
+        </p:style>
+        <p:txBody>
+          <a:bodyPr rtlCol="0" anchor="ctr"/>
+          <a:lstStyle/>
+          <a:p>
+            <a:pPr algn="ctr"/>
+            <a:endParaRPr lang="ko-KR" altLang="en-US"/>
+          </a:p>
+        </p:txBody>
+      </p:sp>
+      <p:sp>
+        <p:nvSpPr>
+          <p:cNvPr id="27" name="타원 26">
+            <a:extLst>
+              <a:ext uri="{FF2B5EF4-FFF2-40B4-BE49-F238E27FC236}">
+                <a16:creationId xmlns:a16="http://schemas.microsoft.com/office/drawing/2014/main" id="{24848D62-70E0-424C-827E-21ACA0A21E46}"/>
+              </a:ext>
+            </a:extLst>
+          </p:cNvPr>
+          <p:cNvSpPr/>
+          <p:nvPr/>
+        </p:nvSpPr>
+        <p:spPr>
+          <a:xfrm>
+            <a:off x="6161915" y="3275424"/>
+            <a:ext cx="302122" cy="302122"/>
+          </a:xfrm>
+          <a:prstGeom prst="ellipse">
+            <a:avLst/>
+          </a:prstGeom>
+          <a:solidFill>
+            <a:schemeClr val="bg1"/>
+          </a:solidFill>
+          <a:ln>
+            <a:solidFill>
+              <a:schemeClr val="tx1"/>
+            </a:solidFill>
+          </a:ln>
+        </p:spPr>
+        <p:style>
+          <a:lnRef idx="2">
+            <a:schemeClr val="accent1">
+              <a:shade val="50000"/>
+            </a:schemeClr>
+          </a:lnRef>
+          <a:fillRef idx="1">
+            <a:schemeClr val="accent1"/>
+          </a:fillRef>
+          <a:effectRef idx="0">
+            <a:schemeClr val="accent1"/>
+          </a:effectRef>
+          <a:fontRef idx="minor">
+            <a:schemeClr val="lt1"/>
+          </a:fontRef>
+        </p:style>
+        <p:txBody>
+          <a:bodyPr rtlCol="0" anchor="ctr"/>
+          <a:lstStyle/>
+          <a:p>
+            <a:pPr algn="ctr"/>
+            <a:endParaRPr lang="ko-KR" altLang="en-US"/>
+          </a:p>
+        </p:txBody>
+      </p:sp>
+      <p:sp>
+        <p:nvSpPr>
+          <p:cNvPr id="28" name="직사각형 27">
+            <a:extLst>
+              <a:ext uri="{FF2B5EF4-FFF2-40B4-BE49-F238E27FC236}">
+                <a16:creationId xmlns:a16="http://schemas.microsoft.com/office/drawing/2014/main" id="{7F15DDB6-E31F-4675-8072-239D4C5B6C77}"/>
+              </a:ext>
+            </a:extLst>
+          </p:cNvPr>
+          <p:cNvSpPr/>
+          <p:nvPr/>
+        </p:nvSpPr>
+        <p:spPr>
+          <a:xfrm>
+            <a:off x="3098042" y="4012442"/>
+            <a:ext cx="4326340" cy="2347415"/>
+          </a:xfrm>
+          <a:prstGeom prst="rect">
+            <a:avLst/>
+          </a:prstGeom>
+          <a:solidFill>
+            <a:schemeClr val="bg1"/>
+          </a:solidFill>
+          <a:ln>
+            <a:solidFill>
+              <a:schemeClr val="tx1"/>
+            </a:solidFill>
+          </a:ln>
+        </p:spPr>
+        <p:style>
+          <a:lnRef idx="2">
+            <a:schemeClr val="accent1">
+              <a:shade val="50000"/>
+            </a:schemeClr>
+          </a:lnRef>
+          <a:fillRef idx="1">
+            <a:schemeClr val="accent1"/>
+          </a:fillRef>
+          <a:effectRef idx="0">
+            <a:schemeClr val="accent1"/>
+          </a:effectRef>
+          <a:fontRef idx="minor">
+            <a:schemeClr val="lt1"/>
+          </a:fontRef>
+        </p:style>
+        <p:txBody>
+          <a:bodyPr rtlCol="0" anchor="ctr"/>
+          <a:lstStyle/>
+          <a:p>
+            <a:pPr algn="ctr"/>
+            <a:endParaRPr lang="en-US" altLang="ko-KR" sz="1400">
+              <a:solidFill>
+                <a:sysClr val="windowText" lastClr="000000"/>
+              </a:solidFill>
+              <a:latin typeface="나눔바른고딕" panose="020B0603020101020101" pitchFamily="50" charset="-127"/>
+              <a:ea typeface="나눔바른고딕" panose="020B0603020101020101" pitchFamily="50" charset="-127"/>
+            </a:endParaRPr>
+          </a:p>
+        </p:txBody>
+      </p:sp>
+      <p:graphicFrame>
+        <p:nvGraphicFramePr>
+          <p:cNvPr id="4" name="표 4">
+            <a:extLst>
+              <a:ext uri="{FF2B5EF4-FFF2-40B4-BE49-F238E27FC236}">
+                <a16:creationId xmlns:a16="http://schemas.microsoft.com/office/drawing/2014/main" id="{F6E7C678-9977-48CB-A0C9-37D728DF01DF}"/>
+              </a:ext>
+            </a:extLst>
+          </p:cNvPr>
+          <p:cNvGraphicFramePr>
+            <a:graphicFrameLocks noGrp="1"/>
+          </p:cNvGraphicFramePr>
+          <p:nvPr>
+            <p:extLst>
+              <p:ext uri="{D42A27DB-BD31-4B8C-83A1-F6EECF244321}">
+                <p14:modId xmlns:p14="http://schemas.microsoft.com/office/powerpoint/2010/main" val="483213563"/>
+              </p:ext>
+            </p:extLst>
+          </p:nvPr>
+        </p:nvGraphicFramePr>
+        <p:xfrm>
+          <a:off x="3374899" y="4501235"/>
+          <a:ext cx="3774540" cy="1590472"/>
+        </p:xfrm>
+        <a:graphic>
+          <a:graphicData uri="http://schemas.openxmlformats.org/drawingml/2006/table">
+            <a:tbl>
+              <a:tblPr firstRow="1" bandRow="1">
+                <a:tableStyleId>{5940675A-B579-460E-94D1-54222C63F5DA}</a:tableStyleId>
+              </a:tblPr>
+              <a:tblGrid>
+                <a:gridCol w="1887270">
+                  <a:extLst>
+                    <a:ext uri="{9D8B030D-6E8A-4147-A177-3AD203B41FA5}">
+                      <a16:colId xmlns:a16="http://schemas.microsoft.com/office/drawing/2014/main" val="499680536"/>
+                    </a:ext>
+                  </a:extLst>
+                </a:gridCol>
+                <a:gridCol w="1887270">
+                  <a:extLst>
+                    <a:ext uri="{9D8B030D-6E8A-4147-A177-3AD203B41FA5}">
+                      <a16:colId xmlns:a16="http://schemas.microsoft.com/office/drawing/2014/main" val="3185722848"/>
+                    </a:ext>
+                  </a:extLst>
+                </a:gridCol>
+              </a:tblGrid>
+              <a:tr h="321198">
+                <a:tc>
+                  <a:txBody>
+                    <a:bodyPr/>
+                    <a:lstStyle/>
+                    <a:p>
+                      <a:pPr algn="ctr" latinLnBrk="1"/>
+                      <a:r>
+                        <a:rPr lang="ko-KR" altLang="en-US" sz="1400">
+                          <a:latin typeface="나눔바른고딕" panose="020B0603020101020101" pitchFamily="50" charset="-127"/>
+                          <a:ea typeface="나눔바른고딕" panose="020B0603020101020101" pitchFamily="50" charset="-127"/>
+                        </a:rPr>
+                        <a:t>서비스</a:t>
+                      </a:r>
+                    </a:p>
+                  </a:txBody>
+                  <a:tcPr marL="91704" marR="91704" marT="45852" marB="45852"/>
+                </a:tc>
+                <a:tc>
+                  <a:txBody>
+                    <a:bodyPr/>
+                    <a:lstStyle/>
+                    <a:p>
+                      <a:pPr algn="ctr" latinLnBrk="1"/>
+                      <a:r>
+                        <a:rPr lang="en-US" altLang="ko-KR" sz="1400">
+                          <a:latin typeface="나눔바른고딕" panose="020B0603020101020101" pitchFamily="50" charset="-127"/>
+                          <a:ea typeface="나눔바른고딕" panose="020B0603020101020101" pitchFamily="50" charset="-127"/>
+                        </a:rPr>
+                        <a:t>IP</a:t>
+                      </a:r>
+                      <a:endParaRPr lang="ko-KR" altLang="en-US" sz="1400">
+                        <a:latin typeface="나눔바른고딕" panose="020B0603020101020101" pitchFamily="50" charset="-127"/>
+                        <a:ea typeface="나눔바른고딕" panose="020B0603020101020101" pitchFamily="50" charset="-127"/>
+                      </a:endParaRPr>
+                    </a:p>
+                  </a:txBody>
+                  <a:tcPr marL="91704" marR="91704" marT="45852" marB="45852"/>
+                </a:tc>
+                <a:extLst>
+                  <a:ext uri="{0D108BD9-81ED-4DB2-BD59-A6C34878D82A}">
+                    <a16:rowId xmlns:a16="http://schemas.microsoft.com/office/drawing/2014/main" val="4087518863"/>
+                  </a:ext>
+                </a:extLst>
+              </a:tr>
+              <a:tr h="321198">
+                <a:tc>
+                  <a:txBody>
+                    <a:bodyPr/>
+                    <a:lstStyle/>
+                    <a:p>
+                      <a:pPr algn="ctr" latinLnBrk="1"/>
+                      <a:r>
+                        <a:rPr lang="en-US" altLang="ko-KR" sz="1400">
+                          <a:latin typeface="나눔바른고딕" panose="020B0603020101020101" pitchFamily="50" charset="-127"/>
+                          <a:ea typeface="나눔바른고딕" panose="020B0603020101020101" pitchFamily="50" charset="-127"/>
+                        </a:rPr>
+                        <a:t>order-service</a:t>
+                      </a:r>
+                      <a:endParaRPr lang="ko-KR" altLang="en-US" sz="1400">
+                        <a:latin typeface="나눔바른고딕" panose="020B0603020101020101" pitchFamily="50" charset="-127"/>
+                        <a:ea typeface="나눔바른고딕" panose="020B0603020101020101" pitchFamily="50" charset="-127"/>
+                      </a:endParaRPr>
+                    </a:p>
+                  </a:txBody>
+                  <a:tcPr marL="91704" marR="91704" marT="45852" marB="45852"/>
+                </a:tc>
+                <a:tc>
+                  <a:txBody>
+                    <a:bodyPr/>
+                    <a:lstStyle/>
+                    <a:p>
+                      <a:pPr algn="ctr" latinLnBrk="1"/>
+                      <a:r>
+                        <a:rPr lang="en-US" altLang="ko-KR" sz="1400">
+                          <a:latin typeface="나눔바른고딕" panose="020B0603020101020101" pitchFamily="50" charset="-127"/>
+                          <a:ea typeface="나눔바른고딕" panose="020B0603020101020101" pitchFamily="50" charset="-127"/>
+                        </a:rPr>
+                        <a:t>10.0.0.1</a:t>
+                      </a:r>
+                      <a:endParaRPr lang="ko-KR" altLang="en-US" sz="1400">
+                        <a:latin typeface="나눔바른고딕" panose="020B0603020101020101" pitchFamily="50" charset="-127"/>
+                        <a:ea typeface="나눔바른고딕" panose="020B0603020101020101" pitchFamily="50" charset="-127"/>
+                      </a:endParaRPr>
+                    </a:p>
+                  </a:txBody>
+                  <a:tcPr marL="91704" marR="91704" marT="45852" marB="45852"/>
+                </a:tc>
+                <a:extLst>
+                  <a:ext uri="{0D108BD9-81ED-4DB2-BD59-A6C34878D82A}">
+                    <a16:rowId xmlns:a16="http://schemas.microsoft.com/office/drawing/2014/main" val="2314338954"/>
+                  </a:ext>
+                </a:extLst>
+              </a:tr>
+              <a:tr h="305680">
+                <a:tc>
+                  <a:txBody>
+                    <a:bodyPr/>
+                    <a:lstStyle/>
+                    <a:p>
+                      <a:pPr algn="ctr" latinLnBrk="1"/>
+                      <a:r>
+                        <a:rPr lang="en-US" altLang="ko-KR" sz="1400">
+                          <a:latin typeface="나눔바른고딕" panose="020B0603020101020101" pitchFamily="50" charset="-127"/>
+                          <a:ea typeface="나눔바른고딕" panose="020B0603020101020101" pitchFamily="50" charset="-127"/>
+                        </a:rPr>
+                        <a:t>order-service</a:t>
+                      </a:r>
+                      <a:endParaRPr lang="ko-KR" altLang="en-US" sz="1400">
+                        <a:latin typeface="나눔바른고딕" panose="020B0603020101020101" pitchFamily="50" charset="-127"/>
+                        <a:ea typeface="나눔바른고딕" panose="020B0603020101020101" pitchFamily="50" charset="-127"/>
+                      </a:endParaRPr>
+                    </a:p>
+                  </a:txBody>
+                  <a:tcPr marL="91704" marR="91704" marT="45852" marB="45852"/>
+                </a:tc>
+                <a:tc>
+                  <a:txBody>
+                    <a:bodyPr/>
+                    <a:lstStyle/>
+                    <a:p>
+                      <a:pPr algn="ctr" latinLnBrk="1"/>
+                      <a:r>
+                        <a:rPr lang="en-US" altLang="ko-KR" sz="1400">
+                          <a:latin typeface="나눔바른고딕" panose="020B0603020101020101" pitchFamily="50" charset="-127"/>
+                          <a:ea typeface="나눔바른고딕" panose="020B0603020101020101" pitchFamily="50" charset="-127"/>
+                        </a:rPr>
+                        <a:t>10.0.0.2</a:t>
+                      </a:r>
+                    </a:p>
+                  </a:txBody>
+                  <a:tcPr marL="91704" marR="91704" marT="45852" marB="45852"/>
+                </a:tc>
+                <a:extLst>
+                  <a:ext uri="{0D108BD9-81ED-4DB2-BD59-A6C34878D82A}">
+                    <a16:rowId xmlns:a16="http://schemas.microsoft.com/office/drawing/2014/main" val="2447442467"/>
+                  </a:ext>
+                </a:extLst>
+              </a:tr>
+              <a:tr h="321198">
+                <a:tc>
+                  <a:txBody>
+                    <a:bodyPr/>
+                    <a:lstStyle/>
+                    <a:p>
+                      <a:pPr algn="ctr" latinLnBrk="1"/>
+                      <a:r>
+                        <a:rPr lang="en-US" altLang="ko-KR" sz="1400">
+                          <a:latin typeface="나눔바른고딕" panose="020B0603020101020101" pitchFamily="50" charset="-127"/>
+                          <a:ea typeface="나눔바른고딕" panose="020B0603020101020101" pitchFamily="50" charset="-127"/>
+                        </a:rPr>
+                        <a:t>order-server</a:t>
+                      </a:r>
+                      <a:endParaRPr lang="ko-KR" altLang="en-US" sz="1400">
+                        <a:latin typeface="나눔바른고딕" panose="020B0603020101020101" pitchFamily="50" charset="-127"/>
+                        <a:ea typeface="나눔바른고딕" panose="020B0603020101020101" pitchFamily="50" charset="-127"/>
+                      </a:endParaRPr>
+                    </a:p>
+                  </a:txBody>
+                  <a:tcPr marL="91704" marR="91704" marT="45852" marB="45852"/>
+                </a:tc>
+                <a:tc>
+                  <a:txBody>
+                    <a:bodyPr/>
+                    <a:lstStyle/>
+                    <a:p>
+                      <a:pPr algn="ctr" latinLnBrk="1"/>
+                      <a:r>
+                        <a:rPr lang="en-US" altLang="ko-KR" sz="1400">
+                          <a:latin typeface="나눔바른고딕" panose="020B0603020101020101" pitchFamily="50" charset="-127"/>
+                          <a:ea typeface="나눔바른고딕" panose="020B0603020101020101" pitchFamily="50" charset="-127"/>
+                        </a:rPr>
+                        <a:t>10.0.0.3</a:t>
+                      </a:r>
+                      <a:endParaRPr lang="ko-KR" altLang="en-US" sz="1400">
+                        <a:latin typeface="나눔바른고딕" panose="020B0603020101020101" pitchFamily="50" charset="-127"/>
+                        <a:ea typeface="나눔바른고딕" panose="020B0603020101020101" pitchFamily="50" charset="-127"/>
+                      </a:endParaRPr>
+                    </a:p>
+                  </a:txBody>
+                  <a:tcPr marL="91704" marR="91704" marT="45852" marB="45852"/>
+                </a:tc>
+                <a:extLst>
+                  <a:ext uri="{0D108BD9-81ED-4DB2-BD59-A6C34878D82A}">
+                    <a16:rowId xmlns:a16="http://schemas.microsoft.com/office/drawing/2014/main" val="1691782492"/>
+                  </a:ext>
+                </a:extLst>
+              </a:tr>
+              <a:tr h="321198">
+                <a:tc>
+                  <a:txBody>
+                    <a:bodyPr/>
+                    <a:lstStyle/>
+                    <a:p>
+                      <a:pPr algn="ctr" latinLnBrk="1"/>
+                      <a:r>
+                        <a:rPr lang="en-US" altLang="ko-KR" sz="1400">
+                          <a:latin typeface="나눔바른고딕" panose="020B0603020101020101" pitchFamily="50" charset="-127"/>
+                          <a:ea typeface="나눔바른고딕" panose="020B0603020101020101" pitchFamily="50" charset="-127"/>
+                        </a:rPr>
+                        <a:t>…</a:t>
+                      </a:r>
+                      <a:endParaRPr lang="ko-KR" altLang="en-US" sz="1400">
+                        <a:latin typeface="나눔바른고딕" panose="020B0603020101020101" pitchFamily="50" charset="-127"/>
+                        <a:ea typeface="나눔바른고딕" panose="020B0603020101020101" pitchFamily="50" charset="-127"/>
+                      </a:endParaRPr>
+                    </a:p>
+                  </a:txBody>
+                  <a:tcPr marL="91704" marR="91704" marT="45852" marB="45852"/>
+                </a:tc>
+                <a:tc>
+                  <a:txBody>
+                    <a:bodyPr/>
+                    <a:lstStyle/>
+                    <a:p>
+                      <a:pPr algn="ctr" latinLnBrk="1"/>
+                      <a:r>
+                        <a:rPr lang="en-US" altLang="ko-KR" sz="1400">
+                          <a:latin typeface="나눔바른고딕" panose="020B0603020101020101" pitchFamily="50" charset="-127"/>
+                          <a:ea typeface="나눔바른고딕" panose="020B0603020101020101" pitchFamily="50" charset="-127"/>
+                        </a:rPr>
+                        <a:t>…</a:t>
+                      </a:r>
+                      <a:endParaRPr lang="ko-KR" altLang="en-US" sz="1400">
+                        <a:latin typeface="나눔바른고딕" panose="020B0603020101020101" pitchFamily="50" charset="-127"/>
+                        <a:ea typeface="나눔바른고딕" panose="020B0603020101020101" pitchFamily="50" charset="-127"/>
+                      </a:endParaRPr>
+                    </a:p>
+                  </a:txBody>
+                  <a:tcPr marL="91704" marR="91704" marT="45852" marB="45852"/>
+                </a:tc>
+                <a:extLst>
+                  <a:ext uri="{0D108BD9-81ED-4DB2-BD59-A6C34878D82A}">
+                    <a16:rowId xmlns:a16="http://schemas.microsoft.com/office/drawing/2014/main" val="2510834672"/>
+                  </a:ext>
+                </a:extLst>
+              </a:tr>
+            </a:tbl>
+          </a:graphicData>
+        </a:graphic>
+      </p:graphicFrame>
+      <p:sp>
+        <p:nvSpPr>
+          <p:cNvPr id="30" name="TextBox 29">
+            <a:extLst>
+              <a:ext uri="{FF2B5EF4-FFF2-40B4-BE49-F238E27FC236}">
+                <a16:creationId xmlns:a16="http://schemas.microsoft.com/office/drawing/2014/main" id="{BD25B034-4C0E-4905-9F5A-CE5236CECC89}"/>
+              </a:ext>
+            </a:extLst>
+          </p:cNvPr>
+          <p:cNvSpPr txBox="1"/>
+          <p:nvPr/>
+        </p:nvSpPr>
+        <p:spPr>
+          <a:xfrm>
+            <a:off x="3113606" y="4070626"/>
+            <a:ext cx="1816925" cy="307777"/>
+          </a:xfrm>
+          <a:prstGeom prst="rect">
+            <a:avLst/>
+          </a:prstGeom>
+          <a:noFill/>
+        </p:spPr>
+        <p:txBody>
+          <a:bodyPr wrap="square" rtlCol="0">
+            <a:spAutoFit/>
+          </a:bodyPr>
+          <a:lstStyle/>
+          <a:p>
+            <a:r>
+              <a:rPr lang="ko-KR" altLang="en-US" sz="1400"/>
+              <a:t>서비스 레지스트리</a:t>
+            </a:r>
+          </a:p>
+        </p:txBody>
+      </p:sp>
+      <p:cxnSp>
+        <p:nvCxnSpPr>
+          <p:cNvPr id="31" name="직선 화살표 연결선 30">
+            <a:extLst>
+              <a:ext uri="{FF2B5EF4-FFF2-40B4-BE49-F238E27FC236}">
+                <a16:creationId xmlns:a16="http://schemas.microsoft.com/office/drawing/2014/main" id="{2BC3C88C-6E99-489E-AE7C-9A6E0AB768B7}"/>
+              </a:ext>
+            </a:extLst>
+          </p:cNvPr>
+          <p:cNvCxnSpPr>
+            <a:cxnSpLocks/>
+            <a:stCxn id="23" idx="2"/>
+            <a:endCxn id="26" idx="2"/>
+          </p:cNvCxnSpPr>
+          <p:nvPr/>
+        </p:nvCxnSpPr>
+        <p:spPr>
+          <a:xfrm>
+            <a:off x="1616657" y="3220874"/>
+            <a:ext cx="2044676" cy="208126"/>
+          </a:xfrm>
+          <a:prstGeom prst="straightConnector1">
+            <a:avLst/>
+          </a:prstGeom>
+          <a:ln>
+            <a:solidFill>
+              <a:schemeClr val="tx1">
+                <a:lumMod val="65000"/>
+                <a:lumOff val="35000"/>
+              </a:schemeClr>
+            </a:solidFill>
+            <a:prstDash val="lgDash"/>
+            <a:tailEnd type="triangle"/>
+          </a:ln>
+        </p:spPr>
+        <p:style>
+          <a:lnRef idx="1">
+            <a:schemeClr val="accent1"/>
+          </a:lnRef>
+          <a:fillRef idx="0">
+            <a:schemeClr val="accent1"/>
+          </a:fillRef>
+          <a:effectRef idx="0">
+            <a:schemeClr val="accent1"/>
+          </a:effectRef>
+          <a:fontRef idx="minor">
+            <a:schemeClr val="tx1"/>
+          </a:fontRef>
+        </p:style>
+      </p:cxnSp>
+      <p:sp>
+        <p:nvSpPr>
+          <p:cNvPr id="39" name="TextBox 38">
+            <a:extLst>
+              <a:ext uri="{FF2B5EF4-FFF2-40B4-BE49-F238E27FC236}">
+                <a16:creationId xmlns:a16="http://schemas.microsoft.com/office/drawing/2014/main" id="{439DD973-51C5-4976-9B5C-11FE5CA549EB}"/>
+              </a:ext>
+            </a:extLst>
+          </p:cNvPr>
+          <p:cNvSpPr txBox="1"/>
+          <p:nvPr/>
+        </p:nvSpPr>
+        <p:spPr>
+          <a:xfrm>
+            <a:off x="3963456" y="3306381"/>
+            <a:ext cx="1108846" cy="307777"/>
+          </a:xfrm>
+          <a:prstGeom prst="rect">
+            <a:avLst/>
+          </a:prstGeom>
+          <a:noFill/>
+        </p:spPr>
+        <p:txBody>
+          <a:bodyPr wrap="square" rtlCol="0">
+            <a:spAutoFit/>
+          </a:bodyPr>
+          <a:lstStyle/>
+          <a:p>
+            <a:r>
+              <a:rPr lang="ko-KR" altLang="en-US" sz="1400"/>
+              <a:t>쿼리 </a:t>
+            </a:r>
+            <a:r>
+              <a:rPr lang="en-US" altLang="ko-KR" sz="1400"/>
+              <a:t>API</a:t>
+            </a:r>
+          </a:p>
+        </p:txBody>
+      </p:sp>
+      <p:sp>
+        <p:nvSpPr>
+          <p:cNvPr id="40" name="TextBox 39">
+            <a:extLst>
+              <a:ext uri="{FF2B5EF4-FFF2-40B4-BE49-F238E27FC236}">
+                <a16:creationId xmlns:a16="http://schemas.microsoft.com/office/drawing/2014/main" id="{00BF2DCB-32E7-4ABA-8E4A-51C2E3B03C6B}"/>
+              </a:ext>
+            </a:extLst>
+          </p:cNvPr>
+          <p:cNvSpPr txBox="1"/>
+          <p:nvPr/>
+        </p:nvSpPr>
+        <p:spPr>
+          <a:xfrm>
+            <a:off x="1118869" y="3330630"/>
+            <a:ext cx="2349521" cy="307777"/>
+          </a:xfrm>
+          <a:prstGeom prst="rect">
+            <a:avLst/>
+          </a:prstGeom>
+          <a:noFill/>
+        </p:spPr>
+        <p:txBody>
+          <a:bodyPr wrap="square" rtlCol="0">
+            <a:spAutoFit/>
+          </a:bodyPr>
+          <a:lstStyle/>
+          <a:p>
+            <a:r>
+              <a:rPr lang="en-US" altLang="ko-KR" sz="1400"/>
+              <a:t>Query(“order-service”)</a:t>
+            </a:r>
+            <a:endParaRPr lang="ko-KR" altLang="en-US" sz="1400"/>
+          </a:p>
+        </p:txBody>
+      </p:sp>
+      <p:cxnSp>
+        <p:nvCxnSpPr>
+          <p:cNvPr id="41" name="직선 화살표 연결선 40">
+            <a:extLst>
+              <a:ext uri="{FF2B5EF4-FFF2-40B4-BE49-F238E27FC236}">
+                <a16:creationId xmlns:a16="http://schemas.microsoft.com/office/drawing/2014/main" id="{B2EE5412-EA00-400D-91B5-38BE05856C0E}"/>
+              </a:ext>
+            </a:extLst>
+          </p:cNvPr>
+          <p:cNvCxnSpPr>
+            <a:cxnSpLocks/>
+            <a:stCxn id="26" idx="4"/>
+            <a:endCxn id="28" idx="0"/>
+          </p:cNvCxnSpPr>
+          <p:nvPr/>
+        </p:nvCxnSpPr>
+        <p:spPr>
+          <a:xfrm>
+            <a:off x="3812394" y="3580061"/>
+            <a:ext cx="1448818" cy="432381"/>
+          </a:xfrm>
+          <a:prstGeom prst="straightConnector1">
+            <a:avLst/>
+          </a:prstGeom>
+          <a:ln>
+            <a:solidFill>
+              <a:schemeClr val="tx1">
+                <a:lumMod val="65000"/>
+                <a:lumOff val="35000"/>
+              </a:schemeClr>
+            </a:solidFill>
+            <a:prstDash val="lgDash"/>
+            <a:tailEnd type="triangle"/>
+          </a:ln>
+        </p:spPr>
+        <p:style>
+          <a:lnRef idx="1">
+            <a:schemeClr val="accent1"/>
+          </a:lnRef>
+          <a:fillRef idx="0">
+            <a:schemeClr val="accent1"/>
+          </a:fillRef>
+          <a:effectRef idx="0">
+            <a:schemeClr val="accent1"/>
+          </a:effectRef>
+          <a:fontRef idx="minor">
+            <a:schemeClr val="tx1"/>
+          </a:fontRef>
+        </p:style>
+      </p:cxnSp>
+      <p:sp>
+        <p:nvSpPr>
+          <p:cNvPr id="47" name="TextBox 46">
+            <a:extLst>
+              <a:ext uri="{FF2B5EF4-FFF2-40B4-BE49-F238E27FC236}">
+                <a16:creationId xmlns:a16="http://schemas.microsoft.com/office/drawing/2014/main" id="{71033F93-BF84-42BF-A1F6-B437D3E032E8}"/>
+              </a:ext>
+            </a:extLst>
+          </p:cNvPr>
+          <p:cNvSpPr txBox="1"/>
+          <p:nvPr/>
+        </p:nvSpPr>
+        <p:spPr>
+          <a:xfrm>
+            <a:off x="5260410" y="3280779"/>
+            <a:ext cx="1108846" cy="307777"/>
+          </a:xfrm>
+          <a:prstGeom prst="rect">
+            <a:avLst/>
+          </a:prstGeom>
+          <a:noFill/>
+        </p:spPr>
+        <p:txBody>
+          <a:bodyPr wrap="square" rtlCol="0">
+            <a:spAutoFit/>
+          </a:bodyPr>
+          <a:lstStyle/>
+          <a:p>
+            <a:r>
+              <a:rPr lang="ko-KR" altLang="en-US" sz="1400"/>
+              <a:t>등록 </a:t>
+            </a:r>
+            <a:r>
+              <a:rPr lang="en-US" altLang="ko-KR" sz="1400"/>
+              <a:t>API</a:t>
+            </a:r>
+          </a:p>
+        </p:txBody>
+      </p:sp>
+      <p:sp>
+        <p:nvSpPr>
+          <p:cNvPr id="54" name="직사각형 53">
+            <a:extLst>
+              <a:ext uri="{FF2B5EF4-FFF2-40B4-BE49-F238E27FC236}">
+                <a16:creationId xmlns:a16="http://schemas.microsoft.com/office/drawing/2014/main" id="{82429FDD-9502-4BD3-9D6C-F45777BB550F}"/>
+              </a:ext>
+            </a:extLst>
+          </p:cNvPr>
+          <p:cNvSpPr/>
+          <p:nvPr/>
+        </p:nvSpPr>
+        <p:spPr>
+          <a:xfrm>
+            <a:off x="8083838" y="337616"/>
+            <a:ext cx="2057149" cy="3733010"/>
+          </a:xfrm>
+          <a:prstGeom prst="rect">
+            <a:avLst/>
+          </a:prstGeom>
+          <a:noFill/>
+          <a:ln w="19050">
+            <a:solidFill>
+              <a:schemeClr val="tx1">
+                <a:lumMod val="50000"/>
+                <a:lumOff val="50000"/>
+              </a:schemeClr>
+            </a:solidFill>
+            <a:prstDash val="sysDash"/>
+          </a:ln>
+        </p:spPr>
+        <p:style>
+          <a:lnRef idx="2">
+            <a:schemeClr val="accent1">
+              <a:shade val="50000"/>
+            </a:schemeClr>
+          </a:lnRef>
+          <a:fillRef idx="1">
+            <a:schemeClr val="accent1"/>
+          </a:fillRef>
+          <a:effectRef idx="0">
+            <a:schemeClr val="accent1"/>
+          </a:effectRef>
+          <a:fontRef idx="minor">
+            <a:schemeClr val="lt1"/>
+          </a:fontRef>
+        </p:style>
+        <p:txBody>
+          <a:bodyPr rtlCol="0" anchor="ctr"/>
+          <a:lstStyle/>
+          <a:p>
+            <a:pPr algn="ctr"/>
+            <a:endParaRPr lang="en-US" altLang="ko-KR">
+              <a:solidFill>
+                <a:sysClr val="windowText" lastClr="000000"/>
+              </a:solidFill>
+              <a:latin typeface="나눔바른고딕" panose="020B0603020101020101" pitchFamily="50" charset="-127"/>
+              <a:ea typeface="나눔바른고딕" panose="020B0603020101020101" pitchFamily="50" charset="-127"/>
+            </a:endParaRPr>
+          </a:p>
+        </p:txBody>
+      </p:sp>
+      <p:sp>
+        <p:nvSpPr>
+          <p:cNvPr id="55" name="직사각형 54">
+            <a:extLst>
+              <a:ext uri="{FF2B5EF4-FFF2-40B4-BE49-F238E27FC236}">
+                <a16:creationId xmlns:a16="http://schemas.microsoft.com/office/drawing/2014/main" id="{B82B8262-7B61-4461-BE2C-9351C6113010}"/>
+              </a:ext>
+            </a:extLst>
+          </p:cNvPr>
+          <p:cNvSpPr/>
+          <p:nvPr/>
+        </p:nvSpPr>
+        <p:spPr>
+          <a:xfrm>
+            <a:off x="8356062" y="811505"/>
+            <a:ext cx="1548580" cy="936294"/>
+          </a:xfrm>
+          <a:prstGeom prst="rect">
+            <a:avLst/>
+          </a:prstGeom>
+          <a:solidFill>
+            <a:schemeClr val="accent1">
+              <a:lumMod val="40000"/>
+              <a:lumOff val="60000"/>
+            </a:schemeClr>
+          </a:solidFill>
+          <a:ln>
+            <a:solidFill>
+              <a:schemeClr val="tx1"/>
+            </a:solidFill>
+          </a:ln>
+        </p:spPr>
+        <p:style>
+          <a:lnRef idx="2">
+            <a:schemeClr val="accent1">
+              <a:shade val="50000"/>
+            </a:schemeClr>
+          </a:lnRef>
+          <a:fillRef idx="1">
+            <a:schemeClr val="accent1"/>
+          </a:fillRef>
+          <a:effectRef idx="0">
+            <a:schemeClr val="accent1"/>
+          </a:effectRef>
+          <a:fontRef idx="minor">
+            <a:schemeClr val="lt1"/>
+          </a:fontRef>
+        </p:style>
+        <p:txBody>
+          <a:bodyPr rtlCol="0" anchor="ctr"/>
+          <a:lstStyle/>
+          <a:p>
+            <a:pPr algn="ctr"/>
+            <a:r>
+              <a:rPr lang="en-US" altLang="ko-KR" sz="1400">
+                <a:solidFill>
+                  <a:sysClr val="windowText" lastClr="000000"/>
+                </a:solidFill>
+                <a:latin typeface="나눔바른고딕" panose="020B0603020101020101" pitchFamily="50" charset="-127"/>
+                <a:ea typeface="나눔바른고딕" panose="020B0603020101020101" pitchFamily="50" charset="-127"/>
+              </a:rPr>
+              <a:t>Instance 1</a:t>
+            </a:r>
+          </a:p>
+          <a:p>
+            <a:pPr algn="ctr"/>
+            <a:endParaRPr lang="en-US" altLang="ko-KR" sz="1400">
+              <a:solidFill>
+                <a:sysClr val="windowText" lastClr="000000"/>
+              </a:solidFill>
+              <a:latin typeface="나눔바른고딕" panose="020B0603020101020101" pitchFamily="50" charset="-127"/>
+              <a:ea typeface="나눔바른고딕" panose="020B0603020101020101" pitchFamily="50" charset="-127"/>
+            </a:endParaRPr>
+          </a:p>
+          <a:p>
+            <a:pPr algn="ctr"/>
+            <a:endParaRPr lang="en-US" altLang="ko-KR" sz="1400">
+              <a:solidFill>
+                <a:sysClr val="windowText" lastClr="000000"/>
+              </a:solidFill>
+              <a:latin typeface="나눔바른고딕" panose="020B0603020101020101" pitchFamily="50" charset="-127"/>
+              <a:ea typeface="나눔바른고딕" panose="020B0603020101020101" pitchFamily="50" charset="-127"/>
+            </a:endParaRPr>
+          </a:p>
+        </p:txBody>
+      </p:sp>
+      <p:sp>
+        <p:nvSpPr>
+          <p:cNvPr id="57" name="직사각형 56">
+            <a:extLst>
+              <a:ext uri="{FF2B5EF4-FFF2-40B4-BE49-F238E27FC236}">
+                <a16:creationId xmlns:a16="http://schemas.microsoft.com/office/drawing/2014/main" id="{B4E9ACFC-1A73-4BA4-8A7D-96FA0C436946}"/>
+              </a:ext>
+            </a:extLst>
+          </p:cNvPr>
+          <p:cNvSpPr/>
+          <p:nvPr/>
+        </p:nvSpPr>
+        <p:spPr>
+          <a:xfrm>
+            <a:off x="8356062" y="1901992"/>
+            <a:ext cx="1548580" cy="936294"/>
+          </a:xfrm>
+          <a:prstGeom prst="rect">
+            <a:avLst/>
+          </a:prstGeom>
+          <a:solidFill>
+            <a:schemeClr val="accent1">
+              <a:lumMod val="40000"/>
+              <a:lumOff val="60000"/>
+            </a:schemeClr>
+          </a:solidFill>
+          <a:ln>
+            <a:solidFill>
+              <a:schemeClr val="tx1"/>
+            </a:solidFill>
+          </a:ln>
+        </p:spPr>
+        <p:style>
+          <a:lnRef idx="2">
+            <a:schemeClr val="accent1">
+              <a:shade val="50000"/>
+            </a:schemeClr>
+          </a:lnRef>
+          <a:fillRef idx="1">
+            <a:schemeClr val="accent1"/>
+          </a:fillRef>
+          <a:effectRef idx="0">
+            <a:schemeClr val="accent1"/>
+          </a:effectRef>
+          <a:fontRef idx="minor">
+            <a:schemeClr val="lt1"/>
+          </a:fontRef>
+        </p:style>
+        <p:txBody>
+          <a:bodyPr rtlCol="0" anchor="ctr"/>
+          <a:lstStyle/>
+          <a:p>
+            <a:pPr algn="ctr"/>
+            <a:r>
+              <a:rPr lang="en-US" altLang="ko-KR" sz="1400">
+                <a:solidFill>
+                  <a:sysClr val="windowText" lastClr="000000"/>
+                </a:solidFill>
+                <a:latin typeface="나눔바른고딕" panose="020B0603020101020101" pitchFamily="50" charset="-127"/>
+                <a:ea typeface="나눔바른고딕" panose="020B0603020101020101" pitchFamily="50" charset="-127"/>
+              </a:rPr>
+              <a:t>Instance 2</a:t>
+            </a:r>
+          </a:p>
+          <a:p>
+            <a:pPr algn="ctr"/>
+            <a:endParaRPr lang="en-US" altLang="ko-KR" sz="1400">
+              <a:solidFill>
+                <a:sysClr val="windowText" lastClr="000000"/>
+              </a:solidFill>
+              <a:latin typeface="나눔바른고딕" panose="020B0603020101020101" pitchFamily="50" charset="-127"/>
+              <a:ea typeface="나눔바른고딕" panose="020B0603020101020101" pitchFamily="50" charset="-127"/>
+            </a:endParaRPr>
+          </a:p>
+          <a:p>
+            <a:pPr algn="ctr"/>
+            <a:endParaRPr lang="en-US" altLang="ko-KR" sz="1400">
+              <a:solidFill>
+                <a:sysClr val="windowText" lastClr="000000"/>
+              </a:solidFill>
+              <a:latin typeface="나눔바른고딕" panose="020B0603020101020101" pitchFamily="50" charset="-127"/>
+              <a:ea typeface="나눔바른고딕" panose="020B0603020101020101" pitchFamily="50" charset="-127"/>
+            </a:endParaRPr>
+          </a:p>
+        </p:txBody>
+      </p:sp>
+      <p:sp>
+        <p:nvSpPr>
+          <p:cNvPr id="67" name="직사각형 66">
+            <a:extLst>
+              <a:ext uri="{FF2B5EF4-FFF2-40B4-BE49-F238E27FC236}">
+                <a16:creationId xmlns:a16="http://schemas.microsoft.com/office/drawing/2014/main" id="{67D0A1DD-D213-4B29-B5FA-C0515A8273DD}"/>
+              </a:ext>
+            </a:extLst>
+          </p:cNvPr>
+          <p:cNvSpPr/>
+          <p:nvPr/>
+        </p:nvSpPr>
+        <p:spPr>
+          <a:xfrm>
+            <a:off x="8372628" y="3004299"/>
+            <a:ext cx="1548580" cy="936293"/>
+          </a:xfrm>
+          <a:prstGeom prst="rect">
+            <a:avLst/>
+          </a:prstGeom>
+          <a:solidFill>
+            <a:schemeClr val="accent1">
+              <a:lumMod val="40000"/>
+              <a:lumOff val="60000"/>
+            </a:schemeClr>
+          </a:solidFill>
+          <a:ln>
+            <a:solidFill>
+              <a:schemeClr val="tx1"/>
+            </a:solidFill>
+          </a:ln>
+        </p:spPr>
+        <p:style>
+          <a:lnRef idx="2">
+            <a:schemeClr val="accent1">
+              <a:shade val="50000"/>
+            </a:schemeClr>
+          </a:lnRef>
+          <a:fillRef idx="1">
+            <a:schemeClr val="accent1"/>
+          </a:fillRef>
+          <a:effectRef idx="0">
+            <a:schemeClr val="accent1"/>
+          </a:effectRef>
+          <a:fontRef idx="minor">
+            <a:schemeClr val="lt1"/>
+          </a:fontRef>
+        </p:style>
+        <p:txBody>
+          <a:bodyPr rtlCol="0" anchor="ctr"/>
+          <a:lstStyle/>
+          <a:p>
+            <a:pPr algn="ctr"/>
+            <a:r>
+              <a:rPr lang="en-US" altLang="ko-KR" sz="1400">
+                <a:solidFill>
+                  <a:sysClr val="windowText" lastClr="000000"/>
+                </a:solidFill>
+                <a:latin typeface="나눔바른고딕" panose="020B0603020101020101" pitchFamily="50" charset="-127"/>
+                <a:ea typeface="나눔바른고딕" panose="020B0603020101020101" pitchFamily="50" charset="-127"/>
+              </a:rPr>
+              <a:t>Instance 3</a:t>
+            </a:r>
+          </a:p>
+          <a:p>
+            <a:pPr algn="ctr"/>
+            <a:endParaRPr lang="en-US" altLang="ko-KR" sz="1400">
+              <a:solidFill>
+                <a:sysClr val="windowText" lastClr="000000"/>
+              </a:solidFill>
+              <a:latin typeface="나눔바른고딕" panose="020B0603020101020101" pitchFamily="50" charset="-127"/>
+              <a:ea typeface="나눔바른고딕" panose="020B0603020101020101" pitchFamily="50" charset="-127"/>
+            </a:endParaRPr>
+          </a:p>
+          <a:p>
+            <a:pPr algn="ctr"/>
+            <a:endParaRPr lang="en-US" altLang="ko-KR" sz="1400">
+              <a:solidFill>
+                <a:sysClr val="windowText" lastClr="000000"/>
+              </a:solidFill>
+              <a:latin typeface="나눔바른고딕" panose="020B0603020101020101" pitchFamily="50" charset="-127"/>
+              <a:ea typeface="나눔바른고딕" panose="020B0603020101020101" pitchFamily="50" charset="-127"/>
+            </a:endParaRPr>
+          </a:p>
+        </p:txBody>
+      </p:sp>
+      <p:sp>
+        <p:nvSpPr>
+          <p:cNvPr id="68" name="타원 67">
+            <a:extLst>
+              <a:ext uri="{FF2B5EF4-FFF2-40B4-BE49-F238E27FC236}">
+                <a16:creationId xmlns:a16="http://schemas.microsoft.com/office/drawing/2014/main" id="{DCDA1407-A215-4203-868D-293DFC7A3401}"/>
+              </a:ext>
+            </a:extLst>
+          </p:cNvPr>
+          <p:cNvSpPr/>
+          <p:nvPr/>
+        </p:nvSpPr>
+        <p:spPr>
+          <a:xfrm>
+            <a:off x="7112988" y="1459329"/>
+            <a:ext cx="302122" cy="302122"/>
+          </a:xfrm>
+          <a:prstGeom prst="ellipse">
+            <a:avLst/>
+          </a:prstGeom>
+          <a:solidFill>
+            <a:schemeClr val="bg1"/>
+          </a:solidFill>
+          <a:ln>
+            <a:solidFill>
+              <a:schemeClr val="tx1"/>
+            </a:solidFill>
+          </a:ln>
+        </p:spPr>
+        <p:style>
+          <a:lnRef idx="2">
+            <a:schemeClr val="accent1">
+              <a:shade val="50000"/>
+            </a:schemeClr>
+          </a:lnRef>
+          <a:fillRef idx="1">
+            <a:schemeClr val="accent1"/>
+          </a:fillRef>
+          <a:effectRef idx="0">
+            <a:schemeClr val="accent1"/>
+          </a:effectRef>
+          <a:fontRef idx="minor">
+            <a:schemeClr val="lt1"/>
+          </a:fontRef>
+        </p:style>
+        <p:txBody>
+          <a:bodyPr rtlCol="0" anchor="ctr"/>
+          <a:lstStyle/>
+          <a:p>
+            <a:pPr algn="ctr"/>
+            <a:endParaRPr lang="ko-KR" altLang="en-US"/>
+          </a:p>
+        </p:txBody>
+      </p:sp>
+      <p:sp>
+        <p:nvSpPr>
+          <p:cNvPr id="70" name="타원 69">
+            <a:extLst>
+              <a:ext uri="{FF2B5EF4-FFF2-40B4-BE49-F238E27FC236}">
+                <a16:creationId xmlns:a16="http://schemas.microsoft.com/office/drawing/2014/main" id="{7652610F-A06D-4A5A-BED6-DC97080F2B4A}"/>
+              </a:ext>
+            </a:extLst>
+          </p:cNvPr>
+          <p:cNvSpPr/>
+          <p:nvPr/>
+        </p:nvSpPr>
+        <p:spPr>
+          <a:xfrm>
+            <a:off x="7112988" y="2196942"/>
+            <a:ext cx="302122" cy="302122"/>
+          </a:xfrm>
+          <a:prstGeom prst="ellipse">
+            <a:avLst/>
+          </a:prstGeom>
+          <a:solidFill>
+            <a:schemeClr val="bg1"/>
+          </a:solidFill>
+          <a:ln>
+            <a:solidFill>
+              <a:schemeClr val="tx1"/>
+            </a:solidFill>
+          </a:ln>
+        </p:spPr>
+        <p:style>
+          <a:lnRef idx="2">
+            <a:schemeClr val="accent1">
+              <a:shade val="50000"/>
+            </a:schemeClr>
+          </a:lnRef>
+          <a:fillRef idx="1">
+            <a:schemeClr val="accent1"/>
+          </a:fillRef>
+          <a:effectRef idx="0">
+            <a:schemeClr val="accent1"/>
+          </a:effectRef>
+          <a:fontRef idx="minor">
+            <a:schemeClr val="lt1"/>
+          </a:fontRef>
+        </p:style>
+        <p:txBody>
+          <a:bodyPr rtlCol="0" anchor="ctr"/>
+          <a:lstStyle/>
+          <a:p>
+            <a:pPr algn="ctr"/>
+            <a:endParaRPr lang="ko-KR" altLang="en-US"/>
+          </a:p>
+        </p:txBody>
+      </p:sp>
+      <p:sp>
+        <p:nvSpPr>
+          <p:cNvPr id="71" name="타원 70">
+            <a:extLst>
+              <a:ext uri="{FF2B5EF4-FFF2-40B4-BE49-F238E27FC236}">
+                <a16:creationId xmlns:a16="http://schemas.microsoft.com/office/drawing/2014/main" id="{839482EE-2C3A-4BB2-A059-584CDBA7F206}"/>
+              </a:ext>
+            </a:extLst>
+          </p:cNvPr>
+          <p:cNvSpPr/>
+          <p:nvPr/>
+        </p:nvSpPr>
+        <p:spPr>
+          <a:xfrm>
+            <a:off x="7118504" y="2934555"/>
+            <a:ext cx="302122" cy="302122"/>
+          </a:xfrm>
+          <a:prstGeom prst="ellipse">
+            <a:avLst/>
+          </a:prstGeom>
+          <a:solidFill>
+            <a:schemeClr val="bg1"/>
+          </a:solidFill>
+          <a:ln>
+            <a:solidFill>
+              <a:schemeClr val="tx1"/>
+            </a:solidFill>
+          </a:ln>
+        </p:spPr>
+        <p:style>
+          <a:lnRef idx="2">
+            <a:schemeClr val="accent1">
+              <a:shade val="50000"/>
+            </a:schemeClr>
+          </a:lnRef>
+          <a:fillRef idx="1">
+            <a:schemeClr val="accent1"/>
+          </a:fillRef>
+          <a:effectRef idx="0">
+            <a:schemeClr val="accent1"/>
+          </a:effectRef>
+          <a:fontRef idx="minor">
+            <a:schemeClr val="lt1"/>
+          </a:fontRef>
+        </p:style>
+        <p:txBody>
+          <a:bodyPr rtlCol="0" anchor="ctr"/>
+          <a:lstStyle/>
+          <a:p>
+            <a:pPr algn="ctr"/>
+            <a:endParaRPr lang="ko-KR" altLang="en-US"/>
+          </a:p>
+        </p:txBody>
+      </p:sp>
+      <p:cxnSp>
+        <p:nvCxnSpPr>
+          <p:cNvPr id="73" name="직선 화살표 연결선 72">
+            <a:extLst>
+              <a:ext uri="{FF2B5EF4-FFF2-40B4-BE49-F238E27FC236}">
+                <a16:creationId xmlns:a16="http://schemas.microsoft.com/office/drawing/2014/main" id="{9030A8EF-91A8-4D8F-B5CF-7EFCDDE42C7E}"/>
+              </a:ext>
+            </a:extLst>
+          </p:cNvPr>
+          <p:cNvCxnSpPr>
+            <a:cxnSpLocks/>
+            <a:stCxn id="68" idx="6"/>
+            <a:endCxn id="55" idx="1"/>
+          </p:cNvCxnSpPr>
+          <p:nvPr/>
+        </p:nvCxnSpPr>
+        <p:spPr>
+          <a:xfrm flipV="1">
+            <a:off x="7415110" y="1279652"/>
+            <a:ext cx="940952" cy="330738"/>
+          </a:xfrm>
+          <a:prstGeom prst="straightConnector1">
+            <a:avLst/>
+          </a:prstGeom>
+          <a:ln>
+            <a:solidFill>
+              <a:schemeClr val="tx1"/>
+            </a:solidFill>
+            <a:tailEnd type="triangle"/>
+          </a:ln>
+        </p:spPr>
+        <p:style>
+          <a:lnRef idx="1">
+            <a:schemeClr val="accent1"/>
+          </a:lnRef>
+          <a:fillRef idx="0">
+            <a:schemeClr val="accent1"/>
+          </a:fillRef>
+          <a:effectRef idx="0">
+            <a:schemeClr val="accent1"/>
+          </a:effectRef>
+          <a:fontRef idx="minor">
+            <a:schemeClr val="tx1"/>
+          </a:fontRef>
+        </p:style>
+      </p:cxnSp>
+      <p:cxnSp>
+        <p:nvCxnSpPr>
+          <p:cNvPr id="74" name="직선 화살표 연결선 73">
+            <a:extLst>
+              <a:ext uri="{FF2B5EF4-FFF2-40B4-BE49-F238E27FC236}">
+                <a16:creationId xmlns:a16="http://schemas.microsoft.com/office/drawing/2014/main" id="{F23F5801-DC9B-4AC6-AEF8-7EB4B678551B}"/>
+              </a:ext>
+            </a:extLst>
+          </p:cNvPr>
+          <p:cNvCxnSpPr>
+            <a:cxnSpLocks/>
+            <a:stCxn id="70" idx="6"/>
+            <a:endCxn id="57" idx="1"/>
+          </p:cNvCxnSpPr>
+          <p:nvPr/>
+        </p:nvCxnSpPr>
+        <p:spPr>
+          <a:xfrm>
+            <a:off x="7415110" y="2348003"/>
+            <a:ext cx="940952" cy="22136"/>
+          </a:xfrm>
+          <a:prstGeom prst="straightConnector1">
+            <a:avLst/>
+          </a:prstGeom>
+          <a:ln>
+            <a:solidFill>
+              <a:schemeClr val="tx1"/>
+            </a:solidFill>
+            <a:tailEnd type="triangle"/>
+          </a:ln>
+        </p:spPr>
+        <p:style>
+          <a:lnRef idx="1">
+            <a:schemeClr val="accent1"/>
+          </a:lnRef>
+          <a:fillRef idx="0">
+            <a:schemeClr val="accent1"/>
+          </a:fillRef>
+          <a:effectRef idx="0">
+            <a:schemeClr val="accent1"/>
+          </a:effectRef>
+          <a:fontRef idx="minor">
+            <a:schemeClr val="tx1"/>
+          </a:fontRef>
+        </p:style>
+      </p:cxnSp>
+      <p:cxnSp>
+        <p:nvCxnSpPr>
+          <p:cNvPr id="76" name="직선 화살표 연결선 75">
+            <a:extLst>
+              <a:ext uri="{FF2B5EF4-FFF2-40B4-BE49-F238E27FC236}">
+                <a16:creationId xmlns:a16="http://schemas.microsoft.com/office/drawing/2014/main" id="{68211F7B-0937-44F3-A505-435597B54ABD}"/>
+              </a:ext>
+            </a:extLst>
+          </p:cNvPr>
+          <p:cNvCxnSpPr>
+            <a:cxnSpLocks/>
+            <a:stCxn id="71" idx="6"/>
+            <a:endCxn id="67" idx="1"/>
+          </p:cNvCxnSpPr>
+          <p:nvPr/>
+        </p:nvCxnSpPr>
+        <p:spPr>
+          <a:xfrm>
+            <a:off x="7420626" y="3085616"/>
+            <a:ext cx="952002" cy="386830"/>
+          </a:xfrm>
+          <a:prstGeom prst="straightConnector1">
+            <a:avLst/>
+          </a:prstGeom>
+          <a:ln>
+            <a:solidFill>
+              <a:schemeClr val="tx1"/>
+            </a:solidFill>
+            <a:tailEnd type="triangle"/>
+          </a:ln>
+        </p:spPr>
+        <p:style>
+          <a:lnRef idx="1">
+            <a:schemeClr val="accent1"/>
+          </a:lnRef>
+          <a:fillRef idx="0">
+            <a:schemeClr val="accent1"/>
+          </a:fillRef>
+          <a:effectRef idx="0">
+            <a:schemeClr val="accent1"/>
+          </a:effectRef>
+          <a:fontRef idx="minor">
+            <a:schemeClr val="tx1"/>
+          </a:fontRef>
+        </p:style>
+      </p:cxnSp>
+      <p:sp>
+        <p:nvSpPr>
+          <p:cNvPr id="77" name="TextBox 76">
+            <a:extLst>
+              <a:ext uri="{FF2B5EF4-FFF2-40B4-BE49-F238E27FC236}">
+                <a16:creationId xmlns:a16="http://schemas.microsoft.com/office/drawing/2014/main" id="{257D6E15-1AD3-4B3A-B0A7-B32A4F819D23}"/>
+              </a:ext>
+            </a:extLst>
+          </p:cNvPr>
+          <p:cNvSpPr txBox="1"/>
+          <p:nvPr/>
+        </p:nvSpPr>
+        <p:spPr>
+          <a:xfrm>
+            <a:off x="8042595" y="389585"/>
+            <a:ext cx="1816925" cy="307777"/>
+          </a:xfrm>
+          <a:prstGeom prst="rect">
+            <a:avLst/>
+          </a:prstGeom>
+          <a:noFill/>
+        </p:spPr>
+        <p:txBody>
+          <a:bodyPr wrap="square" rtlCol="0">
+            <a:spAutoFit/>
+          </a:bodyPr>
+          <a:lstStyle/>
+          <a:p>
+            <a:r>
+              <a:rPr lang="ko-KR" altLang="en-US" sz="1400"/>
+              <a:t>주문 서비스</a:t>
+            </a:r>
+          </a:p>
+        </p:txBody>
+      </p:sp>
+      <p:sp>
+        <p:nvSpPr>
+          <p:cNvPr id="78" name="TextBox 77">
+            <a:extLst>
+              <a:ext uri="{FF2B5EF4-FFF2-40B4-BE49-F238E27FC236}">
+                <a16:creationId xmlns:a16="http://schemas.microsoft.com/office/drawing/2014/main" id="{B3D18574-D916-4109-B267-B20C1368D42D}"/>
+              </a:ext>
+            </a:extLst>
+          </p:cNvPr>
+          <p:cNvSpPr txBox="1"/>
+          <p:nvPr/>
+        </p:nvSpPr>
+        <p:spPr>
+          <a:xfrm>
+            <a:off x="6922871" y="1115984"/>
+            <a:ext cx="1816925" cy="307777"/>
+          </a:xfrm>
+          <a:prstGeom prst="rect">
+            <a:avLst/>
+          </a:prstGeom>
+          <a:noFill/>
+        </p:spPr>
+        <p:txBody>
+          <a:bodyPr wrap="square" rtlCol="0">
+            <a:spAutoFit/>
+          </a:bodyPr>
+          <a:lstStyle/>
+          <a:p>
+            <a:r>
+              <a:rPr lang="en-US" altLang="ko-KR" sz="1400"/>
+              <a:t>10.0.0.1</a:t>
+            </a:r>
+            <a:endParaRPr lang="ko-KR" altLang="en-US" sz="1400"/>
+          </a:p>
+        </p:txBody>
+      </p:sp>
+      <p:sp>
+        <p:nvSpPr>
+          <p:cNvPr id="82" name="TextBox 81">
+            <a:extLst>
+              <a:ext uri="{FF2B5EF4-FFF2-40B4-BE49-F238E27FC236}">
+                <a16:creationId xmlns:a16="http://schemas.microsoft.com/office/drawing/2014/main" id="{179F3D92-271F-4DE9-9D4A-CA422818F4E2}"/>
+              </a:ext>
+            </a:extLst>
+          </p:cNvPr>
+          <p:cNvSpPr txBox="1"/>
+          <p:nvPr/>
+        </p:nvSpPr>
+        <p:spPr>
+          <a:xfrm>
+            <a:off x="6922870" y="1850766"/>
+            <a:ext cx="1816925" cy="307777"/>
+          </a:xfrm>
+          <a:prstGeom prst="rect">
+            <a:avLst/>
+          </a:prstGeom>
+          <a:noFill/>
+        </p:spPr>
+        <p:txBody>
+          <a:bodyPr wrap="square" rtlCol="0">
+            <a:spAutoFit/>
+          </a:bodyPr>
+          <a:lstStyle/>
+          <a:p>
+            <a:r>
+              <a:rPr lang="en-US" altLang="ko-KR" sz="1400"/>
+              <a:t>10.0.0.2</a:t>
+            </a:r>
+            <a:endParaRPr lang="ko-KR" altLang="en-US" sz="1400"/>
+          </a:p>
+        </p:txBody>
+      </p:sp>
+      <p:sp>
+        <p:nvSpPr>
+          <p:cNvPr id="83" name="TextBox 82">
+            <a:extLst>
+              <a:ext uri="{FF2B5EF4-FFF2-40B4-BE49-F238E27FC236}">
+                <a16:creationId xmlns:a16="http://schemas.microsoft.com/office/drawing/2014/main" id="{1E83DCD6-3C4E-473C-9F09-339953789245}"/>
+              </a:ext>
+            </a:extLst>
+          </p:cNvPr>
+          <p:cNvSpPr txBox="1"/>
+          <p:nvPr/>
+        </p:nvSpPr>
+        <p:spPr>
+          <a:xfrm>
+            <a:off x="6980839" y="2694177"/>
+            <a:ext cx="1816925" cy="307777"/>
+          </a:xfrm>
+          <a:prstGeom prst="rect">
+            <a:avLst/>
+          </a:prstGeom>
+          <a:noFill/>
+        </p:spPr>
+        <p:txBody>
+          <a:bodyPr wrap="square" rtlCol="0">
+            <a:spAutoFit/>
+          </a:bodyPr>
+          <a:lstStyle/>
+          <a:p>
+            <a:r>
+              <a:rPr lang="en-US" altLang="ko-KR" sz="1400"/>
+              <a:t>10.0.0.3</a:t>
+            </a:r>
+          </a:p>
+        </p:txBody>
+      </p:sp>
+      <p:graphicFrame>
+        <p:nvGraphicFramePr>
+          <p:cNvPr id="90" name="표 3">
+            <a:extLst>
+              <a:ext uri="{FF2B5EF4-FFF2-40B4-BE49-F238E27FC236}">
+                <a16:creationId xmlns:a16="http://schemas.microsoft.com/office/drawing/2014/main" id="{D3719473-DB08-49D8-80E6-668E694AEA58}"/>
+              </a:ext>
+            </a:extLst>
+          </p:cNvPr>
+          <p:cNvGraphicFramePr>
+            <a:graphicFrameLocks noGrp="1"/>
+          </p:cNvGraphicFramePr>
+          <p:nvPr>
+            <p:extLst>
+              <p:ext uri="{D42A27DB-BD31-4B8C-83A1-F6EECF244321}">
+                <p14:modId xmlns:p14="http://schemas.microsoft.com/office/powerpoint/2010/main" val="1522392577"/>
+              </p:ext>
+            </p:extLst>
+          </p:nvPr>
+        </p:nvGraphicFramePr>
+        <p:xfrm>
+          <a:off x="8461677" y="1216795"/>
+          <a:ext cx="1337349" cy="457200"/>
+        </p:xfrm>
+        <a:graphic>
+          <a:graphicData uri="http://schemas.openxmlformats.org/drawingml/2006/table">
+            <a:tbl>
+              <a:tblPr firstRow="1" bandRow="1">
+                <a:tableStyleId>{5940675A-B579-460E-94D1-54222C63F5DA}</a:tableStyleId>
+              </a:tblPr>
+              <a:tblGrid>
+                <a:gridCol w="1337349">
+                  <a:extLst>
+                    <a:ext uri="{9D8B030D-6E8A-4147-A177-3AD203B41FA5}">
+                      <a16:colId xmlns:a16="http://schemas.microsoft.com/office/drawing/2014/main" val="3756992613"/>
+                    </a:ext>
+                  </a:extLst>
+                </a:gridCol>
+              </a:tblGrid>
+              <a:tr h="449062">
+                <a:tc>
+                  <a:txBody>
+                    <a:bodyPr/>
+                    <a:lstStyle/>
+                    <a:p>
+                      <a:pPr algn="ctr" latinLnBrk="1"/>
+                      <a:r>
+                        <a:rPr lang="ko-KR" altLang="en-US" sz="1200">
+                          <a:solidFill>
+                            <a:schemeClr val="tx1"/>
+                          </a:solidFill>
+                          <a:latin typeface="나눔바른고딕" panose="020B0603020101020101" pitchFamily="50" charset="-127"/>
+                          <a:ea typeface="나눔바른고딕" panose="020B0603020101020101" pitchFamily="50" charset="-127"/>
+                        </a:rPr>
+                        <a:t>서비스 디스커버리</a:t>
+                      </a:r>
+                      <a:endParaRPr lang="en-US" altLang="ko-KR" sz="1200">
+                        <a:solidFill>
+                          <a:schemeClr val="tx1"/>
+                        </a:solidFill>
+                        <a:latin typeface="나눔바른고딕" panose="020B0603020101020101" pitchFamily="50" charset="-127"/>
+                        <a:ea typeface="나눔바른고딕" panose="020B0603020101020101" pitchFamily="50" charset="-127"/>
+                      </a:endParaRPr>
+                    </a:p>
+                    <a:p>
+                      <a:pPr algn="ctr" latinLnBrk="1"/>
+                      <a:r>
+                        <a:rPr lang="ko-KR" altLang="en-US" sz="1200">
+                          <a:solidFill>
+                            <a:schemeClr val="tx1"/>
+                          </a:solidFill>
+                          <a:latin typeface="나눔바른고딕" panose="020B0603020101020101" pitchFamily="50" charset="-127"/>
+                          <a:ea typeface="나눔바른고딕" panose="020B0603020101020101" pitchFamily="50" charset="-127"/>
+                        </a:rPr>
+                        <a:t>라이브러리</a:t>
+                      </a:r>
+                      <a:endParaRPr lang="en-US" altLang="ko-KR" sz="1200">
+                        <a:solidFill>
+                          <a:schemeClr val="tx1"/>
+                        </a:solidFill>
+                        <a:latin typeface="나눔바른고딕" panose="020B0603020101020101" pitchFamily="50" charset="-127"/>
+                        <a:ea typeface="나눔바른고딕" panose="020B0603020101020101" pitchFamily="50" charset="-127"/>
+                      </a:endParaRPr>
+                    </a:p>
+                  </a:txBody>
+                  <a:tcPr>
+                    <a:solidFill>
+                      <a:schemeClr val="bg1">
+                        <a:lumMod val="65000"/>
+                      </a:schemeClr>
+                    </a:solidFill>
+                  </a:tcPr>
+                </a:tc>
+                <a:extLst>
+                  <a:ext uri="{0D108BD9-81ED-4DB2-BD59-A6C34878D82A}">
+                    <a16:rowId xmlns:a16="http://schemas.microsoft.com/office/drawing/2014/main" val="1384305990"/>
+                  </a:ext>
+                </a:extLst>
+              </a:tr>
+            </a:tbl>
+          </a:graphicData>
+        </a:graphic>
+      </p:graphicFrame>
+      <p:graphicFrame>
+        <p:nvGraphicFramePr>
+          <p:cNvPr id="92" name="표 3">
+            <a:extLst>
+              <a:ext uri="{FF2B5EF4-FFF2-40B4-BE49-F238E27FC236}">
+                <a16:creationId xmlns:a16="http://schemas.microsoft.com/office/drawing/2014/main" id="{9F0489A8-B2D8-43B1-AFF3-F9F7F2C75616}"/>
+              </a:ext>
+            </a:extLst>
+          </p:cNvPr>
+          <p:cNvGraphicFramePr>
+            <a:graphicFrameLocks noGrp="1"/>
+          </p:cNvGraphicFramePr>
+          <p:nvPr>
+            <p:extLst>
+              <p:ext uri="{D42A27DB-BD31-4B8C-83A1-F6EECF244321}">
+                <p14:modId xmlns:p14="http://schemas.microsoft.com/office/powerpoint/2010/main" val="3179129246"/>
+              </p:ext>
+            </p:extLst>
+          </p:nvPr>
+        </p:nvGraphicFramePr>
+        <p:xfrm>
+          <a:off x="8478243" y="2324556"/>
+          <a:ext cx="1337349" cy="457200"/>
+        </p:xfrm>
+        <a:graphic>
+          <a:graphicData uri="http://schemas.openxmlformats.org/drawingml/2006/table">
+            <a:tbl>
+              <a:tblPr firstRow="1" bandRow="1">
+                <a:tableStyleId>{5940675A-B579-460E-94D1-54222C63F5DA}</a:tableStyleId>
+              </a:tblPr>
+              <a:tblGrid>
+                <a:gridCol w="1337349">
+                  <a:extLst>
+                    <a:ext uri="{9D8B030D-6E8A-4147-A177-3AD203B41FA5}">
+                      <a16:colId xmlns:a16="http://schemas.microsoft.com/office/drawing/2014/main" val="3756992613"/>
+                    </a:ext>
+                  </a:extLst>
+                </a:gridCol>
+              </a:tblGrid>
+              <a:tr h="449062">
+                <a:tc>
+                  <a:txBody>
+                    <a:bodyPr/>
+                    <a:lstStyle/>
+                    <a:p>
+                      <a:pPr algn="ctr" latinLnBrk="1"/>
+                      <a:r>
+                        <a:rPr lang="ko-KR" altLang="en-US" sz="1200">
+                          <a:solidFill>
+                            <a:schemeClr val="tx1"/>
+                          </a:solidFill>
+                          <a:latin typeface="나눔바른고딕" panose="020B0603020101020101" pitchFamily="50" charset="-127"/>
+                          <a:ea typeface="나눔바른고딕" panose="020B0603020101020101" pitchFamily="50" charset="-127"/>
+                        </a:rPr>
+                        <a:t>서비스 디스커버리</a:t>
+                      </a:r>
+                      <a:endParaRPr lang="en-US" altLang="ko-KR" sz="1200">
+                        <a:solidFill>
+                          <a:schemeClr val="tx1"/>
+                        </a:solidFill>
+                        <a:latin typeface="나눔바른고딕" panose="020B0603020101020101" pitchFamily="50" charset="-127"/>
+                        <a:ea typeface="나눔바른고딕" panose="020B0603020101020101" pitchFamily="50" charset="-127"/>
+                      </a:endParaRPr>
+                    </a:p>
+                    <a:p>
+                      <a:pPr algn="ctr" latinLnBrk="1"/>
+                      <a:r>
+                        <a:rPr lang="ko-KR" altLang="en-US" sz="1200">
+                          <a:solidFill>
+                            <a:schemeClr val="tx1"/>
+                          </a:solidFill>
+                          <a:latin typeface="나눔바른고딕" panose="020B0603020101020101" pitchFamily="50" charset="-127"/>
+                          <a:ea typeface="나눔바른고딕" panose="020B0603020101020101" pitchFamily="50" charset="-127"/>
+                        </a:rPr>
+                        <a:t>라이브러리</a:t>
+                      </a:r>
+                      <a:endParaRPr lang="en-US" altLang="ko-KR" sz="1200">
+                        <a:solidFill>
+                          <a:schemeClr val="tx1"/>
+                        </a:solidFill>
+                        <a:latin typeface="나눔바른고딕" panose="020B0603020101020101" pitchFamily="50" charset="-127"/>
+                        <a:ea typeface="나눔바른고딕" panose="020B0603020101020101" pitchFamily="50" charset="-127"/>
+                      </a:endParaRPr>
+                    </a:p>
+                  </a:txBody>
+                  <a:tcPr>
+                    <a:solidFill>
+                      <a:schemeClr val="bg1">
+                        <a:lumMod val="65000"/>
+                      </a:schemeClr>
+                    </a:solidFill>
+                  </a:tcPr>
+                </a:tc>
+                <a:extLst>
+                  <a:ext uri="{0D108BD9-81ED-4DB2-BD59-A6C34878D82A}">
+                    <a16:rowId xmlns:a16="http://schemas.microsoft.com/office/drawing/2014/main" val="1384305990"/>
+                  </a:ext>
+                </a:extLst>
+              </a:tr>
+            </a:tbl>
+          </a:graphicData>
+        </a:graphic>
+      </p:graphicFrame>
+      <p:graphicFrame>
+        <p:nvGraphicFramePr>
+          <p:cNvPr id="93" name="표 3">
+            <a:extLst>
+              <a:ext uri="{FF2B5EF4-FFF2-40B4-BE49-F238E27FC236}">
+                <a16:creationId xmlns:a16="http://schemas.microsoft.com/office/drawing/2014/main" id="{9929B324-CCFE-4D19-8708-6B8419A0802F}"/>
+              </a:ext>
+            </a:extLst>
+          </p:cNvPr>
+          <p:cNvGraphicFramePr>
+            <a:graphicFrameLocks noGrp="1"/>
+          </p:cNvGraphicFramePr>
+          <p:nvPr>
+            <p:extLst>
+              <p:ext uri="{D42A27DB-BD31-4B8C-83A1-F6EECF244321}">
+                <p14:modId xmlns:p14="http://schemas.microsoft.com/office/powerpoint/2010/main" val="2469428015"/>
+              </p:ext>
+            </p:extLst>
+          </p:nvPr>
+        </p:nvGraphicFramePr>
+        <p:xfrm>
+          <a:off x="8500406" y="3402610"/>
+          <a:ext cx="1337349" cy="457200"/>
+        </p:xfrm>
+        <a:graphic>
+          <a:graphicData uri="http://schemas.openxmlformats.org/drawingml/2006/table">
+            <a:tbl>
+              <a:tblPr firstRow="1" bandRow="1">
+                <a:tableStyleId>{5940675A-B579-460E-94D1-54222C63F5DA}</a:tableStyleId>
+              </a:tblPr>
+              <a:tblGrid>
+                <a:gridCol w="1337349">
+                  <a:extLst>
+                    <a:ext uri="{9D8B030D-6E8A-4147-A177-3AD203B41FA5}">
+                      <a16:colId xmlns:a16="http://schemas.microsoft.com/office/drawing/2014/main" val="3756992613"/>
+                    </a:ext>
+                  </a:extLst>
+                </a:gridCol>
+              </a:tblGrid>
+              <a:tr h="449062">
+                <a:tc>
+                  <a:txBody>
+                    <a:bodyPr/>
+                    <a:lstStyle/>
+                    <a:p>
+                      <a:pPr algn="ctr" latinLnBrk="1"/>
+                      <a:r>
+                        <a:rPr lang="ko-KR" altLang="en-US" sz="1200">
+                          <a:solidFill>
+                            <a:schemeClr val="tx1"/>
+                          </a:solidFill>
+                          <a:latin typeface="나눔바른고딕" panose="020B0603020101020101" pitchFamily="50" charset="-127"/>
+                          <a:ea typeface="나눔바른고딕" panose="020B0603020101020101" pitchFamily="50" charset="-127"/>
+                        </a:rPr>
+                        <a:t>서비스 디스커버리</a:t>
+                      </a:r>
+                      <a:endParaRPr lang="en-US" altLang="ko-KR" sz="1200">
+                        <a:solidFill>
+                          <a:schemeClr val="tx1"/>
+                        </a:solidFill>
+                        <a:latin typeface="나눔바른고딕" panose="020B0603020101020101" pitchFamily="50" charset="-127"/>
+                        <a:ea typeface="나눔바른고딕" panose="020B0603020101020101" pitchFamily="50" charset="-127"/>
+                      </a:endParaRPr>
+                    </a:p>
+                    <a:p>
+                      <a:pPr algn="ctr" latinLnBrk="1"/>
+                      <a:r>
+                        <a:rPr lang="ko-KR" altLang="en-US" sz="1200">
+                          <a:solidFill>
+                            <a:schemeClr val="tx1"/>
+                          </a:solidFill>
+                          <a:latin typeface="나눔바른고딕" panose="020B0603020101020101" pitchFamily="50" charset="-127"/>
+                          <a:ea typeface="나눔바른고딕" panose="020B0603020101020101" pitchFamily="50" charset="-127"/>
+                        </a:rPr>
+                        <a:t>라이브러리</a:t>
+                      </a:r>
+                      <a:endParaRPr lang="en-US" altLang="ko-KR" sz="1200">
+                        <a:solidFill>
+                          <a:schemeClr val="tx1"/>
+                        </a:solidFill>
+                        <a:latin typeface="나눔바른고딕" panose="020B0603020101020101" pitchFamily="50" charset="-127"/>
+                        <a:ea typeface="나눔바른고딕" panose="020B0603020101020101" pitchFamily="50" charset="-127"/>
+                      </a:endParaRPr>
+                    </a:p>
+                  </a:txBody>
+                  <a:tcPr>
+                    <a:solidFill>
+                      <a:schemeClr val="bg1">
+                        <a:lumMod val="65000"/>
+                      </a:schemeClr>
+                    </a:solidFill>
+                  </a:tcPr>
+                </a:tc>
+                <a:extLst>
+                  <a:ext uri="{0D108BD9-81ED-4DB2-BD59-A6C34878D82A}">
+                    <a16:rowId xmlns:a16="http://schemas.microsoft.com/office/drawing/2014/main" val="1384305990"/>
+                  </a:ext>
+                </a:extLst>
+              </a:tr>
+            </a:tbl>
+          </a:graphicData>
+        </a:graphic>
+      </p:graphicFrame>
+      <p:cxnSp>
+        <p:nvCxnSpPr>
+          <p:cNvPr id="94" name="직선 화살표 연결선 93">
+            <a:extLst>
+              <a:ext uri="{FF2B5EF4-FFF2-40B4-BE49-F238E27FC236}">
+                <a16:creationId xmlns:a16="http://schemas.microsoft.com/office/drawing/2014/main" id="{B7347900-C8EB-404C-BB45-8877843EABF1}"/>
+              </a:ext>
+            </a:extLst>
+          </p:cNvPr>
+          <p:cNvCxnSpPr>
+            <a:cxnSpLocks/>
+            <a:stCxn id="90" idx="1"/>
+            <a:endCxn id="27" idx="6"/>
+          </p:cNvCxnSpPr>
+          <p:nvPr/>
+        </p:nvCxnSpPr>
+        <p:spPr>
+          <a:xfrm flipH="1">
+            <a:off x="6464037" y="1445395"/>
+            <a:ext cx="1997640" cy="1981090"/>
+          </a:xfrm>
+          <a:prstGeom prst="straightConnector1">
+            <a:avLst/>
+          </a:prstGeom>
+          <a:ln>
+            <a:solidFill>
+              <a:schemeClr val="tx1">
+                <a:lumMod val="65000"/>
+                <a:lumOff val="35000"/>
+              </a:schemeClr>
+            </a:solidFill>
+            <a:prstDash val="lgDash"/>
+            <a:tailEnd type="triangle"/>
+          </a:ln>
+        </p:spPr>
+        <p:style>
+          <a:lnRef idx="1">
+            <a:schemeClr val="accent1"/>
+          </a:lnRef>
+          <a:fillRef idx="0">
+            <a:schemeClr val="accent1"/>
+          </a:fillRef>
+          <a:effectRef idx="0">
+            <a:schemeClr val="accent1"/>
+          </a:effectRef>
+          <a:fontRef idx="minor">
+            <a:schemeClr val="tx1"/>
+          </a:fontRef>
+        </p:style>
+      </p:cxnSp>
+      <p:cxnSp>
+        <p:nvCxnSpPr>
+          <p:cNvPr id="95" name="직선 화살표 연결선 94">
+            <a:extLst>
+              <a:ext uri="{FF2B5EF4-FFF2-40B4-BE49-F238E27FC236}">
+                <a16:creationId xmlns:a16="http://schemas.microsoft.com/office/drawing/2014/main" id="{D7A57DD5-78FF-4B80-9F97-156DF21DCF38}"/>
+              </a:ext>
+            </a:extLst>
+          </p:cNvPr>
+          <p:cNvCxnSpPr>
+            <a:cxnSpLocks/>
+            <a:stCxn id="92" idx="1"/>
+            <a:endCxn id="27" idx="6"/>
+          </p:cNvCxnSpPr>
+          <p:nvPr/>
+        </p:nvCxnSpPr>
+        <p:spPr>
+          <a:xfrm flipH="1">
+            <a:off x="6464037" y="2553156"/>
+            <a:ext cx="2014206" cy="873329"/>
+          </a:xfrm>
+          <a:prstGeom prst="straightConnector1">
+            <a:avLst/>
+          </a:prstGeom>
+          <a:ln>
+            <a:solidFill>
+              <a:schemeClr val="tx1">
+                <a:lumMod val="65000"/>
+                <a:lumOff val="35000"/>
+              </a:schemeClr>
+            </a:solidFill>
+            <a:prstDash val="lgDash"/>
+            <a:tailEnd type="triangle"/>
+          </a:ln>
+        </p:spPr>
+        <p:style>
+          <a:lnRef idx="1">
+            <a:schemeClr val="accent1"/>
+          </a:lnRef>
+          <a:fillRef idx="0">
+            <a:schemeClr val="accent1"/>
+          </a:fillRef>
+          <a:effectRef idx="0">
+            <a:schemeClr val="accent1"/>
+          </a:effectRef>
+          <a:fontRef idx="minor">
+            <a:schemeClr val="tx1"/>
+          </a:fontRef>
+        </p:style>
+      </p:cxnSp>
+      <p:cxnSp>
+        <p:nvCxnSpPr>
+          <p:cNvPr id="96" name="직선 화살표 연결선 95">
+            <a:extLst>
+              <a:ext uri="{FF2B5EF4-FFF2-40B4-BE49-F238E27FC236}">
+                <a16:creationId xmlns:a16="http://schemas.microsoft.com/office/drawing/2014/main" id="{B695F4C8-72E2-4BB2-B076-129C925EFDE4}"/>
+              </a:ext>
+            </a:extLst>
+          </p:cNvPr>
+          <p:cNvCxnSpPr>
+            <a:cxnSpLocks/>
+            <a:endCxn id="27" idx="6"/>
+          </p:cNvCxnSpPr>
+          <p:nvPr/>
+        </p:nvCxnSpPr>
+        <p:spPr>
+          <a:xfrm flipH="1" flipV="1">
+            <a:off x="6464037" y="3426485"/>
+            <a:ext cx="1888346" cy="218294"/>
+          </a:xfrm>
+          <a:prstGeom prst="straightConnector1">
+            <a:avLst/>
+          </a:prstGeom>
+          <a:ln>
+            <a:solidFill>
+              <a:schemeClr val="tx1">
+                <a:lumMod val="65000"/>
+                <a:lumOff val="35000"/>
+              </a:schemeClr>
+            </a:solidFill>
+            <a:prstDash val="lgDash"/>
+            <a:tailEnd type="triangle"/>
+          </a:ln>
+        </p:spPr>
+        <p:style>
+          <a:lnRef idx="1">
+            <a:schemeClr val="accent1"/>
+          </a:lnRef>
+          <a:fillRef idx="0">
+            <a:schemeClr val="accent1"/>
+          </a:fillRef>
+          <a:effectRef idx="0">
+            <a:schemeClr val="accent1"/>
+          </a:effectRef>
+          <a:fontRef idx="minor">
+            <a:schemeClr val="tx1"/>
+          </a:fontRef>
+        </p:style>
+      </p:cxnSp>
+      <p:cxnSp>
+        <p:nvCxnSpPr>
+          <p:cNvPr id="97" name="직선 화살표 연결선 96">
+            <a:extLst>
+              <a:ext uri="{FF2B5EF4-FFF2-40B4-BE49-F238E27FC236}">
+                <a16:creationId xmlns:a16="http://schemas.microsoft.com/office/drawing/2014/main" id="{186F116B-9010-4C8F-AB87-A63BE8E0A511}"/>
+              </a:ext>
+            </a:extLst>
+          </p:cNvPr>
+          <p:cNvCxnSpPr>
+            <a:cxnSpLocks/>
+          </p:cNvCxnSpPr>
+          <p:nvPr/>
+        </p:nvCxnSpPr>
+        <p:spPr>
+          <a:xfrm flipH="1">
+            <a:off x="5435207" y="3603729"/>
+            <a:ext cx="904738" cy="409234"/>
+          </a:xfrm>
+          <a:prstGeom prst="straightConnector1">
+            <a:avLst/>
+          </a:prstGeom>
+          <a:ln>
+            <a:solidFill>
+              <a:schemeClr val="tx1">
+                <a:lumMod val="65000"/>
+                <a:lumOff val="35000"/>
+              </a:schemeClr>
+            </a:solidFill>
+            <a:prstDash val="lgDash"/>
+            <a:tailEnd type="triangle"/>
+          </a:ln>
+        </p:spPr>
+        <p:style>
+          <a:lnRef idx="1">
+            <a:schemeClr val="accent1"/>
+          </a:lnRef>
+          <a:fillRef idx="0">
+            <a:schemeClr val="accent1"/>
+          </a:fillRef>
+          <a:effectRef idx="0">
+            <a:schemeClr val="accent1"/>
+          </a:effectRef>
+          <a:fontRef idx="minor">
+            <a:schemeClr val="tx1"/>
+          </a:fontRef>
+        </p:style>
+      </p:cxnSp>
+      <p:cxnSp>
+        <p:nvCxnSpPr>
+          <p:cNvPr id="98" name="직선 화살표 연결선 97">
+            <a:extLst>
+              <a:ext uri="{FF2B5EF4-FFF2-40B4-BE49-F238E27FC236}">
+                <a16:creationId xmlns:a16="http://schemas.microsoft.com/office/drawing/2014/main" id="{8E2BB456-D9DD-4FAC-BB5F-7D118A02F38F}"/>
+              </a:ext>
+            </a:extLst>
+          </p:cNvPr>
+          <p:cNvCxnSpPr>
+            <a:cxnSpLocks/>
+            <a:endCxn id="70" idx="2"/>
+          </p:cNvCxnSpPr>
+          <p:nvPr/>
+        </p:nvCxnSpPr>
+        <p:spPr>
+          <a:xfrm flipV="1">
+            <a:off x="2514106" y="2348003"/>
+            <a:ext cx="4598882" cy="11068"/>
+          </a:xfrm>
+          <a:prstGeom prst="straightConnector1">
+            <a:avLst/>
+          </a:prstGeom>
+          <a:ln>
+            <a:solidFill>
+              <a:schemeClr val="tx1"/>
+            </a:solidFill>
+            <a:tailEnd type="triangle"/>
+          </a:ln>
+        </p:spPr>
+        <p:style>
+          <a:lnRef idx="1">
+            <a:schemeClr val="accent1"/>
+          </a:lnRef>
+          <a:fillRef idx="0">
+            <a:schemeClr val="accent1"/>
+          </a:fillRef>
+          <a:effectRef idx="0">
+            <a:schemeClr val="accent1"/>
+          </a:effectRef>
+          <a:fontRef idx="minor">
+            <a:schemeClr val="tx1"/>
+          </a:fontRef>
+        </p:style>
+      </p:cxnSp>
+    </p:spTree>
+    <p:extLst>
+      <p:ext uri="{BB962C8B-B14F-4D97-AF65-F5344CB8AC3E}">
+        <p14:creationId xmlns:p14="http://schemas.microsoft.com/office/powerpoint/2010/main" val="1854051752"/>
       </p:ext>
     </p:extLst>
   </p:cSld>

--- a/MicroServiceArchitecture/data/msa_data.pptx
+++ b/MicroServiceArchitecture/data/msa_data.pptx
@@ -17,6 +17,7 @@
     <p:sldId id="265" r:id="rId11"/>
     <p:sldId id="266" r:id="rId12"/>
     <p:sldId id="267" r:id="rId13"/>
+    <p:sldId id="268" r:id="rId14"/>
   </p:sldIdLst>
   <p:sldSz cx="12192000" cy="6858000"/>
   <p:notesSz cx="6858000" cy="9144000"/>
@@ -8769,6 +8770,1839 @@
     <p:extLst>
       <p:ext uri="{BB962C8B-B14F-4D97-AF65-F5344CB8AC3E}">
         <p14:creationId xmlns:p14="http://schemas.microsoft.com/office/powerpoint/2010/main" val="1854051752"/>
+      </p:ext>
+    </p:extLst>
+  </p:cSld>
+  <p:clrMapOvr>
+    <a:masterClrMapping/>
+  </p:clrMapOvr>
+</p:sld>
+</file>
+
+<file path=ppt/slides/slide13.xml><?xml version="1.0" encoding="utf-8"?>
+<p:sld xmlns:a="http://schemas.openxmlformats.org/drawingml/2006/main" xmlns:r="http://schemas.openxmlformats.org/officeDocument/2006/relationships" xmlns:p="http://schemas.openxmlformats.org/presentationml/2006/main">
+  <p:cSld>
+    <p:spTree>
+      <p:nvGrpSpPr>
+        <p:cNvPr id="1" name=""/>
+        <p:cNvGrpSpPr/>
+        <p:nvPr/>
+      </p:nvGrpSpPr>
+      <p:grpSpPr>
+        <a:xfrm>
+          <a:off x="0" y="0"/>
+          <a:ext cx="0" cy="0"/>
+          <a:chOff x="0" y="0"/>
+          <a:chExt cx="0" cy="0"/>
+        </a:xfrm>
+      </p:grpSpPr>
+      <p:sp>
+        <p:nvSpPr>
+          <p:cNvPr id="23" name="직사각형 22">
+            <a:extLst>
+              <a:ext uri="{FF2B5EF4-FFF2-40B4-BE49-F238E27FC236}">
+                <a16:creationId xmlns:a16="http://schemas.microsoft.com/office/drawing/2014/main" id="{E9157B63-A1E7-4866-B71A-707D150B14A3}"/>
+              </a:ext>
+            </a:extLst>
+          </p:cNvPr>
+          <p:cNvSpPr/>
+          <p:nvPr/>
+        </p:nvSpPr>
+        <p:spPr>
+          <a:xfrm>
+            <a:off x="735774" y="1547341"/>
+            <a:ext cx="1761766" cy="1135769"/>
+          </a:xfrm>
+          <a:prstGeom prst="rect">
+            <a:avLst/>
+          </a:prstGeom>
+          <a:solidFill>
+            <a:schemeClr val="bg1"/>
+          </a:solidFill>
+          <a:ln>
+            <a:solidFill>
+              <a:schemeClr val="tx1"/>
+            </a:solidFill>
+          </a:ln>
+        </p:spPr>
+        <p:style>
+          <a:lnRef idx="2">
+            <a:schemeClr val="accent1">
+              <a:shade val="50000"/>
+            </a:schemeClr>
+          </a:lnRef>
+          <a:fillRef idx="1">
+            <a:schemeClr val="accent1"/>
+          </a:fillRef>
+          <a:effectRef idx="0">
+            <a:schemeClr val="accent1"/>
+          </a:effectRef>
+          <a:fontRef idx="minor">
+            <a:schemeClr val="lt1"/>
+          </a:fontRef>
+        </p:style>
+        <p:txBody>
+          <a:bodyPr rtlCol="0" anchor="ctr"/>
+          <a:lstStyle/>
+          <a:p>
+            <a:pPr algn="ctr"/>
+            <a:r>
+              <a:rPr lang="ko-KR" altLang="en-US" sz="1400">
+                <a:solidFill>
+                  <a:sysClr val="windowText" lastClr="000000"/>
+                </a:solidFill>
+                <a:latin typeface="나눔바른고딕" panose="020B0603020101020101" pitchFamily="50" charset="-127"/>
+                <a:ea typeface="나눔바른고딕" panose="020B0603020101020101" pitchFamily="50" charset="-127"/>
+              </a:rPr>
+              <a:t>서비스 </a:t>
+            </a:r>
+            <a:r>
+              <a:rPr lang="en-US" altLang="ko-KR" sz="1400">
+                <a:solidFill>
+                  <a:sysClr val="windowText" lastClr="000000"/>
+                </a:solidFill>
+                <a:latin typeface="나눔바른고딕" panose="020B0603020101020101" pitchFamily="50" charset="-127"/>
+                <a:ea typeface="나눔바른고딕" panose="020B0603020101020101" pitchFamily="50" charset="-127"/>
+              </a:rPr>
+              <a:t>Client</a:t>
+            </a:r>
+          </a:p>
+          <a:p>
+            <a:pPr algn="ctr"/>
+            <a:endParaRPr lang="en-US" altLang="ko-KR" sz="1400">
+              <a:solidFill>
+                <a:sysClr val="windowText" lastClr="000000"/>
+              </a:solidFill>
+              <a:latin typeface="나눔바른고딕" panose="020B0603020101020101" pitchFamily="50" charset="-127"/>
+              <a:ea typeface="나눔바른고딕" panose="020B0603020101020101" pitchFamily="50" charset="-127"/>
+            </a:endParaRPr>
+          </a:p>
+          <a:p>
+            <a:pPr algn="ctr"/>
+            <a:endParaRPr lang="en-US" altLang="ko-KR" sz="1400">
+              <a:solidFill>
+                <a:sysClr val="windowText" lastClr="000000"/>
+              </a:solidFill>
+              <a:latin typeface="나눔바른고딕" panose="020B0603020101020101" pitchFamily="50" charset="-127"/>
+              <a:ea typeface="나눔바른고딕" panose="020B0603020101020101" pitchFamily="50" charset="-127"/>
+            </a:endParaRPr>
+          </a:p>
+          <a:p>
+            <a:pPr algn="ctr"/>
+            <a:endParaRPr lang="en-US" altLang="ko-KR" sz="1400">
+              <a:solidFill>
+                <a:sysClr val="windowText" lastClr="000000"/>
+              </a:solidFill>
+              <a:latin typeface="나눔바른고딕" panose="020B0603020101020101" pitchFamily="50" charset="-127"/>
+              <a:ea typeface="나눔바른고딕" panose="020B0603020101020101" pitchFamily="50" charset="-127"/>
+            </a:endParaRPr>
+          </a:p>
+        </p:txBody>
+      </p:sp>
+      <p:graphicFrame>
+        <p:nvGraphicFramePr>
+          <p:cNvPr id="3" name="표 3">
+            <a:extLst>
+              <a:ext uri="{FF2B5EF4-FFF2-40B4-BE49-F238E27FC236}">
+                <a16:creationId xmlns:a16="http://schemas.microsoft.com/office/drawing/2014/main" id="{C4F05910-37B8-48B8-BD07-85663B5FFBCF}"/>
+              </a:ext>
+            </a:extLst>
+          </p:cNvPr>
+          <p:cNvGraphicFramePr>
+            <a:graphicFrameLocks noGrp="1"/>
+          </p:cNvGraphicFramePr>
+          <p:nvPr>
+            <p:extLst>
+              <p:ext uri="{D42A27DB-BD31-4B8C-83A1-F6EECF244321}">
+                <p14:modId xmlns:p14="http://schemas.microsoft.com/office/powerpoint/2010/main" val="2891003977"/>
+              </p:ext>
+            </p:extLst>
+          </p:nvPr>
+        </p:nvGraphicFramePr>
+        <p:xfrm>
+          <a:off x="844147" y="1953427"/>
+          <a:ext cx="1557857" cy="518160"/>
+        </p:xfrm>
+        <a:graphic>
+          <a:graphicData uri="http://schemas.openxmlformats.org/drawingml/2006/table">
+            <a:tbl>
+              <a:tblPr firstRow="1" bandRow="1">
+                <a:tableStyleId>{5940675A-B579-460E-94D1-54222C63F5DA}</a:tableStyleId>
+              </a:tblPr>
+              <a:tblGrid>
+                <a:gridCol w="1557857">
+                  <a:extLst>
+                    <a:ext uri="{9D8B030D-6E8A-4147-A177-3AD203B41FA5}">
+                      <a16:colId xmlns:a16="http://schemas.microsoft.com/office/drawing/2014/main" val="3756992613"/>
+                    </a:ext>
+                  </a:extLst>
+                </a:gridCol>
+              </a:tblGrid>
+              <a:tr h="435831">
+                <a:tc>
+                  <a:txBody>
+                    <a:bodyPr/>
+                    <a:lstStyle/>
+                    <a:p>
+                      <a:pPr algn="ctr" latinLnBrk="1"/>
+                      <a:r>
+                        <a:rPr lang="en-US" altLang="ko-KR" sz="1400">
+                          <a:solidFill>
+                            <a:schemeClr val="tx1"/>
+                          </a:solidFill>
+                          <a:latin typeface="나눔바른고딕" panose="020B0603020101020101" pitchFamily="50" charset="-127"/>
+                          <a:ea typeface="나눔바른고딕" panose="020B0603020101020101" pitchFamily="50" charset="-127"/>
+                        </a:rPr>
+                        <a:t>RPC/REST</a:t>
+                      </a:r>
+                    </a:p>
+                    <a:p>
+                      <a:pPr algn="ctr" latinLnBrk="1"/>
+                      <a:r>
+                        <a:rPr lang="en-US" altLang="ko-KR" sz="1400">
+                          <a:solidFill>
+                            <a:schemeClr val="tx1"/>
+                          </a:solidFill>
+                          <a:latin typeface="나눔바른고딕" panose="020B0603020101020101" pitchFamily="50" charset="-127"/>
+                          <a:ea typeface="나눔바른고딕" panose="020B0603020101020101" pitchFamily="50" charset="-127"/>
+                        </a:rPr>
+                        <a:t>Client</a:t>
+                      </a:r>
+                      <a:endParaRPr lang="ko-KR" altLang="en-US" sz="1400">
+                        <a:solidFill>
+                          <a:schemeClr val="tx1"/>
+                        </a:solidFill>
+                        <a:latin typeface="나눔바른고딕" panose="020B0603020101020101" pitchFamily="50" charset="-127"/>
+                        <a:ea typeface="나눔바른고딕" panose="020B0603020101020101" pitchFamily="50" charset="-127"/>
+                      </a:endParaRPr>
+                    </a:p>
+                  </a:txBody>
+                  <a:tcPr>
+                    <a:solidFill>
+                      <a:schemeClr val="bg1"/>
+                    </a:solidFill>
+                  </a:tcPr>
+                </a:tc>
+                <a:extLst>
+                  <a:ext uri="{0D108BD9-81ED-4DB2-BD59-A6C34878D82A}">
+                    <a16:rowId xmlns:a16="http://schemas.microsoft.com/office/drawing/2014/main" val="1196108189"/>
+                  </a:ext>
+                </a:extLst>
+              </a:tr>
+            </a:tbl>
+          </a:graphicData>
+        </a:graphic>
+      </p:graphicFrame>
+      <p:sp>
+        <p:nvSpPr>
+          <p:cNvPr id="28" name="직사각형 27">
+            <a:extLst>
+              <a:ext uri="{FF2B5EF4-FFF2-40B4-BE49-F238E27FC236}">
+                <a16:creationId xmlns:a16="http://schemas.microsoft.com/office/drawing/2014/main" id="{7F15DDB6-E31F-4675-8072-239D4C5B6C77}"/>
+              </a:ext>
+            </a:extLst>
+          </p:cNvPr>
+          <p:cNvSpPr/>
+          <p:nvPr/>
+        </p:nvSpPr>
+        <p:spPr>
+          <a:xfrm>
+            <a:off x="1487606" y="4012442"/>
+            <a:ext cx="7424382" cy="2347415"/>
+          </a:xfrm>
+          <a:prstGeom prst="rect">
+            <a:avLst/>
+          </a:prstGeom>
+          <a:solidFill>
+            <a:schemeClr val="bg1"/>
+          </a:solidFill>
+          <a:ln>
+            <a:solidFill>
+              <a:schemeClr val="tx1"/>
+            </a:solidFill>
+          </a:ln>
+        </p:spPr>
+        <p:style>
+          <a:lnRef idx="2">
+            <a:schemeClr val="accent1">
+              <a:shade val="50000"/>
+            </a:schemeClr>
+          </a:lnRef>
+          <a:fillRef idx="1">
+            <a:schemeClr val="accent1"/>
+          </a:fillRef>
+          <a:effectRef idx="0">
+            <a:schemeClr val="accent1"/>
+          </a:effectRef>
+          <a:fontRef idx="minor">
+            <a:schemeClr val="lt1"/>
+          </a:fontRef>
+        </p:style>
+        <p:txBody>
+          <a:bodyPr rtlCol="0" anchor="ctr"/>
+          <a:lstStyle/>
+          <a:p>
+            <a:pPr algn="ctr"/>
+            <a:endParaRPr lang="en-US" altLang="ko-KR" sz="1400">
+              <a:solidFill>
+                <a:sysClr val="windowText" lastClr="000000"/>
+              </a:solidFill>
+              <a:latin typeface="나눔바른고딕" panose="020B0603020101020101" pitchFamily="50" charset="-127"/>
+              <a:ea typeface="나눔바른고딕" panose="020B0603020101020101" pitchFamily="50" charset="-127"/>
+            </a:endParaRPr>
+          </a:p>
+        </p:txBody>
+      </p:sp>
+      <p:graphicFrame>
+        <p:nvGraphicFramePr>
+          <p:cNvPr id="4" name="표 4">
+            <a:extLst>
+              <a:ext uri="{FF2B5EF4-FFF2-40B4-BE49-F238E27FC236}">
+                <a16:creationId xmlns:a16="http://schemas.microsoft.com/office/drawing/2014/main" id="{F6E7C678-9977-48CB-A0C9-37D728DF01DF}"/>
+              </a:ext>
+            </a:extLst>
+          </p:cNvPr>
+          <p:cNvGraphicFramePr>
+            <a:graphicFrameLocks noGrp="1"/>
+          </p:cNvGraphicFramePr>
+          <p:nvPr/>
+        </p:nvGraphicFramePr>
+        <p:xfrm>
+          <a:off x="3374899" y="4501235"/>
+          <a:ext cx="3774540" cy="1590472"/>
+        </p:xfrm>
+        <a:graphic>
+          <a:graphicData uri="http://schemas.openxmlformats.org/drawingml/2006/table">
+            <a:tbl>
+              <a:tblPr firstRow="1" bandRow="1">
+                <a:tableStyleId>{5940675A-B579-460E-94D1-54222C63F5DA}</a:tableStyleId>
+              </a:tblPr>
+              <a:tblGrid>
+                <a:gridCol w="1887270">
+                  <a:extLst>
+                    <a:ext uri="{9D8B030D-6E8A-4147-A177-3AD203B41FA5}">
+                      <a16:colId xmlns:a16="http://schemas.microsoft.com/office/drawing/2014/main" val="499680536"/>
+                    </a:ext>
+                  </a:extLst>
+                </a:gridCol>
+                <a:gridCol w="1887270">
+                  <a:extLst>
+                    <a:ext uri="{9D8B030D-6E8A-4147-A177-3AD203B41FA5}">
+                      <a16:colId xmlns:a16="http://schemas.microsoft.com/office/drawing/2014/main" val="3185722848"/>
+                    </a:ext>
+                  </a:extLst>
+                </a:gridCol>
+              </a:tblGrid>
+              <a:tr h="321198">
+                <a:tc>
+                  <a:txBody>
+                    <a:bodyPr/>
+                    <a:lstStyle/>
+                    <a:p>
+                      <a:pPr algn="ctr" latinLnBrk="1"/>
+                      <a:r>
+                        <a:rPr lang="ko-KR" altLang="en-US" sz="1400">
+                          <a:latin typeface="나눔바른고딕" panose="020B0603020101020101" pitchFamily="50" charset="-127"/>
+                          <a:ea typeface="나눔바른고딕" panose="020B0603020101020101" pitchFamily="50" charset="-127"/>
+                        </a:rPr>
+                        <a:t>서비스</a:t>
+                      </a:r>
+                    </a:p>
+                  </a:txBody>
+                  <a:tcPr marL="91704" marR="91704" marT="45852" marB="45852"/>
+                </a:tc>
+                <a:tc>
+                  <a:txBody>
+                    <a:bodyPr/>
+                    <a:lstStyle/>
+                    <a:p>
+                      <a:pPr algn="ctr" latinLnBrk="1"/>
+                      <a:r>
+                        <a:rPr lang="en-US" altLang="ko-KR" sz="1400">
+                          <a:latin typeface="나눔바른고딕" panose="020B0603020101020101" pitchFamily="50" charset="-127"/>
+                          <a:ea typeface="나눔바른고딕" panose="020B0603020101020101" pitchFamily="50" charset="-127"/>
+                        </a:rPr>
+                        <a:t>IP</a:t>
+                      </a:r>
+                      <a:endParaRPr lang="ko-KR" altLang="en-US" sz="1400">
+                        <a:latin typeface="나눔바른고딕" panose="020B0603020101020101" pitchFamily="50" charset="-127"/>
+                        <a:ea typeface="나눔바른고딕" panose="020B0603020101020101" pitchFamily="50" charset="-127"/>
+                      </a:endParaRPr>
+                    </a:p>
+                  </a:txBody>
+                  <a:tcPr marL="91704" marR="91704" marT="45852" marB="45852"/>
+                </a:tc>
+                <a:extLst>
+                  <a:ext uri="{0D108BD9-81ED-4DB2-BD59-A6C34878D82A}">
+                    <a16:rowId xmlns:a16="http://schemas.microsoft.com/office/drawing/2014/main" val="4087518863"/>
+                  </a:ext>
+                </a:extLst>
+              </a:tr>
+              <a:tr h="321198">
+                <a:tc>
+                  <a:txBody>
+                    <a:bodyPr/>
+                    <a:lstStyle/>
+                    <a:p>
+                      <a:pPr algn="ctr" latinLnBrk="1"/>
+                      <a:r>
+                        <a:rPr lang="en-US" altLang="ko-KR" sz="1400">
+                          <a:latin typeface="나눔바른고딕" panose="020B0603020101020101" pitchFamily="50" charset="-127"/>
+                          <a:ea typeface="나눔바른고딕" panose="020B0603020101020101" pitchFamily="50" charset="-127"/>
+                        </a:rPr>
+                        <a:t>order-service</a:t>
+                      </a:r>
+                      <a:endParaRPr lang="ko-KR" altLang="en-US" sz="1400">
+                        <a:latin typeface="나눔바른고딕" panose="020B0603020101020101" pitchFamily="50" charset="-127"/>
+                        <a:ea typeface="나눔바른고딕" panose="020B0603020101020101" pitchFamily="50" charset="-127"/>
+                      </a:endParaRPr>
+                    </a:p>
+                  </a:txBody>
+                  <a:tcPr marL="91704" marR="91704" marT="45852" marB="45852"/>
+                </a:tc>
+                <a:tc>
+                  <a:txBody>
+                    <a:bodyPr/>
+                    <a:lstStyle/>
+                    <a:p>
+                      <a:pPr algn="ctr" latinLnBrk="1"/>
+                      <a:r>
+                        <a:rPr lang="en-US" altLang="ko-KR" sz="1400">
+                          <a:latin typeface="나눔바른고딕" panose="020B0603020101020101" pitchFamily="50" charset="-127"/>
+                          <a:ea typeface="나눔바른고딕" panose="020B0603020101020101" pitchFamily="50" charset="-127"/>
+                        </a:rPr>
+                        <a:t>10.0.0.1</a:t>
+                      </a:r>
+                      <a:endParaRPr lang="ko-KR" altLang="en-US" sz="1400">
+                        <a:latin typeface="나눔바른고딕" panose="020B0603020101020101" pitchFamily="50" charset="-127"/>
+                        <a:ea typeface="나눔바른고딕" panose="020B0603020101020101" pitchFamily="50" charset="-127"/>
+                      </a:endParaRPr>
+                    </a:p>
+                  </a:txBody>
+                  <a:tcPr marL="91704" marR="91704" marT="45852" marB="45852"/>
+                </a:tc>
+                <a:extLst>
+                  <a:ext uri="{0D108BD9-81ED-4DB2-BD59-A6C34878D82A}">
+                    <a16:rowId xmlns:a16="http://schemas.microsoft.com/office/drawing/2014/main" val="2314338954"/>
+                  </a:ext>
+                </a:extLst>
+              </a:tr>
+              <a:tr h="305680">
+                <a:tc>
+                  <a:txBody>
+                    <a:bodyPr/>
+                    <a:lstStyle/>
+                    <a:p>
+                      <a:pPr algn="ctr" latinLnBrk="1"/>
+                      <a:r>
+                        <a:rPr lang="en-US" altLang="ko-KR" sz="1400">
+                          <a:latin typeface="나눔바른고딕" panose="020B0603020101020101" pitchFamily="50" charset="-127"/>
+                          <a:ea typeface="나눔바른고딕" panose="020B0603020101020101" pitchFamily="50" charset="-127"/>
+                        </a:rPr>
+                        <a:t>order-service</a:t>
+                      </a:r>
+                      <a:endParaRPr lang="ko-KR" altLang="en-US" sz="1400">
+                        <a:latin typeface="나눔바른고딕" panose="020B0603020101020101" pitchFamily="50" charset="-127"/>
+                        <a:ea typeface="나눔바른고딕" panose="020B0603020101020101" pitchFamily="50" charset="-127"/>
+                      </a:endParaRPr>
+                    </a:p>
+                  </a:txBody>
+                  <a:tcPr marL="91704" marR="91704" marT="45852" marB="45852"/>
+                </a:tc>
+                <a:tc>
+                  <a:txBody>
+                    <a:bodyPr/>
+                    <a:lstStyle/>
+                    <a:p>
+                      <a:pPr algn="ctr" latinLnBrk="1"/>
+                      <a:r>
+                        <a:rPr lang="en-US" altLang="ko-KR" sz="1400">
+                          <a:latin typeface="나눔바른고딕" panose="020B0603020101020101" pitchFamily="50" charset="-127"/>
+                          <a:ea typeface="나눔바른고딕" panose="020B0603020101020101" pitchFamily="50" charset="-127"/>
+                        </a:rPr>
+                        <a:t>10.0.0.2</a:t>
+                      </a:r>
+                    </a:p>
+                  </a:txBody>
+                  <a:tcPr marL="91704" marR="91704" marT="45852" marB="45852"/>
+                </a:tc>
+                <a:extLst>
+                  <a:ext uri="{0D108BD9-81ED-4DB2-BD59-A6C34878D82A}">
+                    <a16:rowId xmlns:a16="http://schemas.microsoft.com/office/drawing/2014/main" val="2447442467"/>
+                  </a:ext>
+                </a:extLst>
+              </a:tr>
+              <a:tr h="321198">
+                <a:tc>
+                  <a:txBody>
+                    <a:bodyPr/>
+                    <a:lstStyle/>
+                    <a:p>
+                      <a:pPr algn="ctr" latinLnBrk="1"/>
+                      <a:r>
+                        <a:rPr lang="en-US" altLang="ko-KR" sz="1400">
+                          <a:latin typeface="나눔바른고딕" panose="020B0603020101020101" pitchFamily="50" charset="-127"/>
+                          <a:ea typeface="나눔바른고딕" panose="020B0603020101020101" pitchFamily="50" charset="-127"/>
+                        </a:rPr>
+                        <a:t>order-server</a:t>
+                      </a:r>
+                      <a:endParaRPr lang="ko-KR" altLang="en-US" sz="1400">
+                        <a:latin typeface="나눔바른고딕" panose="020B0603020101020101" pitchFamily="50" charset="-127"/>
+                        <a:ea typeface="나눔바른고딕" panose="020B0603020101020101" pitchFamily="50" charset="-127"/>
+                      </a:endParaRPr>
+                    </a:p>
+                  </a:txBody>
+                  <a:tcPr marL="91704" marR="91704" marT="45852" marB="45852"/>
+                </a:tc>
+                <a:tc>
+                  <a:txBody>
+                    <a:bodyPr/>
+                    <a:lstStyle/>
+                    <a:p>
+                      <a:pPr algn="ctr" latinLnBrk="1"/>
+                      <a:r>
+                        <a:rPr lang="en-US" altLang="ko-KR" sz="1400">
+                          <a:latin typeface="나눔바른고딕" panose="020B0603020101020101" pitchFamily="50" charset="-127"/>
+                          <a:ea typeface="나눔바른고딕" panose="020B0603020101020101" pitchFamily="50" charset="-127"/>
+                        </a:rPr>
+                        <a:t>10.0.0.3</a:t>
+                      </a:r>
+                      <a:endParaRPr lang="ko-KR" altLang="en-US" sz="1400">
+                        <a:latin typeface="나눔바른고딕" panose="020B0603020101020101" pitchFamily="50" charset="-127"/>
+                        <a:ea typeface="나눔바른고딕" panose="020B0603020101020101" pitchFamily="50" charset="-127"/>
+                      </a:endParaRPr>
+                    </a:p>
+                  </a:txBody>
+                  <a:tcPr marL="91704" marR="91704" marT="45852" marB="45852"/>
+                </a:tc>
+                <a:extLst>
+                  <a:ext uri="{0D108BD9-81ED-4DB2-BD59-A6C34878D82A}">
+                    <a16:rowId xmlns:a16="http://schemas.microsoft.com/office/drawing/2014/main" val="1691782492"/>
+                  </a:ext>
+                </a:extLst>
+              </a:tr>
+              <a:tr h="321198">
+                <a:tc>
+                  <a:txBody>
+                    <a:bodyPr/>
+                    <a:lstStyle/>
+                    <a:p>
+                      <a:pPr algn="ctr" latinLnBrk="1"/>
+                      <a:r>
+                        <a:rPr lang="en-US" altLang="ko-KR" sz="1400">
+                          <a:latin typeface="나눔바른고딕" panose="020B0603020101020101" pitchFamily="50" charset="-127"/>
+                          <a:ea typeface="나눔바른고딕" panose="020B0603020101020101" pitchFamily="50" charset="-127"/>
+                        </a:rPr>
+                        <a:t>…</a:t>
+                      </a:r>
+                      <a:endParaRPr lang="ko-KR" altLang="en-US" sz="1400">
+                        <a:latin typeface="나눔바른고딕" panose="020B0603020101020101" pitchFamily="50" charset="-127"/>
+                        <a:ea typeface="나눔바른고딕" panose="020B0603020101020101" pitchFamily="50" charset="-127"/>
+                      </a:endParaRPr>
+                    </a:p>
+                  </a:txBody>
+                  <a:tcPr marL="91704" marR="91704" marT="45852" marB="45852"/>
+                </a:tc>
+                <a:tc>
+                  <a:txBody>
+                    <a:bodyPr/>
+                    <a:lstStyle/>
+                    <a:p>
+                      <a:pPr algn="ctr" latinLnBrk="1"/>
+                      <a:r>
+                        <a:rPr lang="en-US" altLang="ko-KR" sz="1400">
+                          <a:latin typeface="나눔바른고딕" panose="020B0603020101020101" pitchFamily="50" charset="-127"/>
+                          <a:ea typeface="나눔바른고딕" panose="020B0603020101020101" pitchFamily="50" charset="-127"/>
+                        </a:rPr>
+                        <a:t>…</a:t>
+                      </a:r>
+                      <a:endParaRPr lang="ko-KR" altLang="en-US" sz="1400">
+                        <a:latin typeface="나눔바른고딕" panose="020B0603020101020101" pitchFamily="50" charset="-127"/>
+                        <a:ea typeface="나눔바른고딕" panose="020B0603020101020101" pitchFamily="50" charset="-127"/>
+                      </a:endParaRPr>
+                    </a:p>
+                  </a:txBody>
+                  <a:tcPr marL="91704" marR="91704" marT="45852" marB="45852"/>
+                </a:tc>
+                <a:extLst>
+                  <a:ext uri="{0D108BD9-81ED-4DB2-BD59-A6C34878D82A}">
+                    <a16:rowId xmlns:a16="http://schemas.microsoft.com/office/drawing/2014/main" val="2510834672"/>
+                  </a:ext>
+                </a:extLst>
+              </a:tr>
+            </a:tbl>
+          </a:graphicData>
+        </a:graphic>
+      </p:graphicFrame>
+      <p:sp>
+        <p:nvSpPr>
+          <p:cNvPr id="30" name="TextBox 29">
+            <a:extLst>
+              <a:ext uri="{FF2B5EF4-FFF2-40B4-BE49-F238E27FC236}">
+                <a16:creationId xmlns:a16="http://schemas.microsoft.com/office/drawing/2014/main" id="{BD25B034-4C0E-4905-9F5A-CE5236CECC89}"/>
+              </a:ext>
+            </a:extLst>
+          </p:cNvPr>
+          <p:cNvSpPr txBox="1"/>
+          <p:nvPr/>
+        </p:nvSpPr>
+        <p:spPr>
+          <a:xfrm>
+            <a:off x="3325760" y="4145180"/>
+            <a:ext cx="1816925" cy="307777"/>
+          </a:xfrm>
+          <a:prstGeom prst="rect">
+            <a:avLst/>
+          </a:prstGeom>
+          <a:noFill/>
+        </p:spPr>
+        <p:txBody>
+          <a:bodyPr wrap="square" rtlCol="0">
+            <a:spAutoFit/>
+          </a:bodyPr>
+          <a:lstStyle/>
+          <a:p>
+            <a:r>
+              <a:rPr lang="ko-KR" altLang="en-US" sz="1400"/>
+              <a:t>서비스 레지스트리</a:t>
+            </a:r>
+          </a:p>
+        </p:txBody>
+      </p:sp>
+      <p:sp>
+        <p:nvSpPr>
+          <p:cNvPr id="54" name="직사각형 53">
+            <a:extLst>
+              <a:ext uri="{FF2B5EF4-FFF2-40B4-BE49-F238E27FC236}">
+                <a16:creationId xmlns:a16="http://schemas.microsoft.com/office/drawing/2014/main" id="{82429FDD-9502-4BD3-9D6C-F45777BB550F}"/>
+              </a:ext>
+            </a:extLst>
+          </p:cNvPr>
+          <p:cNvSpPr/>
+          <p:nvPr/>
+        </p:nvSpPr>
+        <p:spPr>
+          <a:xfrm>
+            <a:off x="8070190" y="883529"/>
+            <a:ext cx="2057149" cy="2748000"/>
+          </a:xfrm>
+          <a:prstGeom prst="rect">
+            <a:avLst/>
+          </a:prstGeom>
+          <a:noFill/>
+          <a:ln w="19050">
+            <a:solidFill>
+              <a:schemeClr val="tx1">
+                <a:lumMod val="50000"/>
+                <a:lumOff val="50000"/>
+              </a:schemeClr>
+            </a:solidFill>
+            <a:prstDash val="sysDash"/>
+          </a:ln>
+        </p:spPr>
+        <p:style>
+          <a:lnRef idx="2">
+            <a:schemeClr val="accent1">
+              <a:shade val="50000"/>
+            </a:schemeClr>
+          </a:lnRef>
+          <a:fillRef idx="1">
+            <a:schemeClr val="accent1"/>
+          </a:fillRef>
+          <a:effectRef idx="0">
+            <a:schemeClr val="accent1"/>
+          </a:effectRef>
+          <a:fontRef idx="minor">
+            <a:schemeClr val="lt1"/>
+          </a:fontRef>
+        </p:style>
+        <p:txBody>
+          <a:bodyPr rtlCol="0" anchor="ctr"/>
+          <a:lstStyle/>
+          <a:p>
+            <a:pPr algn="ctr"/>
+            <a:endParaRPr lang="en-US" altLang="ko-KR">
+              <a:solidFill>
+                <a:sysClr val="windowText" lastClr="000000"/>
+              </a:solidFill>
+              <a:latin typeface="나눔바른고딕" panose="020B0603020101020101" pitchFamily="50" charset="-127"/>
+              <a:ea typeface="나눔바른고딕" panose="020B0603020101020101" pitchFamily="50" charset="-127"/>
+            </a:endParaRPr>
+          </a:p>
+        </p:txBody>
+      </p:sp>
+      <p:sp>
+        <p:nvSpPr>
+          <p:cNvPr id="55" name="직사각형 54">
+            <a:extLst>
+              <a:ext uri="{FF2B5EF4-FFF2-40B4-BE49-F238E27FC236}">
+                <a16:creationId xmlns:a16="http://schemas.microsoft.com/office/drawing/2014/main" id="{B82B8262-7B61-4461-BE2C-9351C6113010}"/>
+              </a:ext>
+            </a:extLst>
+          </p:cNvPr>
+          <p:cNvSpPr/>
+          <p:nvPr/>
+        </p:nvSpPr>
+        <p:spPr>
+          <a:xfrm>
+            <a:off x="8342414" y="1357418"/>
+            <a:ext cx="1548580" cy="503627"/>
+          </a:xfrm>
+          <a:prstGeom prst="rect">
+            <a:avLst/>
+          </a:prstGeom>
+          <a:solidFill>
+            <a:schemeClr val="accent1">
+              <a:lumMod val="40000"/>
+              <a:lumOff val="60000"/>
+            </a:schemeClr>
+          </a:solidFill>
+          <a:ln>
+            <a:solidFill>
+              <a:schemeClr val="tx1"/>
+            </a:solidFill>
+          </a:ln>
+        </p:spPr>
+        <p:style>
+          <a:lnRef idx="2">
+            <a:schemeClr val="accent1">
+              <a:shade val="50000"/>
+            </a:schemeClr>
+          </a:lnRef>
+          <a:fillRef idx="1">
+            <a:schemeClr val="accent1"/>
+          </a:fillRef>
+          <a:effectRef idx="0">
+            <a:schemeClr val="accent1"/>
+          </a:effectRef>
+          <a:fontRef idx="minor">
+            <a:schemeClr val="lt1"/>
+          </a:fontRef>
+        </p:style>
+        <p:txBody>
+          <a:bodyPr rtlCol="0" anchor="ctr"/>
+          <a:lstStyle/>
+          <a:p>
+            <a:pPr algn="ctr"/>
+            <a:r>
+              <a:rPr lang="en-US" altLang="ko-KR" sz="1400">
+                <a:solidFill>
+                  <a:sysClr val="windowText" lastClr="000000"/>
+                </a:solidFill>
+                <a:latin typeface="나눔바른고딕" panose="020B0603020101020101" pitchFamily="50" charset="-127"/>
+                <a:ea typeface="나눔바른고딕" panose="020B0603020101020101" pitchFamily="50" charset="-127"/>
+              </a:rPr>
+              <a:t>Instance 1</a:t>
+            </a:r>
+          </a:p>
+        </p:txBody>
+      </p:sp>
+      <p:sp>
+        <p:nvSpPr>
+          <p:cNvPr id="57" name="직사각형 56">
+            <a:extLst>
+              <a:ext uri="{FF2B5EF4-FFF2-40B4-BE49-F238E27FC236}">
+                <a16:creationId xmlns:a16="http://schemas.microsoft.com/office/drawing/2014/main" id="{B4E9ACFC-1A73-4BA4-8A7D-96FA0C436946}"/>
+              </a:ext>
+            </a:extLst>
+          </p:cNvPr>
+          <p:cNvSpPr/>
+          <p:nvPr/>
+        </p:nvSpPr>
+        <p:spPr>
+          <a:xfrm>
+            <a:off x="8336338" y="2079606"/>
+            <a:ext cx="1548580" cy="521130"/>
+          </a:xfrm>
+          <a:prstGeom prst="rect">
+            <a:avLst/>
+          </a:prstGeom>
+          <a:solidFill>
+            <a:schemeClr val="accent1">
+              <a:lumMod val="40000"/>
+              <a:lumOff val="60000"/>
+            </a:schemeClr>
+          </a:solidFill>
+          <a:ln>
+            <a:solidFill>
+              <a:schemeClr val="tx1"/>
+            </a:solidFill>
+          </a:ln>
+        </p:spPr>
+        <p:style>
+          <a:lnRef idx="2">
+            <a:schemeClr val="accent1">
+              <a:shade val="50000"/>
+            </a:schemeClr>
+          </a:lnRef>
+          <a:fillRef idx="1">
+            <a:schemeClr val="accent1"/>
+          </a:fillRef>
+          <a:effectRef idx="0">
+            <a:schemeClr val="accent1"/>
+          </a:effectRef>
+          <a:fontRef idx="minor">
+            <a:schemeClr val="lt1"/>
+          </a:fontRef>
+        </p:style>
+        <p:txBody>
+          <a:bodyPr rtlCol="0" anchor="ctr"/>
+          <a:lstStyle/>
+          <a:p>
+            <a:pPr algn="ctr"/>
+            <a:r>
+              <a:rPr lang="en-US" altLang="ko-KR" sz="1400">
+                <a:solidFill>
+                  <a:sysClr val="windowText" lastClr="000000"/>
+                </a:solidFill>
+                <a:latin typeface="나눔바른고딕" panose="020B0603020101020101" pitchFamily="50" charset="-127"/>
+                <a:ea typeface="나눔바른고딕" panose="020B0603020101020101" pitchFamily="50" charset="-127"/>
+              </a:rPr>
+              <a:t>Instance 2</a:t>
+            </a:r>
+          </a:p>
+        </p:txBody>
+      </p:sp>
+      <p:sp>
+        <p:nvSpPr>
+          <p:cNvPr id="67" name="직사각형 66">
+            <a:extLst>
+              <a:ext uri="{FF2B5EF4-FFF2-40B4-BE49-F238E27FC236}">
+                <a16:creationId xmlns:a16="http://schemas.microsoft.com/office/drawing/2014/main" id="{67D0A1DD-D213-4B29-B5FA-C0515A8273DD}"/>
+              </a:ext>
+            </a:extLst>
+          </p:cNvPr>
+          <p:cNvSpPr/>
+          <p:nvPr/>
+        </p:nvSpPr>
+        <p:spPr>
+          <a:xfrm>
+            <a:off x="8345351" y="2840076"/>
+            <a:ext cx="1548580" cy="521130"/>
+          </a:xfrm>
+          <a:prstGeom prst="rect">
+            <a:avLst/>
+          </a:prstGeom>
+          <a:solidFill>
+            <a:schemeClr val="accent1">
+              <a:lumMod val="40000"/>
+              <a:lumOff val="60000"/>
+            </a:schemeClr>
+          </a:solidFill>
+          <a:ln>
+            <a:solidFill>
+              <a:schemeClr val="tx1"/>
+            </a:solidFill>
+          </a:ln>
+        </p:spPr>
+        <p:style>
+          <a:lnRef idx="2">
+            <a:schemeClr val="accent1">
+              <a:shade val="50000"/>
+            </a:schemeClr>
+          </a:lnRef>
+          <a:fillRef idx="1">
+            <a:schemeClr val="accent1"/>
+          </a:fillRef>
+          <a:effectRef idx="0">
+            <a:schemeClr val="accent1"/>
+          </a:effectRef>
+          <a:fontRef idx="minor">
+            <a:schemeClr val="lt1"/>
+          </a:fontRef>
+        </p:style>
+        <p:txBody>
+          <a:bodyPr rtlCol="0" anchor="ctr"/>
+          <a:lstStyle/>
+          <a:p>
+            <a:pPr algn="ctr"/>
+            <a:r>
+              <a:rPr lang="en-US" altLang="ko-KR" sz="1400">
+                <a:solidFill>
+                  <a:sysClr val="windowText" lastClr="000000"/>
+                </a:solidFill>
+                <a:latin typeface="나눔바른고딕" panose="020B0603020101020101" pitchFamily="50" charset="-127"/>
+                <a:ea typeface="나눔바른고딕" panose="020B0603020101020101" pitchFamily="50" charset="-127"/>
+              </a:rPr>
+              <a:t>Instance 3</a:t>
+            </a:r>
+          </a:p>
+        </p:txBody>
+      </p:sp>
+      <p:sp>
+        <p:nvSpPr>
+          <p:cNvPr id="68" name="타원 67">
+            <a:extLst>
+              <a:ext uri="{FF2B5EF4-FFF2-40B4-BE49-F238E27FC236}">
+                <a16:creationId xmlns:a16="http://schemas.microsoft.com/office/drawing/2014/main" id="{DCDA1407-A215-4203-868D-293DFC7A3401}"/>
+              </a:ext>
+            </a:extLst>
+          </p:cNvPr>
+          <p:cNvSpPr/>
+          <p:nvPr/>
+        </p:nvSpPr>
+        <p:spPr>
+          <a:xfrm>
+            <a:off x="7112988" y="1459329"/>
+            <a:ext cx="302122" cy="302122"/>
+          </a:xfrm>
+          <a:prstGeom prst="ellipse">
+            <a:avLst/>
+          </a:prstGeom>
+          <a:solidFill>
+            <a:schemeClr val="bg1"/>
+          </a:solidFill>
+          <a:ln>
+            <a:solidFill>
+              <a:schemeClr val="tx1"/>
+            </a:solidFill>
+          </a:ln>
+        </p:spPr>
+        <p:style>
+          <a:lnRef idx="2">
+            <a:schemeClr val="accent1">
+              <a:shade val="50000"/>
+            </a:schemeClr>
+          </a:lnRef>
+          <a:fillRef idx="1">
+            <a:schemeClr val="accent1"/>
+          </a:fillRef>
+          <a:effectRef idx="0">
+            <a:schemeClr val="accent1"/>
+          </a:effectRef>
+          <a:fontRef idx="minor">
+            <a:schemeClr val="lt1"/>
+          </a:fontRef>
+        </p:style>
+        <p:txBody>
+          <a:bodyPr rtlCol="0" anchor="ctr"/>
+          <a:lstStyle/>
+          <a:p>
+            <a:pPr algn="ctr"/>
+            <a:endParaRPr lang="ko-KR" altLang="en-US"/>
+          </a:p>
+        </p:txBody>
+      </p:sp>
+      <p:sp>
+        <p:nvSpPr>
+          <p:cNvPr id="70" name="타원 69">
+            <a:extLst>
+              <a:ext uri="{FF2B5EF4-FFF2-40B4-BE49-F238E27FC236}">
+                <a16:creationId xmlns:a16="http://schemas.microsoft.com/office/drawing/2014/main" id="{7652610F-A06D-4A5A-BED6-DC97080F2B4A}"/>
+              </a:ext>
+            </a:extLst>
+          </p:cNvPr>
+          <p:cNvSpPr/>
+          <p:nvPr/>
+        </p:nvSpPr>
+        <p:spPr>
+          <a:xfrm>
+            <a:off x="7112988" y="2196942"/>
+            <a:ext cx="302122" cy="302122"/>
+          </a:xfrm>
+          <a:prstGeom prst="ellipse">
+            <a:avLst/>
+          </a:prstGeom>
+          <a:solidFill>
+            <a:schemeClr val="bg1"/>
+          </a:solidFill>
+          <a:ln>
+            <a:solidFill>
+              <a:schemeClr val="tx1"/>
+            </a:solidFill>
+          </a:ln>
+        </p:spPr>
+        <p:style>
+          <a:lnRef idx="2">
+            <a:schemeClr val="accent1">
+              <a:shade val="50000"/>
+            </a:schemeClr>
+          </a:lnRef>
+          <a:fillRef idx="1">
+            <a:schemeClr val="accent1"/>
+          </a:fillRef>
+          <a:effectRef idx="0">
+            <a:schemeClr val="accent1"/>
+          </a:effectRef>
+          <a:fontRef idx="minor">
+            <a:schemeClr val="lt1"/>
+          </a:fontRef>
+        </p:style>
+        <p:txBody>
+          <a:bodyPr rtlCol="0" anchor="ctr"/>
+          <a:lstStyle/>
+          <a:p>
+            <a:pPr algn="ctr"/>
+            <a:endParaRPr lang="ko-KR" altLang="en-US"/>
+          </a:p>
+        </p:txBody>
+      </p:sp>
+      <p:sp>
+        <p:nvSpPr>
+          <p:cNvPr id="71" name="타원 70">
+            <a:extLst>
+              <a:ext uri="{FF2B5EF4-FFF2-40B4-BE49-F238E27FC236}">
+                <a16:creationId xmlns:a16="http://schemas.microsoft.com/office/drawing/2014/main" id="{839482EE-2C3A-4BB2-A059-584CDBA7F206}"/>
+              </a:ext>
+            </a:extLst>
+          </p:cNvPr>
+          <p:cNvSpPr/>
+          <p:nvPr/>
+        </p:nvSpPr>
+        <p:spPr>
+          <a:xfrm>
+            <a:off x="7118504" y="2934555"/>
+            <a:ext cx="302122" cy="302122"/>
+          </a:xfrm>
+          <a:prstGeom prst="ellipse">
+            <a:avLst/>
+          </a:prstGeom>
+          <a:solidFill>
+            <a:schemeClr val="bg1"/>
+          </a:solidFill>
+          <a:ln>
+            <a:solidFill>
+              <a:schemeClr val="tx1"/>
+            </a:solidFill>
+          </a:ln>
+        </p:spPr>
+        <p:style>
+          <a:lnRef idx="2">
+            <a:schemeClr val="accent1">
+              <a:shade val="50000"/>
+            </a:schemeClr>
+          </a:lnRef>
+          <a:fillRef idx="1">
+            <a:schemeClr val="accent1"/>
+          </a:fillRef>
+          <a:effectRef idx="0">
+            <a:schemeClr val="accent1"/>
+          </a:effectRef>
+          <a:fontRef idx="minor">
+            <a:schemeClr val="lt1"/>
+          </a:fontRef>
+        </p:style>
+        <p:txBody>
+          <a:bodyPr rtlCol="0" anchor="ctr"/>
+          <a:lstStyle/>
+          <a:p>
+            <a:pPr algn="ctr"/>
+            <a:endParaRPr lang="ko-KR" altLang="en-US"/>
+          </a:p>
+        </p:txBody>
+      </p:sp>
+      <p:cxnSp>
+        <p:nvCxnSpPr>
+          <p:cNvPr id="73" name="직선 화살표 연결선 72">
+            <a:extLst>
+              <a:ext uri="{FF2B5EF4-FFF2-40B4-BE49-F238E27FC236}">
+                <a16:creationId xmlns:a16="http://schemas.microsoft.com/office/drawing/2014/main" id="{9030A8EF-91A8-4D8F-B5CF-7EFCDDE42C7E}"/>
+              </a:ext>
+            </a:extLst>
+          </p:cNvPr>
+          <p:cNvCxnSpPr>
+            <a:cxnSpLocks/>
+            <a:stCxn id="68" idx="6"/>
+            <a:endCxn id="55" idx="1"/>
+          </p:cNvCxnSpPr>
+          <p:nvPr/>
+        </p:nvCxnSpPr>
+        <p:spPr>
+          <a:xfrm flipV="1">
+            <a:off x="7415110" y="1609232"/>
+            <a:ext cx="927304" cy="1158"/>
+          </a:xfrm>
+          <a:prstGeom prst="straightConnector1">
+            <a:avLst/>
+          </a:prstGeom>
+          <a:ln>
+            <a:solidFill>
+              <a:schemeClr val="tx1"/>
+            </a:solidFill>
+            <a:tailEnd type="triangle"/>
+          </a:ln>
+        </p:spPr>
+        <p:style>
+          <a:lnRef idx="1">
+            <a:schemeClr val="accent1"/>
+          </a:lnRef>
+          <a:fillRef idx="0">
+            <a:schemeClr val="accent1"/>
+          </a:fillRef>
+          <a:effectRef idx="0">
+            <a:schemeClr val="accent1"/>
+          </a:effectRef>
+          <a:fontRef idx="minor">
+            <a:schemeClr val="tx1"/>
+          </a:fontRef>
+        </p:style>
+      </p:cxnSp>
+      <p:cxnSp>
+        <p:nvCxnSpPr>
+          <p:cNvPr id="74" name="직선 화살표 연결선 73">
+            <a:extLst>
+              <a:ext uri="{FF2B5EF4-FFF2-40B4-BE49-F238E27FC236}">
+                <a16:creationId xmlns:a16="http://schemas.microsoft.com/office/drawing/2014/main" id="{F23F5801-DC9B-4AC6-AEF8-7EB4B678551B}"/>
+              </a:ext>
+            </a:extLst>
+          </p:cNvPr>
+          <p:cNvCxnSpPr>
+            <a:cxnSpLocks/>
+            <a:stCxn id="70" idx="6"/>
+            <a:endCxn id="57" idx="1"/>
+          </p:cNvCxnSpPr>
+          <p:nvPr/>
+        </p:nvCxnSpPr>
+        <p:spPr>
+          <a:xfrm flipV="1">
+            <a:off x="7415110" y="2340171"/>
+            <a:ext cx="921228" cy="7832"/>
+          </a:xfrm>
+          <a:prstGeom prst="straightConnector1">
+            <a:avLst/>
+          </a:prstGeom>
+          <a:ln>
+            <a:solidFill>
+              <a:schemeClr val="tx1"/>
+            </a:solidFill>
+            <a:tailEnd type="triangle"/>
+          </a:ln>
+        </p:spPr>
+        <p:style>
+          <a:lnRef idx="1">
+            <a:schemeClr val="accent1"/>
+          </a:lnRef>
+          <a:fillRef idx="0">
+            <a:schemeClr val="accent1"/>
+          </a:fillRef>
+          <a:effectRef idx="0">
+            <a:schemeClr val="accent1"/>
+          </a:effectRef>
+          <a:fontRef idx="minor">
+            <a:schemeClr val="tx1"/>
+          </a:fontRef>
+        </p:style>
+      </p:cxnSp>
+      <p:cxnSp>
+        <p:nvCxnSpPr>
+          <p:cNvPr id="76" name="직선 화살표 연결선 75">
+            <a:extLst>
+              <a:ext uri="{FF2B5EF4-FFF2-40B4-BE49-F238E27FC236}">
+                <a16:creationId xmlns:a16="http://schemas.microsoft.com/office/drawing/2014/main" id="{68211F7B-0937-44F3-A505-435597B54ABD}"/>
+              </a:ext>
+            </a:extLst>
+          </p:cNvPr>
+          <p:cNvCxnSpPr>
+            <a:cxnSpLocks/>
+            <a:stCxn id="71" idx="6"/>
+            <a:endCxn id="67" idx="1"/>
+          </p:cNvCxnSpPr>
+          <p:nvPr/>
+        </p:nvCxnSpPr>
+        <p:spPr>
+          <a:xfrm>
+            <a:off x="7420626" y="3085616"/>
+            <a:ext cx="924725" cy="15025"/>
+          </a:xfrm>
+          <a:prstGeom prst="straightConnector1">
+            <a:avLst/>
+          </a:prstGeom>
+          <a:ln>
+            <a:solidFill>
+              <a:schemeClr val="tx1"/>
+            </a:solidFill>
+            <a:tailEnd type="triangle"/>
+          </a:ln>
+        </p:spPr>
+        <p:style>
+          <a:lnRef idx="1">
+            <a:schemeClr val="accent1"/>
+          </a:lnRef>
+          <a:fillRef idx="0">
+            <a:schemeClr val="accent1"/>
+          </a:fillRef>
+          <a:effectRef idx="0">
+            <a:schemeClr val="accent1"/>
+          </a:effectRef>
+          <a:fontRef idx="minor">
+            <a:schemeClr val="tx1"/>
+          </a:fontRef>
+        </p:style>
+      </p:cxnSp>
+      <p:sp>
+        <p:nvSpPr>
+          <p:cNvPr id="77" name="TextBox 76">
+            <a:extLst>
+              <a:ext uri="{FF2B5EF4-FFF2-40B4-BE49-F238E27FC236}">
+                <a16:creationId xmlns:a16="http://schemas.microsoft.com/office/drawing/2014/main" id="{257D6E15-1AD3-4B3A-B0A7-B32A4F819D23}"/>
+              </a:ext>
+            </a:extLst>
+          </p:cNvPr>
+          <p:cNvSpPr txBox="1"/>
+          <p:nvPr/>
+        </p:nvSpPr>
+        <p:spPr>
+          <a:xfrm>
+            <a:off x="8028947" y="935498"/>
+            <a:ext cx="1816925" cy="307777"/>
+          </a:xfrm>
+          <a:prstGeom prst="rect">
+            <a:avLst/>
+          </a:prstGeom>
+          <a:noFill/>
+        </p:spPr>
+        <p:txBody>
+          <a:bodyPr wrap="square" rtlCol="0">
+            <a:spAutoFit/>
+          </a:bodyPr>
+          <a:lstStyle/>
+          <a:p>
+            <a:r>
+              <a:rPr lang="ko-KR" altLang="en-US" sz="1400"/>
+              <a:t>주문 서비스</a:t>
+            </a:r>
+          </a:p>
+        </p:txBody>
+      </p:sp>
+      <p:sp>
+        <p:nvSpPr>
+          <p:cNvPr id="78" name="TextBox 77">
+            <a:extLst>
+              <a:ext uri="{FF2B5EF4-FFF2-40B4-BE49-F238E27FC236}">
+                <a16:creationId xmlns:a16="http://schemas.microsoft.com/office/drawing/2014/main" id="{B3D18574-D916-4109-B267-B20C1368D42D}"/>
+              </a:ext>
+            </a:extLst>
+          </p:cNvPr>
+          <p:cNvSpPr txBox="1"/>
+          <p:nvPr/>
+        </p:nvSpPr>
+        <p:spPr>
+          <a:xfrm>
+            <a:off x="6922871" y="1115984"/>
+            <a:ext cx="1816925" cy="307777"/>
+          </a:xfrm>
+          <a:prstGeom prst="rect">
+            <a:avLst/>
+          </a:prstGeom>
+          <a:noFill/>
+        </p:spPr>
+        <p:txBody>
+          <a:bodyPr wrap="square" rtlCol="0">
+            <a:spAutoFit/>
+          </a:bodyPr>
+          <a:lstStyle/>
+          <a:p>
+            <a:r>
+              <a:rPr lang="en-US" altLang="ko-KR" sz="1400"/>
+              <a:t>10.0.0.1</a:t>
+            </a:r>
+            <a:endParaRPr lang="ko-KR" altLang="en-US" sz="1400"/>
+          </a:p>
+        </p:txBody>
+      </p:sp>
+      <p:sp>
+        <p:nvSpPr>
+          <p:cNvPr id="82" name="TextBox 81">
+            <a:extLst>
+              <a:ext uri="{FF2B5EF4-FFF2-40B4-BE49-F238E27FC236}">
+                <a16:creationId xmlns:a16="http://schemas.microsoft.com/office/drawing/2014/main" id="{179F3D92-271F-4DE9-9D4A-CA422818F4E2}"/>
+              </a:ext>
+            </a:extLst>
+          </p:cNvPr>
+          <p:cNvSpPr txBox="1"/>
+          <p:nvPr/>
+        </p:nvSpPr>
+        <p:spPr>
+          <a:xfrm>
+            <a:off x="6922870" y="1850766"/>
+            <a:ext cx="1816925" cy="307777"/>
+          </a:xfrm>
+          <a:prstGeom prst="rect">
+            <a:avLst/>
+          </a:prstGeom>
+          <a:noFill/>
+        </p:spPr>
+        <p:txBody>
+          <a:bodyPr wrap="square" rtlCol="0">
+            <a:spAutoFit/>
+          </a:bodyPr>
+          <a:lstStyle/>
+          <a:p>
+            <a:r>
+              <a:rPr lang="en-US" altLang="ko-KR" sz="1400"/>
+              <a:t>10.0.0.2</a:t>
+            </a:r>
+            <a:endParaRPr lang="ko-KR" altLang="en-US" sz="1400"/>
+          </a:p>
+        </p:txBody>
+      </p:sp>
+      <p:sp>
+        <p:nvSpPr>
+          <p:cNvPr id="83" name="TextBox 82">
+            <a:extLst>
+              <a:ext uri="{FF2B5EF4-FFF2-40B4-BE49-F238E27FC236}">
+                <a16:creationId xmlns:a16="http://schemas.microsoft.com/office/drawing/2014/main" id="{1E83DCD6-3C4E-473C-9F09-339953789245}"/>
+              </a:ext>
+            </a:extLst>
+          </p:cNvPr>
+          <p:cNvSpPr txBox="1"/>
+          <p:nvPr/>
+        </p:nvSpPr>
+        <p:spPr>
+          <a:xfrm>
+            <a:off x="6980839" y="2694177"/>
+            <a:ext cx="1816925" cy="307777"/>
+          </a:xfrm>
+          <a:prstGeom prst="rect">
+            <a:avLst/>
+          </a:prstGeom>
+          <a:noFill/>
+        </p:spPr>
+        <p:txBody>
+          <a:bodyPr wrap="square" rtlCol="0">
+            <a:spAutoFit/>
+          </a:bodyPr>
+          <a:lstStyle/>
+          <a:p>
+            <a:r>
+              <a:rPr lang="en-US" altLang="ko-KR" sz="1400"/>
+              <a:t>10.0.0.3</a:t>
+            </a:r>
+          </a:p>
+        </p:txBody>
+      </p:sp>
+      <p:cxnSp>
+        <p:nvCxnSpPr>
+          <p:cNvPr id="98" name="직선 화살표 연결선 97">
+            <a:extLst>
+              <a:ext uri="{FF2B5EF4-FFF2-40B4-BE49-F238E27FC236}">
+                <a16:creationId xmlns:a16="http://schemas.microsoft.com/office/drawing/2014/main" id="{8E2BB456-D9DD-4FAC-BB5F-7D118A02F38F}"/>
+              </a:ext>
+            </a:extLst>
+          </p:cNvPr>
+          <p:cNvCxnSpPr>
+            <a:cxnSpLocks/>
+            <a:stCxn id="23" idx="2"/>
+            <a:endCxn id="45" idx="0"/>
+          </p:cNvCxnSpPr>
+          <p:nvPr/>
+        </p:nvCxnSpPr>
+        <p:spPr>
+          <a:xfrm>
+            <a:off x="1616657" y="2683110"/>
+            <a:ext cx="586971" cy="2091050"/>
+          </a:xfrm>
+          <a:prstGeom prst="straightConnector1">
+            <a:avLst/>
+          </a:prstGeom>
+          <a:ln>
+            <a:solidFill>
+              <a:schemeClr val="tx1"/>
+            </a:solidFill>
+            <a:tailEnd type="triangle"/>
+          </a:ln>
+        </p:spPr>
+        <p:style>
+          <a:lnRef idx="1">
+            <a:schemeClr val="accent1"/>
+          </a:lnRef>
+          <a:fillRef idx="0">
+            <a:schemeClr val="accent1"/>
+          </a:fillRef>
+          <a:effectRef idx="0">
+            <a:schemeClr val="accent1"/>
+          </a:effectRef>
+          <a:fontRef idx="minor">
+            <a:schemeClr val="tx1"/>
+          </a:fontRef>
+        </p:style>
+      </p:cxnSp>
+      <p:sp>
+        <p:nvSpPr>
+          <p:cNvPr id="45" name="직사각형 44">
+            <a:extLst>
+              <a:ext uri="{FF2B5EF4-FFF2-40B4-BE49-F238E27FC236}">
+                <a16:creationId xmlns:a16="http://schemas.microsoft.com/office/drawing/2014/main" id="{63ED49D0-8F72-4A99-921F-7ED65F497144}"/>
+              </a:ext>
+            </a:extLst>
+          </p:cNvPr>
+          <p:cNvSpPr/>
+          <p:nvPr/>
+        </p:nvSpPr>
+        <p:spPr>
+          <a:xfrm>
+            <a:off x="1636016" y="4774160"/>
+            <a:ext cx="1135224" cy="1035236"/>
+          </a:xfrm>
+          <a:prstGeom prst="rect">
+            <a:avLst/>
+          </a:prstGeom>
+          <a:solidFill>
+            <a:schemeClr val="bg1">
+              <a:lumMod val="65000"/>
+            </a:schemeClr>
+          </a:solidFill>
+          <a:ln>
+            <a:solidFill>
+              <a:schemeClr val="tx1"/>
+            </a:solidFill>
+          </a:ln>
+        </p:spPr>
+        <p:style>
+          <a:lnRef idx="2">
+            <a:schemeClr val="accent1">
+              <a:shade val="50000"/>
+            </a:schemeClr>
+          </a:lnRef>
+          <a:fillRef idx="1">
+            <a:schemeClr val="accent1"/>
+          </a:fillRef>
+          <a:effectRef idx="0">
+            <a:schemeClr val="accent1"/>
+          </a:effectRef>
+          <a:fontRef idx="minor">
+            <a:schemeClr val="lt1"/>
+          </a:fontRef>
+        </p:style>
+        <p:txBody>
+          <a:bodyPr rtlCol="0" anchor="ctr"/>
+          <a:lstStyle/>
+          <a:p>
+            <a:pPr algn="ctr"/>
+            <a:r>
+              <a:rPr lang="ko-KR" altLang="en-US" sz="1400">
+                <a:solidFill>
+                  <a:sysClr val="windowText" lastClr="000000"/>
+                </a:solidFill>
+                <a:latin typeface="나눔바른고딕" panose="020B0603020101020101" pitchFamily="50" charset="-127"/>
+                <a:ea typeface="나눔바른고딕" panose="020B0603020101020101" pitchFamily="50" charset="-127"/>
+              </a:rPr>
+              <a:t>플랫폼</a:t>
+            </a:r>
+            <a:endParaRPr lang="en-US" altLang="ko-KR" sz="1400">
+              <a:solidFill>
+                <a:sysClr val="windowText" lastClr="000000"/>
+              </a:solidFill>
+              <a:latin typeface="나눔바른고딕" panose="020B0603020101020101" pitchFamily="50" charset="-127"/>
+              <a:ea typeface="나눔바른고딕" panose="020B0603020101020101" pitchFamily="50" charset="-127"/>
+            </a:endParaRPr>
+          </a:p>
+          <a:p>
+            <a:pPr algn="ctr"/>
+            <a:r>
+              <a:rPr lang="ko-KR" altLang="en-US" sz="1400">
+                <a:solidFill>
+                  <a:sysClr val="windowText" lastClr="000000"/>
+                </a:solidFill>
+                <a:latin typeface="나눔바른고딕" panose="020B0603020101020101" pitchFamily="50" charset="-127"/>
+                <a:ea typeface="나눔바른고딕" panose="020B0603020101020101" pitchFamily="50" charset="-127"/>
+              </a:rPr>
+              <a:t>라우터</a:t>
+            </a:r>
+            <a:endParaRPr lang="en-US" altLang="ko-KR" sz="1400">
+              <a:solidFill>
+                <a:sysClr val="windowText" lastClr="000000"/>
+              </a:solidFill>
+              <a:latin typeface="나눔바른고딕" panose="020B0603020101020101" pitchFamily="50" charset="-127"/>
+              <a:ea typeface="나눔바른고딕" panose="020B0603020101020101" pitchFamily="50" charset="-127"/>
+            </a:endParaRPr>
+          </a:p>
+        </p:txBody>
+      </p:sp>
+      <p:sp>
+        <p:nvSpPr>
+          <p:cNvPr id="48" name="직사각형 47">
+            <a:extLst>
+              <a:ext uri="{FF2B5EF4-FFF2-40B4-BE49-F238E27FC236}">
+                <a16:creationId xmlns:a16="http://schemas.microsoft.com/office/drawing/2014/main" id="{70983FE8-F78C-4B9E-AAB3-04208703A7D0}"/>
+              </a:ext>
+            </a:extLst>
+          </p:cNvPr>
+          <p:cNvSpPr/>
+          <p:nvPr/>
+        </p:nvSpPr>
+        <p:spPr>
+          <a:xfrm>
+            <a:off x="7626633" y="4779393"/>
+            <a:ext cx="1135224" cy="1035236"/>
+          </a:xfrm>
+          <a:prstGeom prst="rect">
+            <a:avLst/>
+          </a:prstGeom>
+          <a:solidFill>
+            <a:schemeClr val="bg1">
+              <a:lumMod val="65000"/>
+            </a:schemeClr>
+          </a:solidFill>
+          <a:ln>
+            <a:solidFill>
+              <a:schemeClr val="tx1"/>
+            </a:solidFill>
+          </a:ln>
+        </p:spPr>
+        <p:style>
+          <a:lnRef idx="2">
+            <a:schemeClr val="accent1">
+              <a:shade val="50000"/>
+            </a:schemeClr>
+          </a:lnRef>
+          <a:fillRef idx="1">
+            <a:schemeClr val="accent1"/>
+          </a:fillRef>
+          <a:effectRef idx="0">
+            <a:schemeClr val="accent1"/>
+          </a:effectRef>
+          <a:fontRef idx="minor">
+            <a:schemeClr val="lt1"/>
+          </a:fontRef>
+        </p:style>
+        <p:txBody>
+          <a:bodyPr rtlCol="0" anchor="ctr"/>
+          <a:lstStyle/>
+          <a:p>
+            <a:pPr algn="ctr"/>
+            <a:r>
+              <a:rPr lang="ko-KR" altLang="en-US" sz="1400">
+                <a:solidFill>
+                  <a:sysClr val="windowText" lastClr="000000"/>
+                </a:solidFill>
+                <a:latin typeface="나눔바른고딕" panose="020B0603020101020101" pitchFamily="50" charset="-127"/>
+                <a:ea typeface="나눔바른고딕" panose="020B0603020101020101" pitchFamily="50" charset="-127"/>
+              </a:rPr>
+              <a:t>네트워크</a:t>
+            </a:r>
+            <a:endParaRPr lang="en-US" altLang="ko-KR" sz="1400">
+              <a:solidFill>
+                <a:sysClr val="windowText" lastClr="000000"/>
+              </a:solidFill>
+              <a:latin typeface="나눔바른고딕" panose="020B0603020101020101" pitchFamily="50" charset="-127"/>
+              <a:ea typeface="나눔바른고딕" panose="020B0603020101020101" pitchFamily="50" charset="-127"/>
+            </a:endParaRPr>
+          </a:p>
+          <a:p>
+            <a:pPr algn="ctr"/>
+            <a:r>
+              <a:rPr lang="ko-KR" altLang="en-US" sz="1400">
+                <a:solidFill>
+                  <a:sysClr val="windowText" lastClr="000000"/>
+                </a:solidFill>
+                <a:latin typeface="나눔바른고딕" panose="020B0603020101020101" pitchFamily="50" charset="-127"/>
+                <a:ea typeface="나눔바른고딕" panose="020B0603020101020101" pitchFamily="50" charset="-127"/>
+              </a:rPr>
+              <a:t>등록기</a:t>
+            </a:r>
+            <a:endParaRPr lang="en-US" altLang="ko-KR" sz="1400">
+              <a:solidFill>
+                <a:sysClr val="windowText" lastClr="000000"/>
+              </a:solidFill>
+              <a:latin typeface="나눔바른고딕" panose="020B0603020101020101" pitchFamily="50" charset="-127"/>
+              <a:ea typeface="나눔바른고딕" panose="020B0603020101020101" pitchFamily="50" charset="-127"/>
+            </a:endParaRPr>
+          </a:p>
+        </p:txBody>
+      </p:sp>
+      <p:cxnSp>
+        <p:nvCxnSpPr>
+          <p:cNvPr id="56" name="직선 화살표 연결선 55">
+            <a:extLst>
+              <a:ext uri="{FF2B5EF4-FFF2-40B4-BE49-F238E27FC236}">
+                <a16:creationId xmlns:a16="http://schemas.microsoft.com/office/drawing/2014/main" id="{1CD146E3-FF91-49BC-B60B-E55876D6A65B}"/>
+              </a:ext>
+            </a:extLst>
+          </p:cNvPr>
+          <p:cNvCxnSpPr>
+            <a:cxnSpLocks/>
+            <a:stCxn id="45" idx="0"/>
+            <a:endCxn id="70" idx="2"/>
+          </p:cNvCxnSpPr>
+          <p:nvPr/>
+        </p:nvCxnSpPr>
+        <p:spPr>
+          <a:xfrm flipV="1">
+            <a:off x="2203628" y="2348003"/>
+            <a:ext cx="4909360" cy="2426157"/>
+          </a:xfrm>
+          <a:prstGeom prst="straightConnector1">
+            <a:avLst/>
+          </a:prstGeom>
+          <a:ln>
+            <a:solidFill>
+              <a:schemeClr val="tx1"/>
+            </a:solidFill>
+            <a:tailEnd type="triangle"/>
+          </a:ln>
+        </p:spPr>
+        <p:style>
+          <a:lnRef idx="1">
+            <a:schemeClr val="accent1"/>
+          </a:lnRef>
+          <a:fillRef idx="0">
+            <a:schemeClr val="accent1"/>
+          </a:fillRef>
+          <a:effectRef idx="0">
+            <a:schemeClr val="accent1"/>
+          </a:effectRef>
+          <a:fontRef idx="minor">
+            <a:schemeClr val="tx1"/>
+          </a:fontRef>
+        </p:style>
+      </p:cxnSp>
+      <p:sp>
+        <p:nvSpPr>
+          <p:cNvPr id="58" name="TextBox 57">
+            <a:extLst>
+              <a:ext uri="{FF2B5EF4-FFF2-40B4-BE49-F238E27FC236}">
+                <a16:creationId xmlns:a16="http://schemas.microsoft.com/office/drawing/2014/main" id="{6EB495F2-345D-4701-9644-D0138AF24C2A}"/>
+              </a:ext>
+            </a:extLst>
+          </p:cNvPr>
+          <p:cNvSpPr txBox="1"/>
+          <p:nvPr/>
+        </p:nvSpPr>
+        <p:spPr>
+          <a:xfrm>
+            <a:off x="1761895" y="2852500"/>
+            <a:ext cx="2741866" cy="307777"/>
+          </a:xfrm>
+          <a:prstGeom prst="rect">
+            <a:avLst/>
+          </a:prstGeom>
+          <a:noFill/>
+        </p:spPr>
+        <p:txBody>
+          <a:bodyPr wrap="square" rtlCol="0">
+            <a:spAutoFit/>
+          </a:bodyPr>
+          <a:lstStyle/>
+          <a:p>
+            <a:r>
+              <a:rPr lang="en-US" altLang="ko-KR" sz="1400"/>
+              <a:t>GET https://order-service/…</a:t>
+            </a:r>
+            <a:endParaRPr lang="ko-KR" altLang="en-US" sz="1400"/>
+          </a:p>
+        </p:txBody>
+      </p:sp>
+      <p:cxnSp>
+        <p:nvCxnSpPr>
+          <p:cNvPr id="59" name="직선 화살표 연결선 58">
+            <a:extLst>
+              <a:ext uri="{FF2B5EF4-FFF2-40B4-BE49-F238E27FC236}">
+                <a16:creationId xmlns:a16="http://schemas.microsoft.com/office/drawing/2014/main" id="{6693D02C-BFCC-4FDE-A07D-0129857A22F3}"/>
+              </a:ext>
+            </a:extLst>
+          </p:cNvPr>
+          <p:cNvCxnSpPr>
+            <a:cxnSpLocks/>
+            <a:stCxn id="48" idx="0"/>
+            <a:endCxn id="54" idx="2"/>
+          </p:cNvCxnSpPr>
+          <p:nvPr/>
+        </p:nvCxnSpPr>
+        <p:spPr>
+          <a:xfrm flipV="1">
+            <a:off x="8194245" y="3631529"/>
+            <a:ext cx="904520" cy="1147864"/>
+          </a:xfrm>
+          <a:prstGeom prst="straightConnector1">
+            <a:avLst/>
+          </a:prstGeom>
+          <a:ln>
+            <a:solidFill>
+              <a:schemeClr val="tx1">
+                <a:lumMod val="65000"/>
+                <a:lumOff val="35000"/>
+              </a:schemeClr>
+            </a:solidFill>
+            <a:prstDash val="lgDash"/>
+            <a:tailEnd type="triangle"/>
+          </a:ln>
+        </p:spPr>
+        <p:style>
+          <a:lnRef idx="1">
+            <a:schemeClr val="accent1"/>
+          </a:lnRef>
+          <a:fillRef idx="0">
+            <a:schemeClr val="accent1"/>
+          </a:fillRef>
+          <a:effectRef idx="0">
+            <a:schemeClr val="accent1"/>
+          </a:effectRef>
+          <a:fontRef idx="minor">
+            <a:schemeClr val="tx1"/>
+          </a:fontRef>
+        </p:style>
+      </p:cxnSp>
+      <p:sp>
+        <p:nvSpPr>
+          <p:cNvPr id="63" name="TextBox 62">
+            <a:extLst>
+              <a:ext uri="{FF2B5EF4-FFF2-40B4-BE49-F238E27FC236}">
+                <a16:creationId xmlns:a16="http://schemas.microsoft.com/office/drawing/2014/main" id="{BC041F4F-0800-422D-B1E1-292E4FD40CA3}"/>
+              </a:ext>
+            </a:extLst>
+          </p:cNvPr>
+          <p:cNvSpPr txBox="1"/>
+          <p:nvPr/>
+        </p:nvSpPr>
+        <p:spPr>
+          <a:xfrm>
+            <a:off x="7949890" y="4122318"/>
+            <a:ext cx="648191" cy="307777"/>
+          </a:xfrm>
+          <a:prstGeom prst="rect">
+            <a:avLst/>
+          </a:prstGeom>
+          <a:noFill/>
+        </p:spPr>
+        <p:txBody>
+          <a:bodyPr wrap="square" rtlCol="0">
+            <a:spAutoFit/>
+          </a:bodyPr>
+          <a:lstStyle/>
+          <a:p>
+            <a:r>
+              <a:rPr lang="ko-KR" altLang="en-US" sz="1400"/>
+              <a:t>감시</a:t>
+            </a:r>
+          </a:p>
+        </p:txBody>
+      </p:sp>
+      <p:cxnSp>
+        <p:nvCxnSpPr>
+          <p:cNvPr id="64" name="직선 화살표 연결선 63">
+            <a:extLst>
+              <a:ext uri="{FF2B5EF4-FFF2-40B4-BE49-F238E27FC236}">
+                <a16:creationId xmlns:a16="http://schemas.microsoft.com/office/drawing/2014/main" id="{EADE24AD-361F-45DC-8E5B-B152A35AA90D}"/>
+              </a:ext>
+            </a:extLst>
+          </p:cNvPr>
+          <p:cNvCxnSpPr>
+            <a:cxnSpLocks/>
+            <a:stCxn id="48" idx="1"/>
+            <a:endCxn id="4" idx="3"/>
+          </p:cNvCxnSpPr>
+          <p:nvPr/>
+        </p:nvCxnSpPr>
+        <p:spPr>
+          <a:xfrm flipH="1" flipV="1">
+            <a:off x="7149439" y="5296471"/>
+            <a:ext cx="477194" cy="540"/>
+          </a:xfrm>
+          <a:prstGeom prst="straightConnector1">
+            <a:avLst/>
+          </a:prstGeom>
+          <a:ln>
+            <a:solidFill>
+              <a:schemeClr val="tx1">
+                <a:lumMod val="65000"/>
+                <a:lumOff val="35000"/>
+              </a:schemeClr>
+            </a:solidFill>
+            <a:prstDash val="lgDash"/>
+            <a:tailEnd type="triangle"/>
+          </a:ln>
+        </p:spPr>
+        <p:style>
+          <a:lnRef idx="1">
+            <a:schemeClr val="accent1"/>
+          </a:lnRef>
+          <a:fillRef idx="0">
+            <a:schemeClr val="accent1"/>
+          </a:fillRef>
+          <a:effectRef idx="0">
+            <a:schemeClr val="accent1"/>
+          </a:effectRef>
+          <a:fontRef idx="minor">
+            <a:schemeClr val="tx1"/>
+          </a:fontRef>
+        </p:style>
+      </p:cxnSp>
+      <p:cxnSp>
+        <p:nvCxnSpPr>
+          <p:cNvPr id="69" name="직선 화살표 연결선 68">
+            <a:extLst>
+              <a:ext uri="{FF2B5EF4-FFF2-40B4-BE49-F238E27FC236}">
+                <a16:creationId xmlns:a16="http://schemas.microsoft.com/office/drawing/2014/main" id="{5123737E-6651-4783-96EA-25EE81916177}"/>
+              </a:ext>
+            </a:extLst>
+          </p:cNvPr>
+          <p:cNvCxnSpPr>
+            <a:cxnSpLocks/>
+            <a:stCxn id="45" idx="3"/>
+            <a:endCxn id="4" idx="1"/>
+          </p:cNvCxnSpPr>
+          <p:nvPr/>
+        </p:nvCxnSpPr>
+        <p:spPr>
+          <a:xfrm>
+            <a:off x="2771240" y="5291778"/>
+            <a:ext cx="603659" cy="4693"/>
+          </a:xfrm>
+          <a:prstGeom prst="straightConnector1">
+            <a:avLst/>
+          </a:prstGeom>
+          <a:ln>
+            <a:solidFill>
+              <a:schemeClr val="tx1"/>
+            </a:solidFill>
+            <a:tailEnd type="triangle"/>
+          </a:ln>
+        </p:spPr>
+        <p:style>
+          <a:lnRef idx="1">
+            <a:schemeClr val="accent1"/>
+          </a:lnRef>
+          <a:fillRef idx="0">
+            <a:schemeClr val="accent1"/>
+          </a:fillRef>
+          <a:effectRef idx="0">
+            <a:schemeClr val="accent1"/>
+          </a:effectRef>
+          <a:fontRef idx="minor">
+            <a:schemeClr val="tx1"/>
+          </a:fontRef>
+        </p:style>
+      </p:cxnSp>
+      <p:sp>
+        <p:nvSpPr>
+          <p:cNvPr id="72" name="TextBox 71">
+            <a:extLst>
+              <a:ext uri="{FF2B5EF4-FFF2-40B4-BE49-F238E27FC236}">
+                <a16:creationId xmlns:a16="http://schemas.microsoft.com/office/drawing/2014/main" id="{338AB91C-E83B-4D60-B404-D94DC6A3CAD8}"/>
+              </a:ext>
+            </a:extLst>
+          </p:cNvPr>
+          <p:cNvSpPr txBox="1"/>
+          <p:nvPr/>
+        </p:nvSpPr>
+        <p:spPr>
+          <a:xfrm>
+            <a:off x="2790599" y="4919761"/>
+            <a:ext cx="648191" cy="307777"/>
+          </a:xfrm>
+          <a:prstGeom prst="rect">
+            <a:avLst/>
+          </a:prstGeom>
+          <a:noFill/>
+        </p:spPr>
+        <p:txBody>
+          <a:bodyPr wrap="square" rtlCol="0">
+            <a:spAutoFit/>
+          </a:bodyPr>
+          <a:lstStyle/>
+          <a:p>
+            <a:r>
+              <a:rPr lang="ko-KR" altLang="en-US" sz="1400"/>
+              <a:t>쿼리</a:t>
+            </a:r>
+          </a:p>
+        </p:txBody>
+      </p:sp>
+    </p:spTree>
+    <p:extLst>
+      <p:ext uri="{BB962C8B-B14F-4D97-AF65-F5344CB8AC3E}">
+        <p14:creationId xmlns:p14="http://schemas.microsoft.com/office/powerpoint/2010/main" val="1317652832"/>
       </p:ext>
     </p:extLst>
   </p:cSld>

--- a/MicroServiceArchitecture/data/msa_data.pptx
+++ b/MicroServiceArchitecture/data/msa_data.pptx
@@ -18,6 +18,7 @@
     <p:sldId id="266" r:id="rId12"/>
     <p:sldId id="267" r:id="rId13"/>
     <p:sldId id="268" r:id="rId14"/>
+    <p:sldId id="269" r:id="rId15"/>
   </p:sldIdLst>
   <p:sldSz cx="12192000" cy="6858000"/>
   <p:notesSz cx="6858000" cy="9144000"/>
@@ -283,7 +284,7 @@
           <a:p>
             <a:fld id="{7E3BFFEE-8B72-4622-B0B8-845B3D5B6CC6}" type="datetimeFigureOut">
               <a:rPr lang="ko-KR" altLang="en-US" smtClean="0"/>
-              <a:t>2021-09-14</a:t>
+              <a:t>2021-09-21</a:t>
             </a:fld>
             <a:endParaRPr lang="ko-KR" altLang="en-US"/>
           </a:p>
@@ -481,7 +482,7 @@
           <a:p>
             <a:fld id="{7E3BFFEE-8B72-4622-B0B8-845B3D5B6CC6}" type="datetimeFigureOut">
               <a:rPr lang="ko-KR" altLang="en-US" smtClean="0"/>
-              <a:t>2021-09-14</a:t>
+              <a:t>2021-09-21</a:t>
             </a:fld>
             <a:endParaRPr lang="ko-KR" altLang="en-US"/>
           </a:p>
@@ -689,7 +690,7 @@
           <a:p>
             <a:fld id="{7E3BFFEE-8B72-4622-B0B8-845B3D5B6CC6}" type="datetimeFigureOut">
               <a:rPr lang="ko-KR" altLang="en-US" smtClean="0"/>
-              <a:t>2021-09-14</a:t>
+              <a:t>2021-09-21</a:t>
             </a:fld>
             <a:endParaRPr lang="ko-KR" altLang="en-US"/>
           </a:p>
@@ -887,7 +888,7 @@
           <a:p>
             <a:fld id="{7E3BFFEE-8B72-4622-B0B8-845B3D5B6CC6}" type="datetimeFigureOut">
               <a:rPr lang="ko-KR" altLang="en-US" smtClean="0"/>
-              <a:t>2021-09-14</a:t>
+              <a:t>2021-09-21</a:t>
             </a:fld>
             <a:endParaRPr lang="ko-KR" altLang="en-US"/>
           </a:p>
@@ -1162,7 +1163,7 @@
           <a:p>
             <a:fld id="{7E3BFFEE-8B72-4622-B0B8-845B3D5B6CC6}" type="datetimeFigureOut">
               <a:rPr lang="ko-KR" altLang="en-US" smtClean="0"/>
-              <a:t>2021-09-14</a:t>
+              <a:t>2021-09-21</a:t>
             </a:fld>
             <a:endParaRPr lang="ko-KR" altLang="en-US"/>
           </a:p>
@@ -1427,7 +1428,7 @@
           <a:p>
             <a:fld id="{7E3BFFEE-8B72-4622-B0B8-845B3D5B6CC6}" type="datetimeFigureOut">
               <a:rPr lang="ko-KR" altLang="en-US" smtClean="0"/>
-              <a:t>2021-09-14</a:t>
+              <a:t>2021-09-21</a:t>
             </a:fld>
             <a:endParaRPr lang="ko-KR" altLang="en-US"/>
           </a:p>
@@ -1839,7 +1840,7 @@
           <a:p>
             <a:fld id="{7E3BFFEE-8B72-4622-B0B8-845B3D5B6CC6}" type="datetimeFigureOut">
               <a:rPr lang="ko-KR" altLang="en-US" smtClean="0"/>
-              <a:t>2021-09-14</a:t>
+              <a:t>2021-09-21</a:t>
             </a:fld>
             <a:endParaRPr lang="ko-KR" altLang="en-US"/>
           </a:p>
@@ -1980,7 +1981,7 @@
           <a:p>
             <a:fld id="{7E3BFFEE-8B72-4622-B0B8-845B3D5B6CC6}" type="datetimeFigureOut">
               <a:rPr lang="ko-KR" altLang="en-US" smtClean="0"/>
-              <a:t>2021-09-14</a:t>
+              <a:t>2021-09-21</a:t>
             </a:fld>
             <a:endParaRPr lang="ko-KR" altLang="en-US"/>
           </a:p>
@@ -2093,7 +2094,7 @@
           <a:p>
             <a:fld id="{7E3BFFEE-8B72-4622-B0B8-845B3D5B6CC6}" type="datetimeFigureOut">
               <a:rPr lang="ko-KR" altLang="en-US" smtClean="0"/>
-              <a:t>2021-09-14</a:t>
+              <a:t>2021-09-21</a:t>
             </a:fld>
             <a:endParaRPr lang="ko-KR" altLang="en-US"/>
           </a:p>
@@ -2404,7 +2405,7 @@
           <a:p>
             <a:fld id="{7E3BFFEE-8B72-4622-B0B8-845B3D5B6CC6}" type="datetimeFigureOut">
               <a:rPr lang="ko-KR" altLang="en-US" smtClean="0"/>
-              <a:t>2021-09-14</a:t>
+              <a:t>2021-09-21</a:t>
             </a:fld>
             <a:endParaRPr lang="ko-KR" altLang="en-US"/>
           </a:p>
@@ -2692,7 +2693,7 @@
           <a:p>
             <a:fld id="{7E3BFFEE-8B72-4622-B0B8-845B3D5B6CC6}" type="datetimeFigureOut">
               <a:rPr lang="ko-KR" altLang="en-US" smtClean="0"/>
-              <a:t>2021-09-14</a:t>
+              <a:t>2021-09-21</a:t>
             </a:fld>
             <a:endParaRPr lang="ko-KR" altLang="en-US"/>
           </a:p>
@@ -2933,7 +2934,7 @@
           <a:p>
             <a:fld id="{7E3BFFEE-8B72-4622-B0B8-845B3D5B6CC6}" type="datetimeFigureOut">
               <a:rPr lang="ko-KR" altLang="en-US" smtClean="0"/>
-              <a:t>2021-09-14</a:t>
+              <a:t>2021-09-21</a:t>
             </a:fld>
             <a:endParaRPr lang="ko-KR" altLang="en-US"/>
           </a:p>
@@ -10603,6 +10604,1216 @@
     <p:extLst>
       <p:ext uri="{BB962C8B-B14F-4D97-AF65-F5344CB8AC3E}">
         <p14:creationId xmlns:p14="http://schemas.microsoft.com/office/powerpoint/2010/main" val="1317652832"/>
+      </p:ext>
+    </p:extLst>
+  </p:cSld>
+  <p:clrMapOvr>
+    <a:masterClrMapping/>
+  </p:clrMapOvr>
+</p:sld>
+</file>
+
+<file path=ppt/slides/slide14.xml><?xml version="1.0" encoding="utf-8"?>
+<p:sld xmlns:a="http://schemas.openxmlformats.org/drawingml/2006/main" xmlns:r="http://schemas.openxmlformats.org/officeDocument/2006/relationships" xmlns:p="http://schemas.openxmlformats.org/presentationml/2006/main">
+  <p:cSld>
+    <p:spTree>
+      <p:nvGrpSpPr>
+        <p:cNvPr id="1" name=""/>
+        <p:cNvGrpSpPr/>
+        <p:nvPr/>
+      </p:nvGrpSpPr>
+      <p:grpSpPr>
+        <a:xfrm>
+          <a:off x="0" y="0"/>
+          <a:ext cx="0" cy="0"/>
+          <a:chOff x="0" y="0"/>
+          <a:chExt cx="0" cy="0"/>
+        </a:xfrm>
+      </p:grpSpPr>
+      <p:sp>
+        <p:nvSpPr>
+          <p:cNvPr id="23" name="직사각형 22">
+            <a:extLst>
+              <a:ext uri="{FF2B5EF4-FFF2-40B4-BE49-F238E27FC236}">
+                <a16:creationId xmlns:a16="http://schemas.microsoft.com/office/drawing/2014/main" id="{E9157B63-A1E7-4866-B71A-707D150B14A3}"/>
+              </a:ext>
+            </a:extLst>
+          </p:cNvPr>
+          <p:cNvSpPr/>
+          <p:nvPr/>
+        </p:nvSpPr>
+        <p:spPr>
+          <a:xfrm>
+            <a:off x="2980405" y="2384257"/>
+            <a:ext cx="1761766" cy="530095"/>
+          </a:xfrm>
+          <a:prstGeom prst="rect">
+            <a:avLst/>
+          </a:prstGeom>
+          <a:solidFill>
+            <a:schemeClr val="bg1"/>
+          </a:solidFill>
+          <a:ln>
+            <a:solidFill>
+              <a:schemeClr val="tx1"/>
+            </a:solidFill>
+          </a:ln>
+        </p:spPr>
+        <p:style>
+          <a:lnRef idx="2">
+            <a:schemeClr val="accent1">
+              <a:shade val="50000"/>
+            </a:schemeClr>
+          </a:lnRef>
+          <a:fillRef idx="1">
+            <a:schemeClr val="accent1"/>
+          </a:fillRef>
+          <a:effectRef idx="0">
+            <a:schemeClr val="accent1"/>
+          </a:effectRef>
+          <a:fontRef idx="minor">
+            <a:schemeClr val="lt1"/>
+          </a:fontRef>
+        </p:style>
+        <p:txBody>
+          <a:bodyPr rtlCol="0" anchor="ctr"/>
+          <a:lstStyle/>
+          <a:p>
+            <a:pPr algn="ctr"/>
+            <a:r>
+              <a:rPr lang="ko-KR" altLang="en-US" sz="1400">
+                <a:solidFill>
+                  <a:sysClr val="windowText" lastClr="000000"/>
+                </a:solidFill>
+                <a:latin typeface="나눔바른고딕" panose="020B0603020101020101" pitchFamily="50" charset="-127"/>
+                <a:ea typeface="나눔바른고딕" panose="020B0603020101020101" pitchFamily="50" charset="-127"/>
+              </a:rPr>
+              <a:t>주문 서비스</a:t>
+            </a:r>
+            <a:endParaRPr lang="en-US" altLang="ko-KR" sz="1400">
+              <a:solidFill>
+                <a:sysClr val="windowText" lastClr="000000"/>
+              </a:solidFill>
+              <a:latin typeface="나눔바른고딕" panose="020B0603020101020101" pitchFamily="50" charset="-127"/>
+              <a:ea typeface="나눔바른고딕" panose="020B0603020101020101" pitchFamily="50" charset="-127"/>
+            </a:endParaRPr>
+          </a:p>
+        </p:txBody>
+      </p:sp>
+      <p:sp>
+        <p:nvSpPr>
+          <p:cNvPr id="28" name="직사각형 27">
+            <a:extLst>
+              <a:ext uri="{FF2B5EF4-FFF2-40B4-BE49-F238E27FC236}">
+                <a16:creationId xmlns:a16="http://schemas.microsoft.com/office/drawing/2014/main" id="{7F15DDB6-E31F-4675-8072-239D4C5B6C77}"/>
+              </a:ext>
+            </a:extLst>
+          </p:cNvPr>
+          <p:cNvSpPr/>
+          <p:nvPr/>
+        </p:nvSpPr>
+        <p:spPr>
+          <a:xfrm>
+            <a:off x="843147" y="3395628"/>
+            <a:ext cx="5640780" cy="2494533"/>
+          </a:xfrm>
+          <a:prstGeom prst="rect">
+            <a:avLst/>
+          </a:prstGeom>
+          <a:solidFill>
+            <a:schemeClr val="bg1"/>
+          </a:solidFill>
+          <a:ln>
+            <a:solidFill>
+              <a:schemeClr val="tx1"/>
+            </a:solidFill>
+          </a:ln>
+        </p:spPr>
+        <p:style>
+          <a:lnRef idx="2">
+            <a:schemeClr val="accent1">
+              <a:shade val="50000"/>
+            </a:schemeClr>
+          </a:lnRef>
+          <a:fillRef idx="1">
+            <a:schemeClr val="accent1"/>
+          </a:fillRef>
+          <a:effectRef idx="0">
+            <a:schemeClr val="accent1"/>
+          </a:effectRef>
+          <a:fontRef idx="minor">
+            <a:schemeClr val="lt1"/>
+          </a:fontRef>
+        </p:style>
+        <p:txBody>
+          <a:bodyPr rtlCol="0" anchor="ctr"/>
+          <a:lstStyle/>
+          <a:p>
+            <a:pPr algn="ctr"/>
+            <a:endParaRPr lang="en-US" altLang="ko-KR" sz="1400">
+              <a:solidFill>
+                <a:sysClr val="windowText" lastClr="000000"/>
+              </a:solidFill>
+              <a:latin typeface="나눔바른고딕" panose="020B0603020101020101" pitchFamily="50" charset="-127"/>
+              <a:ea typeface="나눔바른고딕" panose="020B0603020101020101" pitchFamily="50" charset="-127"/>
+            </a:endParaRPr>
+          </a:p>
+        </p:txBody>
+      </p:sp>
+      <p:sp>
+        <p:nvSpPr>
+          <p:cNvPr id="30" name="TextBox 29">
+            <a:extLst>
+              <a:ext uri="{FF2B5EF4-FFF2-40B4-BE49-F238E27FC236}">
+                <a16:creationId xmlns:a16="http://schemas.microsoft.com/office/drawing/2014/main" id="{BD25B034-4C0E-4905-9F5A-CE5236CECC89}"/>
+              </a:ext>
+            </a:extLst>
+          </p:cNvPr>
+          <p:cNvSpPr txBox="1"/>
+          <p:nvPr/>
+        </p:nvSpPr>
+        <p:spPr>
+          <a:xfrm>
+            <a:off x="1087014" y="3704819"/>
+            <a:ext cx="1816925" cy="307777"/>
+          </a:xfrm>
+          <a:prstGeom prst="rect">
+            <a:avLst/>
+          </a:prstGeom>
+          <a:noFill/>
+        </p:spPr>
+        <p:txBody>
+          <a:bodyPr wrap="square" rtlCol="0">
+            <a:spAutoFit/>
+          </a:bodyPr>
+          <a:lstStyle/>
+          <a:p>
+            <a:r>
+              <a:rPr lang="en-US" altLang="ko-KR" sz="1400" b="1"/>
+              <a:t>Transaction</a:t>
+            </a:r>
+            <a:endParaRPr lang="ko-KR" altLang="en-US" sz="1400" b="1"/>
+          </a:p>
+        </p:txBody>
+      </p:sp>
+      <p:cxnSp>
+        <p:nvCxnSpPr>
+          <p:cNvPr id="31" name="직선 화살표 연결선 30">
+            <a:extLst>
+              <a:ext uri="{FF2B5EF4-FFF2-40B4-BE49-F238E27FC236}">
+                <a16:creationId xmlns:a16="http://schemas.microsoft.com/office/drawing/2014/main" id="{EE7FDE30-28BC-4A75-AC17-C00984D65A13}"/>
+              </a:ext>
+            </a:extLst>
+          </p:cNvPr>
+          <p:cNvCxnSpPr>
+            <a:cxnSpLocks/>
+            <a:endCxn id="23" idx="0"/>
+          </p:cNvCxnSpPr>
+          <p:nvPr/>
+        </p:nvCxnSpPr>
+        <p:spPr>
+          <a:xfrm>
+            <a:off x="3861288" y="1650670"/>
+            <a:ext cx="0" cy="733587"/>
+          </a:xfrm>
+          <a:prstGeom prst="straightConnector1">
+            <a:avLst/>
+          </a:prstGeom>
+          <a:ln>
+            <a:solidFill>
+              <a:schemeClr val="tx1"/>
+            </a:solidFill>
+            <a:tailEnd type="triangle"/>
+          </a:ln>
+        </p:spPr>
+        <p:style>
+          <a:lnRef idx="1">
+            <a:schemeClr val="accent1"/>
+          </a:lnRef>
+          <a:fillRef idx="0">
+            <a:schemeClr val="accent1"/>
+          </a:fillRef>
+          <a:effectRef idx="0">
+            <a:schemeClr val="accent1"/>
+          </a:effectRef>
+          <a:fontRef idx="minor">
+            <a:schemeClr val="tx1"/>
+          </a:fontRef>
+        </p:style>
+      </p:cxnSp>
+      <p:sp>
+        <p:nvSpPr>
+          <p:cNvPr id="34" name="직사각형 33">
+            <a:extLst>
+              <a:ext uri="{FF2B5EF4-FFF2-40B4-BE49-F238E27FC236}">
+                <a16:creationId xmlns:a16="http://schemas.microsoft.com/office/drawing/2014/main" id="{4988571A-CC2F-4AA7-B903-5C3A52064AA5}"/>
+              </a:ext>
+            </a:extLst>
+          </p:cNvPr>
+          <p:cNvSpPr/>
+          <p:nvPr/>
+        </p:nvSpPr>
+        <p:spPr>
+          <a:xfrm>
+            <a:off x="1092531" y="3698565"/>
+            <a:ext cx="5130139" cy="1859086"/>
+          </a:xfrm>
+          <a:prstGeom prst="rect">
+            <a:avLst/>
+          </a:prstGeom>
+          <a:noFill/>
+          <a:ln w="19050">
+            <a:solidFill>
+              <a:schemeClr val="tx1">
+                <a:lumMod val="50000"/>
+                <a:lumOff val="50000"/>
+              </a:schemeClr>
+            </a:solidFill>
+            <a:prstDash val="sysDash"/>
+          </a:ln>
+        </p:spPr>
+        <p:style>
+          <a:lnRef idx="2">
+            <a:schemeClr val="accent1">
+              <a:shade val="50000"/>
+            </a:schemeClr>
+          </a:lnRef>
+          <a:fillRef idx="1">
+            <a:schemeClr val="accent1"/>
+          </a:fillRef>
+          <a:effectRef idx="0">
+            <a:schemeClr val="accent1"/>
+          </a:effectRef>
+          <a:fontRef idx="minor">
+            <a:schemeClr val="lt1"/>
+          </a:fontRef>
+        </p:style>
+        <p:txBody>
+          <a:bodyPr rtlCol="0" anchor="ctr"/>
+          <a:lstStyle/>
+          <a:p>
+            <a:pPr algn="ctr"/>
+            <a:endParaRPr lang="en-US" altLang="ko-KR">
+              <a:solidFill>
+                <a:sysClr val="windowText" lastClr="000000"/>
+              </a:solidFill>
+              <a:latin typeface="나눔바른고딕" panose="020B0603020101020101" pitchFamily="50" charset="-127"/>
+              <a:ea typeface="나눔바른고딕" panose="020B0603020101020101" pitchFamily="50" charset="-127"/>
+            </a:endParaRPr>
+          </a:p>
+        </p:txBody>
+      </p:sp>
+      <p:sp>
+        <p:nvSpPr>
+          <p:cNvPr id="35" name="TextBox 34">
+            <a:extLst>
+              <a:ext uri="{FF2B5EF4-FFF2-40B4-BE49-F238E27FC236}">
+                <a16:creationId xmlns:a16="http://schemas.microsoft.com/office/drawing/2014/main" id="{9D8D7E4B-B905-40E9-9738-5C26CCA3C8CE}"/>
+              </a:ext>
+            </a:extLst>
+          </p:cNvPr>
+          <p:cNvSpPr txBox="1"/>
+          <p:nvPr/>
+        </p:nvSpPr>
+        <p:spPr>
+          <a:xfrm>
+            <a:off x="808642" y="3370481"/>
+            <a:ext cx="1816925" cy="307777"/>
+          </a:xfrm>
+          <a:prstGeom prst="rect">
+            <a:avLst/>
+          </a:prstGeom>
+          <a:noFill/>
+        </p:spPr>
+        <p:txBody>
+          <a:bodyPr wrap="square" rtlCol="0">
+            <a:spAutoFit/>
+          </a:bodyPr>
+          <a:lstStyle/>
+          <a:p>
+            <a:r>
+              <a:rPr lang="en-US" altLang="ko-KR" sz="1400" b="1"/>
+              <a:t>Database</a:t>
+            </a:r>
+            <a:endParaRPr lang="ko-KR" altLang="en-US" sz="1400" b="1"/>
+          </a:p>
+        </p:txBody>
+      </p:sp>
+      <p:graphicFrame>
+        <p:nvGraphicFramePr>
+          <p:cNvPr id="36" name="표 4">
+            <a:extLst>
+              <a:ext uri="{FF2B5EF4-FFF2-40B4-BE49-F238E27FC236}">
+                <a16:creationId xmlns:a16="http://schemas.microsoft.com/office/drawing/2014/main" id="{3E23741C-374D-4094-851F-A642B5D30727}"/>
+              </a:ext>
+            </a:extLst>
+          </p:cNvPr>
+          <p:cNvGraphicFramePr>
+            <a:graphicFrameLocks noGrp="1"/>
+          </p:cNvGraphicFramePr>
+          <p:nvPr>
+            <p:extLst>
+              <p:ext uri="{D42A27DB-BD31-4B8C-83A1-F6EECF244321}">
+                <p14:modId xmlns:p14="http://schemas.microsoft.com/office/powerpoint/2010/main" val="112321294"/>
+              </p:ext>
+            </p:extLst>
+          </p:nvPr>
+        </p:nvGraphicFramePr>
+        <p:xfrm>
+          <a:off x="1306984" y="4958209"/>
+          <a:ext cx="1926194" cy="248895"/>
+        </p:xfrm>
+        <a:graphic>
+          <a:graphicData uri="http://schemas.openxmlformats.org/drawingml/2006/table">
+            <a:tbl>
+              <a:tblPr firstRow="1" bandRow="1">
+                <a:tableStyleId>{5940675A-B579-460E-94D1-54222C63F5DA}</a:tableStyleId>
+              </a:tblPr>
+              <a:tblGrid>
+                <a:gridCol w="963097">
+                  <a:extLst>
+                    <a:ext uri="{9D8B030D-6E8A-4147-A177-3AD203B41FA5}">
+                      <a16:colId xmlns:a16="http://schemas.microsoft.com/office/drawing/2014/main" val="499680536"/>
+                    </a:ext>
+                  </a:extLst>
+                </a:gridCol>
+                <a:gridCol w="963097">
+                  <a:extLst>
+                    <a:ext uri="{9D8B030D-6E8A-4147-A177-3AD203B41FA5}">
+                      <a16:colId xmlns:a16="http://schemas.microsoft.com/office/drawing/2014/main" val="3185722848"/>
+                    </a:ext>
+                  </a:extLst>
+                </a:gridCol>
+              </a:tblGrid>
+              <a:tr h="248895">
+                <a:tc>
+                  <a:txBody>
+                    <a:bodyPr/>
+                    <a:lstStyle/>
+                    <a:p>
+                      <a:pPr algn="ctr" latinLnBrk="1"/>
+                      <a:r>
+                        <a:rPr lang="en-US" altLang="ko-KR" sz="1100">
+                          <a:latin typeface="나눔바른고딕" panose="020B0603020101020101" pitchFamily="50" charset="-127"/>
+                          <a:ea typeface="나눔바른고딕" panose="020B0603020101020101" pitchFamily="50" charset="-127"/>
+                        </a:rPr>
+                        <a:t>…</a:t>
+                      </a:r>
+                      <a:endParaRPr lang="ko-KR" altLang="en-US" sz="1100">
+                        <a:latin typeface="나눔바른고딕" panose="020B0603020101020101" pitchFamily="50" charset="-127"/>
+                        <a:ea typeface="나눔바른고딕" panose="020B0603020101020101" pitchFamily="50" charset="-127"/>
+                      </a:endParaRPr>
+                    </a:p>
+                  </a:txBody>
+                  <a:tcPr marL="74819" marR="74819" marT="37410" marB="37410"/>
+                </a:tc>
+                <a:tc>
+                  <a:txBody>
+                    <a:bodyPr/>
+                    <a:lstStyle/>
+                    <a:p>
+                      <a:pPr algn="ctr" latinLnBrk="1"/>
+                      <a:r>
+                        <a:rPr lang="en-US" altLang="ko-KR" sz="1100">
+                          <a:latin typeface="나눔바른고딕" panose="020B0603020101020101" pitchFamily="50" charset="-127"/>
+                          <a:ea typeface="나눔바른고딕" panose="020B0603020101020101" pitchFamily="50" charset="-127"/>
+                        </a:rPr>
+                        <a:t>…</a:t>
+                      </a:r>
+                      <a:endParaRPr lang="ko-KR" altLang="en-US" sz="1100">
+                        <a:latin typeface="나눔바른고딕" panose="020B0603020101020101" pitchFamily="50" charset="-127"/>
+                        <a:ea typeface="나눔바른고딕" panose="020B0603020101020101" pitchFamily="50" charset="-127"/>
+                      </a:endParaRPr>
+                    </a:p>
+                  </a:txBody>
+                  <a:tcPr marL="74819" marR="74819" marT="37410" marB="37410"/>
+                </a:tc>
+                <a:extLst>
+                  <a:ext uri="{0D108BD9-81ED-4DB2-BD59-A6C34878D82A}">
+                    <a16:rowId xmlns:a16="http://schemas.microsoft.com/office/drawing/2014/main" val="4087518863"/>
+                  </a:ext>
+                </a:extLst>
+              </a:tr>
+            </a:tbl>
+          </a:graphicData>
+        </a:graphic>
+      </p:graphicFrame>
+      <p:sp>
+        <p:nvSpPr>
+          <p:cNvPr id="37" name="TextBox 36">
+            <a:extLst>
+              <a:ext uri="{FF2B5EF4-FFF2-40B4-BE49-F238E27FC236}">
+                <a16:creationId xmlns:a16="http://schemas.microsoft.com/office/drawing/2014/main" id="{49AE28CD-88C9-432A-A743-EDC222C72D40}"/>
+              </a:ext>
+            </a:extLst>
+          </p:cNvPr>
+          <p:cNvSpPr txBox="1"/>
+          <p:nvPr/>
+        </p:nvSpPr>
+        <p:spPr>
+          <a:xfrm>
+            <a:off x="1751611" y="4561669"/>
+            <a:ext cx="1816925" cy="307777"/>
+          </a:xfrm>
+          <a:prstGeom prst="rect">
+            <a:avLst/>
+          </a:prstGeom>
+          <a:noFill/>
+        </p:spPr>
+        <p:txBody>
+          <a:bodyPr wrap="square" rtlCol="0">
+            <a:spAutoFit/>
+          </a:bodyPr>
+          <a:lstStyle/>
+          <a:p>
+            <a:r>
+              <a:rPr lang="en-US" altLang="ko-KR" sz="1400"/>
+              <a:t>ORDER table</a:t>
+            </a:r>
+            <a:endParaRPr lang="ko-KR" altLang="en-US" sz="1400"/>
+          </a:p>
+        </p:txBody>
+      </p:sp>
+      <p:sp>
+        <p:nvSpPr>
+          <p:cNvPr id="39" name="TextBox 38">
+            <a:extLst>
+              <a:ext uri="{FF2B5EF4-FFF2-40B4-BE49-F238E27FC236}">
+                <a16:creationId xmlns:a16="http://schemas.microsoft.com/office/drawing/2014/main" id="{4AF1AB72-C309-4E09-A166-857EC2A80634}"/>
+              </a:ext>
+            </a:extLst>
+          </p:cNvPr>
+          <p:cNvSpPr txBox="1"/>
+          <p:nvPr/>
+        </p:nvSpPr>
+        <p:spPr>
+          <a:xfrm>
+            <a:off x="4279075" y="4561668"/>
+            <a:ext cx="1816925" cy="307777"/>
+          </a:xfrm>
+          <a:prstGeom prst="rect">
+            <a:avLst/>
+          </a:prstGeom>
+          <a:noFill/>
+        </p:spPr>
+        <p:txBody>
+          <a:bodyPr wrap="square" rtlCol="0">
+            <a:spAutoFit/>
+          </a:bodyPr>
+          <a:lstStyle/>
+          <a:p>
+            <a:r>
+              <a:rPr lang="en-US" altLang="ko-KR" sz="1400"/>
+              <a:t>OUTBOX table</a:t>
+            </a:r>
+            <a:endParaRPr lang="ko-KR" altLang="en-US" sz="1400"/>
+          </a:p>
+        </p:txBody>
+      </p:sp>
+      <p:graphicFrame>
+        <p:nvGraphicFramePr>
+          <p:cNvPr id="40" name="표 4">
+            <a:extLst>
+              <a:ext uri="{FF2B5EF4-FFF2-40B4-BE49-F238E27FC236}">
+                <a16:creationId xmlns:a16="http://schemas.microsoft.com/office/drawing/2014/main" id="{B5CF79F0-6235-45E0-83F2-5AE9B1B15BB6}"/>
+              </a:ext>
+            </a:extLst>
+          </p:cNvPr>
+          <p:cNvGraphicFramePr>
+            <a:graphicFrameLocks noGrp="1"/>
+          </p:cNvGraphicFramePr>
+          <p:nvPr>
+            <p:extLst>
+              <p:ext uri="{D42A27DB-BD31-4B8C-83A1-F6EECF244321}">
+                <p14:modId xmlns:p14="http://schemas.microsoft.com/office/powerpoint/2010/main" val="1198361422"/>
+              </p:ext>
+            </p:extLst>
+          </p:nvPr>
+        </p:nvGraphicFramePr>
+        <p:xfrm>
+          <a:off x="4067680" y="4958209"/>
+          <a:ext cx="1926194" cy="248895"/>
+        </p:xfrm>
+        <a:graphic>
+          <a:graphicData uri="http://schemas.openxmlformats.org/drawingml/2006/table">
+            <a:tbl>
+              <a:tblPr firstRow="1" bandRow="1">
+                <a:tableStyleId>{5940675A-B579-460E-94D1-54222C63F5DA}</a:tableStyleId>
+              </a:tblPr>
+              <a:tblGrid>
+                <a:gridCol w="963097">
+                  <a:extLst>
+                    <a:ext uri="{9D8B030D-6E8A-4147-A177-3AD203B41FA5}">
+                      <a16:colId xmlns:a16="http://schemas.microsoft.com/office/drawing/2014/main" val="499680536"/>
+                    </a:ext>
+                  </a:extLst>
+                </a:gridCol>
+                <a:gridCol w="963097">
+                  <a:extLst>
+                    <a:ext uri="{9D8B030D-6E8A-4147-A177-3AD203B41FA5}">
+                      <a16:colId xmlns:a16="http://schemas.microsoft.com/office/drawing/2014/main" val="3185722848"/>
+                    </a:ext>
+                  </a:extLst>
+                </a:gridCol>
+              </a:tblGrid>
+              <a:tr h="248895">
+                <a:tc>
+                  <a:txBody>
+                    <a:bodyPr/>
+                    <a:lstStyle/>
+                    <a:p>
+                      <a:pPr algn="ctr" latinLnBrk="1"/>
+                      <a:r>
+                        <a:rPr lang="en-US" altLang="ko-KR" sz="1100">
+                          <a:latin typeface="나눔바른고딕" panose="020B0603020101020101" pitchFamily="50" charset="-127"/>
+                          <a:ea typeface="나눔바른고딕" panose="020B0603020101020101" pitchFamily="50" charset="-127"/>
+                        </a:rPr>
+                        <a:t>…</a:t>
+                      </a:r>
+                      <a:endParaRPr lang="ko-KR" altLang="en-US" sz="1100">
+                        <a:latin typeface="나눔바른고딕" panose="020B0603020101020101" pitchFamily="50" charset="-127"/>
+                        <a:ea typeface="나눔바른고딕" panose="020B0603020101020101" pitchFamily="50" charset="-127"/>
+                      </a:endParaRPr>
+                    </a:p>
+                  </a:txBody>
+                  <a:tcPr marL="74819" marR="74819" marT="37410" marB="37410"/>
+                </a:tc>
+                <a:tc>
+                  <a:txBody>
+                    <a:bodyPr/>
+                    <a:lstStyle/>
+                    <a:p>
+                      <a:pPr algn="ctr" latinLnBrk="1"/>
+                      <a:r>
+                        <a:rPr lang="en-US" altLang="ko-KR" sz="1100">
+                          <a:latin typeface="나눔바른고딕" panose="020B0603020101020101" pitchFamily="50" charset="-127"/>
+                          <a:ea typeface="나눔바른고딕" panose="020B0603020101020101" pitchFamily="50" charset="-127"/>
+                        </a:rPr>
+                        <a:t>…</a:t>
+                      </a:r>
+                      <a:endParaRPr lang="ko-KR" altLang="en-US" sz="1100">
+                        <a:latin typeface="나눔바른고딕" panose="020B0603020101020101" pitchFamily="50" charset="-127"/>
+                        <a:ea typeface="나눔바른고딕" panose="020B0603020101020101" pitchFamily="50" charset="-127"/>
+                      </a:endParaRPr>
+                    </a:p>
+                  </a:txBody>
+                  <a:tcPr marL="74819" marR="74819" marT="37410" marB="37410"/>
+                </a:tc>
+                <a:extLst>
+                  <a:ext uri="{0D108BD9-81ED-4DB2-BD59-A6C34878D82A}">
+                    <a16:rowId xmlns:a16="http://schemas.microsoft.com/office/drawing/2014/main" val="4087518863"/>
+                  </a:ext>
+                </a:extLst>
+              </a:tr>
+            </a:tbl>
+          </a:graphicData>
+        </a:graphic>
+      </p:graphicFrame>
+      <p:sp>
+        <p:nvSpPr>
+          <p:cNvPr id="41" name="직사각형 40">
+            <a:extLst>
+              <a:ext uri="{FF2B5EF4-FFF2-40B4-BE49-F238E27FC236}">
+                <a16:creationId xmlns:a16="http://schemas.microsoft.com/office/drawing/2014/main" id="{2AADB928-B994-47E6-B47E-A92617C6D739}"/>
+              </a:ext>
+            </a:extLst>
+          </p:cNvPr>
+          <p:cNvSpPr/>
+          <p:nvPr/>
+        </p:nvSpPr>
+        <p:spPr>
+          <a:xfrm>
+            <a:off x="7146964" y="4821361"/>
+            <a:ext cx="1548580" cy="521130"/>
+          </a:xfrm>
+          <a:prstGeom prst="rect">
+            <a:avLst/>
+          </a:prstGeom>
+          <a:solidFill>
+            <a:schemeClr val="accent1">
+              <a:lumMod val="40000"/>
+              <a:lumOff val="60000"/>
+            </a:schemeClr>
+          </a:solidFill>
+          <a:ln>
+            <a:solidFill>
+              <a:schemeClr val="tx1"/>
+            </a:solidFill>
+          </a:ln>
+        </p:spPr>
+        <p:style>
+          <a:lnRef idx="2">
+            <a:schemeClr val="accent1">
+              <a:shade val="50000"/>
+            </a:schemeClr>
+          </a:lnRef>
+          <a:fillRef idx="1">
+            <a:schemeClr val="accent1"/>
+          </a:fillRef>
+          <a:effectRef idx="0">
+            <a:schemeClr val="accent1"/>
+          </a:effectRef>
+          <a:fontRef idx="minor">
+            <a:schemeClr val="lt1"/>
+          </a:fontRef>
+        </p:style>
+        <p:txBody>
+          <a:bodyPr rtlCol="0" anchor="ctr"/>
+          <a:lstStyle/>
+          <a:p>
+            <a:pPr algn="ctr"/>
+            <a:r>
+              <a:rPr lang="ko-KR" altLang="en-US" sz="1400">
+                <a:solidFill>
+                  <a:sysClr val="windowText" lastClr="000000"/>
+                </a:solidFill>
+                <a:latin typeface="나눔바른고딕" panose="020B0603020101020101" pitchFamily="50" charset="-127"/>
+                <a:ea typeface="나눔바른고딕" panose="020B0603020101020101" pitchFamily="50" charset="-127"/>
+              </a:rPr>
+              <a:t>메시지 릴래이</a:t>
+            </a:r>
+            <a:endParaRPr lang="en-US" altLang="ko-KR" sz="1400">
+              <a:solidFill>
+                <a:sysClr val="windowText" lastClr="000000"/>
+              </a:solidFill>
+              <a:latin typeface="나눔바른고딕" panose="020B0603020101020101" pitchFamily="50" charset="-127"/>
+              <a:ea typeface="나눔바른고딕" panose="020B0603020101020101" pitchFamily="50" charset="-127"/>
+            </a:endParaRPr>
+          </a:p>
+        </p:txBody>
+      </p:sp>
+      <p:sp>
+        <p:nvSpPr>
+          <p:cNvPr id="42" name="직사각형 41">
+            <a:extLst>
+              <a:ext uri="{FF2B5EF4-FFF2-40B4-BE49-F238E27FC236}">
+                <a16:creationId xmlns:a16="http://schemas.microsoft.com/office/drawing/2014/main" id="{2CF2AC98-34E1-416E-9044-7022B382D881}"/>
+              </a:ext>
+            </a:extLst>
+          </p:cNvPr>
+          <p:cNvSpPr/>
+          <p:nvPr/>
+        </p:nvSpPr>
+        <p:spPr>
+          <a:xfrm>
+            <a:off x="9566804" y="4821361"/>
+            <a:ext cx="1548580" cy="521130"/>
+          </a:xfrm>
+          <a:prstGeom prst="rect">
+            <a:avLst/>
+          </a:prstGeom>
+          <a:solidFill>
+            <a:schemeClr val="accent1">
+              <a:lumMod val="40000"/>
+              <a:lumOff val="60000"/>
+            </a:schemeClr>
+          </a:solidFill>
+          <a:ln>
+            <a:solidFill>
+              <a:schemeClr val="tx1"/>
+            </a:solidFill>
+          </a:ln>
+        </p:spPr>
+        <p:style>
+          <a:lnRef idx="2">
+            <a:schemeClr val="accent1">
+              <a:shade val="50000"/>
+            </a:schemeClr>
+          </a:lnRef>
+          <a:fillRef idx="1">
+            <a:schemeClr val="accent1"/>
+          </a:fillRef>
+          <a:effectRef idx="0">
+            <a:schemeClr val="accent1"/>
+          </a:effectRef>
+          <a:fontRef idx="minor">
+            <a:schemeClr val="lt1"/>
+          </a:fontRef>
+        </p:style>
+        <p:txBody>
+          <a:bodyPr rtlCol="0" anchor="ctr"/>
+          <a:lstStyle/>
+          <a:p>
+            <a:pPr algn="ctr"/>
+            <a:r>
+              <a:rPr lang="ko-KR" altLang="en-US" sz="1400">
+                <a:solidFill>
+                  <a:sysClr val="windowText" lastClr="000000"/>
+                </a:solidFill>
+                <a:latin typeface="나눔바른고딕" panose="020B0603020101020101" pitchFamily="50" charset="-127"/>
+                <a:ea typeface="나눔바른고딕" panose="020B0603020101020101" pitchFamily="50" charset="-127"/>
+              </a:rPr>
+              <a:t>메시지 브로커</a:t>
+            </a:r>
+            <a:endParaRPr lang="en-US" altLang="ko-KR" sz="1400">
+              <a:solidFill>
+                <a:sysClr val="windowText" lastClr="000000"/>
+              </a:solidFill>
+              <a:latin typeface="나눔바른고딕" panose="020B0603020101020101" pitchFamily="50" charset="-127"/>
+              <a:ea typeface="나눔바른고딕" panose="020B0603020101020101" pitchFamily="50" charset="-127"/>
+            </a:endParaRPr>
+          </a:p>
+        </p:txBody>
+      </p:sp>
+      <p:cxnSp>
+        <p:nvCxnSpPr>
+          <p:cNvPr id="43" name="직선 화살표 연결선 42">
+            <a:extLst>
+              <a:ext uri="{FF2B5EF4-FFF2-40B4-BE49-F238E27FC236}">
+                <a16:creationId xmlns:a16="http://schemas.microsoft.com/office/drawing/2014/main" id="{7546B684-901C-4467-B140-A36DA0756959}"/>
+              </a:ext>
+            </a:extLst>
+          </p:cNvPr>
+          <p:cNvCxnSpPr>
+            <a:cxnSpLocks/>
+            <a:stCxn id="41" idx="3"/>
+            <a:endCxn id="42" idx="1"/>
+          </p:cNvCxnSpPr>
+          <p:nvPr/>
+        </p:nvCxnSpPr>
+        <p:spPr>
+          <a:xfrm>
+            <a:off x="8695544" y="5081926"/>
+            <a:ext cx="871260" cy="0"/>
+          </a:xfrm>
+          <a:prstGeom prst="straightConnector1">
+            <a:avLst/>
+          </a:prstGeom>
+          <a:ln>
+            <a:solidFill>
+              <a:schemeClr val="tx1"/>
+            </a:solidFill>
+            <a:tailEnd type="triangle"/>
+          </a:ln>
+        </p:spPr>
+        <p:style>
+          <a:lnRef idx="1">
+            <a:schemeClr val="accent1"/>
+          </a:lnRef>
+          <a:fillRef idx="0">
+            <a:schemeClr val="accent1"/>
+          </a:fillRef>
+          <a:effectRef idx="0">
+            <a:schemeClr val="accent1"/>
+          </a:effectRef>
+          <a:fontRef idx="minor">
+            <a:schemeClr val="tx1"/>
+          </a:fontRef>
+        </p:style>
+      </p:cxnSp>
+      <p:cxnSp>
+        <p:nvCxnSpPr>
+          <p:cNvPr id="46" name="직선 화살표 연결선 45">
+            <a:extLst>
+              <a:ext uri="{FF2B5EF4-FFF2-40B4-BE49-F238E27FC236}">
+                <a16:creationId xmlns:a16="http://schemas.microsoft.com/office/drawing/2014/main" id="{09EC0F9E-E9E2-4826-8EF4-8FF91961103C}"/>
+              </a:ext>
+            </a:extLst>
+          </p:cNvPr>
+          <p:cNvCxnSpPr>
+            <a:cxnSpLocks/>
+            <a:stCxn id="41" idx="1"/>
+            <a:endCxn id="40" idx="3"/>
+          </p:cNvCxnSpPr>
+          <p:nvPr/>
+        </p:nvCxnSpPr>
+        <p:spPr>
+          <a:xfrm flipH="1">
+            <a:off x="5993874" y="5081926"/>
+            <a:ext cx="1153090" cy="730"/>
+          </a:xfrm>
+          <a:prstGeom prst="straightConnector1">
+            <a:avLst/>
+          </a:prstGeom>
+          <a:ln>
+            <a:solidFill>
+              <a:schemeClr val="tx1"/>
+            </a:solidFill>
+            <a:tailEnd type="triangle"/>
+          </a:ln>
+        </p:spPr>
+        <p:style>
+          <a:lnRef idx="1">
+            <a:schemeClr val="accent1"/>
+          </a:lnRef>
+          <a:fillRef idx="0">
+            <a:schemeClr val="accent1"/>
+          </a:fillRef>
+          <a:effectRef idx="0">
+            <a:schemeClr val="accent1"/>
+          </a:effectRef>
+          <a:fontRef idx="minor">
+            <a:schemeClr val="tx1"/>
+          </a:fontRef>
+        </p:style>
+      </p:cxnSp>
+      <p:cxnSp>
+        <p:nvCxnSpPr>
+          <p:cNvPr id="49" name="직선 화살표 연결선 48">
+            <a:extLst>
+              <a:ext uri="{FF2B5EF4-FFF2-40B4-BE49-F238E27FC236}">
+                <a16:creationId xmlns:a16="http://schemas.microsoft.com/office/drawing/2014/main" id="{78BDA53E-9D96-42CE-B064-C26795869BBC}"/>
+              </a:ext>
+            </a:extLst>
+          </p:cNvPr>
+          <p:cNvCxnSpPr>
+            <a:cxnSpLocks/>
+            <a:stCxn id="23" idx="2"/>
+            <a:endCxn id="37" idx="0"/>
+          </p:cNvCxnSpPr>
+          <p:nvPr/>
+        </p:nvCxnSpPr>
+        <p:spPr>
+          <a:xfrm flipH="1">
+            <a:off x="2660074" y="2914352"/>
+            <a:ext cx="1201214" cy="1647317"/>
+          </a:xfrm>
+          <a:prstGeom prst="straightConnector1">
+            <a:avLst/>
+          </a:prstGeom>
+          <a:ln>
+            <a:solidFill>
+              <a:schemeClr val="tx1"/>
+            </a:solidFill>
+            <a:tailEnd type="triangle"/>
+          </a:ln>
+        </p:spPr>
+        <p:style>
+          <a:lnRef idx="1">
+            <a:schemeClr val="accent1"/>
+          </a:lnRef>
+          <a:fillRef idx="0">
+            <a:schemeClr val="accent1"/>
+          </a:fillRef>
+          <a:effectRef idx="0">
+            <a:schemeClr val="accent1"/>
+          </a:effectRef>
+          <a:fontRef idx="minor">
+            <a:schemeClr val="tx1"/>
+          </a:fontRef>
+        </p:style>
+      </p:cxnSp>
+      <p:cxnSp>
+        <p:nvCxnSpPr>
+          <p:cNvPr id="52" name="직선 화살표 연결선 51">
+            <a:extLst>
+              <a:ext uri="{FF2B5EF4-FFF2-40B4-BE49-F238E27FC236}">
+                <a16:creationId xmlns:a16="http://schemas.microsoft.com/office/drawing/2014/main" id="{173B8171-9C79-4A8B-B40C-B5DCDE9F6C47}"/>
+              </a:ext>
+            </a:extLst>
+          </p:cNvPr>
+          <p:cNvCxnSpPr>
+            <a:cxnSpLocks/>
+            <a:stCxn id="23" idx="2"/>
+            <a:endCxn id="39" idx="0"/>
+          </p:cNvCxnSpPr>
+          <p:nvPr/>
+        </p:nvCxnSpPr>
+        <p:spPr>
+          <a:xfrm>
+            <a:off x="3861288" y="2914352"/>
+            <a:ext cx="1326250" cy="1647316"/>
+          </a:xfrm>
+          <a:prstGeom prst="straightConnector1">
+            <a:avLst/>
+          </a:prstGeom>
+          <a:ln>
+            <a:solidFill>
+              <a:schemeClr val="tx1"/>
+            </a:solidFill>
+            <a:tailEnd type="triangle"/>
+          </a:ln>
+        </p:spPr>
+        <p:style>
+          <a:lnRef idx="1">
+            <a:schemeClr val="accent1"/>
+          </a:lnRef>
+          <a:fillRef idx="0">
+            <a:schemeClr val="accent1"/>
+          </a:fillRef>
+          <a:effectRef idx="0">
+            <a:schemeClr val="accent1"/>
+          </a:effectRef>
+          <a:fontRef idx="minor">
+            <a:schemeClr val="tx1"/>
+          </a:fontRef>
+        </p:style>
+      </p:cxnSp>
+      <p:sp>
+        <p:nvSpPr>
+          <p:cNvPr id="60" name="TextBox 59">
+            <a:extLst>
+              <a:ext uri="{FF2B5EF4-FFF2-40B4-BE49-F238E27FC236}">
+                <a16:creationId xmlns:a16="http://schemas.microsoft.com/office/drawing/2014/main" id="{C79BE56F-A843-499E-B193-95B17BC807BE}"/>
+              </a:ext>
+            </a:extLst>
+          </p:cNvPr>
+          <p:cNvSpPr txBox="1"/>
+          <p:nvPr/>
+        </p:nvSpPr>
+        <p:spPr>
+          <a:xfrm>
+            <a:off x="2994769" y="3899949"/>
+            <a:ext cx="1326251" cy="646331"/>
+          </a:xfrm>
+          <a:prstGeom prst="rect">
+            <a:avLst/>
+          </a:prstGeom>
+          <a:noFill/>
+        </p:spPr>
+        <p:txBody>
+          <a:bodyPr wrap="square" rtlCol="0">
+            <a:spAutoFit/>
+          </a:bodyPr>
+          <a:lstStyle/>
+          <a:p>
+            <a:r>
+              <a:rPr lang="en-US" altLang="ko-KR" sz="1200"/>
+              <a:t>Insert, Update,</a:t>
+            </a:r>
+            <a:br>
+              <a:rPr lang="en-US" altLang="ko-KR" sz="1200"/>
+            </a:br>
+            <a:r>
+              <a:rPr lang="en-US" altLang="ko-KR" sz="1200"/>
+              <a:t>Delete </a:t>
+            </a:r>
+            <a:br>
+              <a:rPr lang="en-US" altLang="ko-KR" sz="1200"/>
+            </a:br>
+            <a:r>
+              <a:rPr lang="en-US" altLang="ko-KR" sz="1200"/>
+              <a:t>Something</a:t>
+            </a:r>
+            <a:endParaRPr lang="ko-KR" altLang="en-US" sz="1200"/>
+          </a:p>
+        </p:txBody>
+      </p:sp>
+      <p:sp>
+        <p:nvSpPr>
+          <p:cNvPr id="61" name="TextBox 60">
+            <a:extLst>
+              <a:ext uri="{FF2B5EF4-FFF2-40B4-BE49-F238E27FC236}">
+                <a16:creationId xmlns:a16="http://schemas.microsoft.com/office/drawing/2014/main" id="{B3D133BB-A92B-474C-8A9F-9609163C339A}"/>
+              </a:ext>
+            </a:extLst>
+          </p:cNvPr>
+          <p:cNvSpPr txBox="1"/>
+          <p:nvPr/>
+        </p:nvSpPr>
+        <p:spPr>
+          <a:xfrm>
+            <a:off x="4902269" y="3948173"/>
+            <a:ext cx="1326251" cy="276999"/>
+          </a:xfrm>
+          <a:prstGeom prst="rect">
+            <a:avLst/>
+          </a:prstGeom>
+          <a:noFill/>
+        </p:spPr>
+        <p:txBody>
+          <a:bodyPr wrap="square" rtlCol="0">
+            <a:spAutoFit/>
+          </a:bodyPr>
+          <a:lstStyle/>
+          <a:p>
+            <a:r>
+              <a:rPr lang="en-US" altLang="ko-KR" sz="1200"/>
+              <a:t>Insert</a:t>
+            </a:r>
+            <a:endParaRPr lang="ko-KR" altLang="en-US" sz="1200"/>
+          </a:p>
+        </p:txBody>
+      </p:sp>
+      <p:sp>
+        <p:nvSpPr>
+          <p:cNvPr id="66" name="TextBox 65">
+            <a:extLst>
+              <a:ext uri="{FF2B5EF4-FFF2-40B4-BE49-F238E27FC236}">
+                <a16:creationId xmlns:a16="http://schemas.microsoft.com/office/drawing/2014/main" id="{5126370C-9A85-4CBC-96C2-FFB5AE9AB09F}"/>
+              </a:ext>
+            </a:extLst>
+          </p:cNvPr>
+          <p:cNvSpPr txBox="1"/>
+          <p:nvPr/>
+        </p:nvSpPr>
+        <p:spPr>
+          <a:xfrm>
+            <a:off x="5754741" y="3672959"/>
+            <a:ext cx="1450062" cy="461665"/>
+          </a:xfrm>
+          <a:prstGeom prst="rect">
+            <a:avLst/>
+          </a:prstGeom>
+          <a:noFill/>
+        </p:spPr>
+        <p:txBody>
+          <a:bodyPr wrap="square" rtlCol="0">
+            <a:spAutoFit/>
+          </a:bodyPr>
+          <a:lstStyle/>
+          <a:p>
+            <a:r>
+              <a:rPr lang="en-US" altLang="ko-KR" sz="2400">
+                <a:sym typeface="Wingdings" panose="05000000000000000000" pitchFamily="2" charset="2"/>
+              </a:rPr>
+              <a:t></a:t>
+            </a:r>
+            <a:endParaRPr lang="ko-KR" altLang="en-US" sz="2400"/>
+          </a:p>
+        </p:txBody>
+      </p:sp>
+      <p:sp>
+        <p:nvSpPr>
+          <p:cNvPr id="75" name="TextBox 74">
+            <a:extLst>
+              <a:ext uri="{FF2B5EF4-FFF2-40B4-BE49-F238E27FC236}">
+                <a16:creationId xmlns:a16="http://schemas.microsoft.com/office/drawing/2014/main" id="{F9F54097-06D5-41EA-8F74-225DFCB11913}"/>
+              </a:ext>
+            </a:extLst>
+          </p:cNvPr>
+          <p:cNvSpPr txBox="1"/>
+          <p:nvPr/>
+        </p:nvSpPr>
+        <p:spPr>
+          <a:xfrm>
+            <a:off x="6534668" y="5064304"/>
+            <a:ext cx="1450062" cy="461665"/>
+          </a:xfrm>
+          <a:prstGeom prst="rect">
+            <a:avLst/>
+          </a:prstGeom>
+          <a:noFill/>
+        </p:spPr>
+        <p:txBody>
+          <a:bodyPr wrap="square" rtlCol="0">
+            <a:spAutoFit/>
+          </a:bodyPr>
+          <a:lstStyle/>
+          <a:p>
+            <a:r>
+              <a:rPr lang="en-US" altLang="ko-KR" sz="2400">
+                <a:sym typeface="Wingdings" panose="05000000000000000000" pitchFamily="2" charset="2"/>
+              </a:rPr>
+              <a:t></a:t>
+            </a:r>
+            <a:endParaRPr lang="ko-KR" altLang="en-US" sz="2400"/>
+          </a:p>
+        </p:txBody>
+      </p:sp>
+      <p:sp>
+        <p:nvSpPr>
+          <p:cNvPr id="80" name="TextBox 79">
+            <a:extLst>
+              <a:ext uri="{FF2B5EF4-FFF2-40B4-BE49-F238E27FC236}">
+                <a16:creationId xmlns:a16="http://schemas.microsoft.com/office/drawing/2014/main" id="{8A358196-C6CD-4502-BA88-6AD97E50DCB1}"/>
+              </a:ext>
+            </a:extLst>
+          </p:cNvPr>
+          <p:cNvSpPr txBox="1"/>
+          <p:nvPr/>
+        </p:nvSpPr>
+        <p:spPr>
+          <a:xfrm>
+            <a:off x="8865523" y="5081926"/>
+            <a:ext cx="1450062" cy="461665"/>
+          </a:xfrm>
+          <a:prstGeom prst="rect">
+            <a:avLst/>
+          </a:prstGeom>
+          <a:noFill/>
+        </p:spPr>
+        <p:txBody>
+          <a:bodyPr wrap="square" rtlCol="0">
+            <a:spAutoFit/>
+          </a:bodyPr>
+          <a:lstStyle/>
+          <a:p>
+            <a:r>
+              <a:rPr lang="en-US" altLang="ko-KR" sz="2400">
+                <a:sym typeface="Wingdings" panose="05000000000000000000" pitchFamily="2" charset="2"/>
+              </a:rPr>
+              <a:t></a:t>
+            </a:r>
+            <a:endParaRPr lang="ko-KR" altLang="en-US" sz="2400"/>
+          </a:p>
+        </p:txBody>
+      </p:sp>
+      <p:sp>
+        <p:nvSpPr>
+          <p:cNvPr id="81" name="TextBox 80">
+            <a:extLst>
+              <a:ext uri="{FF2B5EF4-FFF2-40B4-BE49-F238E27FC236}">
+                <a16:creationId xmlns:a16="http://schemas.microsoft.com/office/drawing/2014/main" id="{ED929CE9-7668-42E5-B670-030AAB5C19ED}"/>
+              </a:ext>
+            </a:extLst>
+          </p:cNvPr>
+          <p:cNvSpPr txBox="1"/>
+          <p:nvPr/>
+        </p:nvSpPr>
+        <p:spPr>
+          <a:xfrm>
+            <a:off x="6545432" y="5423078"/>
+            <a:ext cx="1326251" cy="276999"/>
+          </a:xfrm>
+          <a:prstGeom prst="rect">
+            <a:avLst/>
+          </a:prstGeom>
+          <a:noFill/>
+        </p:spPr>
+        <p:txBody>
+          <a:bodyPr wrap="square" rtlCol="0">
+            <a:spAutoFit/>
+          </a:bodyPr>
+          <a:lstStyle/>
+          <a:p>
+            <a:r>
+              <a:rPr lang="en-US" altLang="ko-KR" sz="1200"/>
+              <a:t>Select OUTBOX </a:t>
+            </a:r>
+            <a:endParaRPr lang="ko-KR" altLang="en-US" sz="1200"/>
+          </a:p>
+        </p:txBody>
+      </p:sp>
+      <p:sp>
+        <p:nvSpPr>
+          <p:cNvPr id="85" name="TextBox 84">
+            <a:extLst>
+              <a:ext uri="{FF2B5EF4-FFF2-40B4-BE49-F238E27FC236}">
+                <a16:creationId xmlns:a16="http://schemas.microsoft.com/office/drawing/2014/main" id="{7D8E50DD-8D7E-4A2E-9C73-FCA3EAF8EF2E}"/>
+              </a:ext>
+            </a:extLst>
+          </p:cNvPr>
+          <p:cNvSpPr txBox="1"/>
+          <p:nvPr/>
+        </p:nvSpPr>
+        <p:spPr>
+          <a:xfrm>
+            <a:off x="8726108" y="5434823"/>
+            <a:ext cx="1326251" cy="276999"/>
+          </a:xfrm>
+          <a:prstGeom prst="rect">
+            <a:avLst/>
+          </a:prstGeom>
+          <a:noFill/>
+        </p:spPr>
+        <p:txBody>
+          <a:bodyPr wrap="square" rtlCol="0">
+            <a:spAutoFit/>
+          </a:bodyPr>
+          <a:lstStyle/>
+          <a:p>
+            <a:r>
+              <a:rPr lang="ko-KR" altLang="en-US" sz="1200"/>
+              <a:t>발행</a:t>
+            </a:r>
+          </a:p>
+        </p:txBody>
+      </p:sp>
+    </p:spTree>
+    <p:extLst>
+      <p:ext uri="{BB962C8B-B14F-4D97-AF65-F5344CB8AC3E}">
+        <p14:creationId xmlns:p14="http://schemas.microsoft.com/office/powerpoint/2010/main" val="1203954216"/>
       </p:ext>
     </p:extLst>
   </p:cSld>
